--- a/topic-02/Developer Stories.pptx
+++ b/topic-02/Developer Stories.pptx
@@ -15,6 +15,7 @@
     <p:sldId id="263" r:id="rId10"/>
     <p:sldId id="264" r:id="rId11"/>
     <p:sldId id="265" r:id="rId12"/>
+    <p:sldId id="266" r:id="rId13"/>
   </p:sldIdLst>
   <p:sldSz cx="10080625" cy="5670550"/>
   <p:notesSz cx="7559675" cy="10691813"/>
@@ -375,7 +376,7 @@
             <a:spAutoFit/>
           </a:bodyPr>
           <a:p>
-            <a:fld id="{7789C044-610D-41E4-A016-BC71CA997207}" type="author">
+            <a:fld id="{A3DAE913-5C55-4886-88F9-2AAB869D798D}" type="author">
               <a:rPr b="0" lang="en-GB" sz="1800" strike="noStrike" u="none">
                 <a:solidFill>
                   <a:srgbClr val="ffffff"/>
@@ -582,7 +583,7 @@
 </file>
 
 <file path=ppt/slideLayouts/slideLayout2.xml><?xml version="1.0" encoding="utf-8"?>
-<p:sldLayout xmlns:a="http://schemas.openxmlformats.org/drawingml/2006/main" xmlns:p="http://schemas.openxmlformats.org/presentationml/2006/main" xmlns:r="http://schemas.openxmlformats.org/officeDocument/2006/relationships" xmlns:p14="http://schemas.microsoft.com/office/powerpoint/2010/main" xmlns:p15="http://schemas.microsoft.com/office/powerpoint/2012/main" xmlns:mc="http://schemas.openxmlformats.org/markup-compatibility/2006" type="title" preserve="1">
+<p:sldLayout xmlns:a="http://schemas.openxmlformats.org/drawingml/2006/main" xmlns:p="http://schemas.openxmlformats.org/presentationml/2006/main" xmlns:r="http://schemas.openxmlformats.org/officeDocument/2006/relationships" xmlns:p14="http://schemas.microsoft.com/office/powerpoint/2010/main" xmlns:p15="http://schemas.microsoft.com/office/powerpoint/2012/main" xmlns:mc="http://schemas.openxmlformats.org/markup-compatibility/2006" type="tx" preserve="1">
   <p:cSld name="Portfolio">
     <p:bg>
       <p:bgPr>
@@ -935,7 +936,7 @@
             <a:spAutoFit/>
           </a:bodyPr>
           <a:p>
-            <a:fld id="{6FB61593-9E37-49A9-9697-4F4BB5D04D1D}" type="author">
+            <a:fld id="{667C313B-71B3-40EB-BBF6-21A33F741FC8}" type="author">
               <a:rPr b="0" lang="en-GB" sz="1800" strike="noStrike" u="none">
                 <a:solidFill>
                   <a:srgbClr val="ffffff"/>
@@ -1142,6 +1143,566 @@
 </file>
 
 <file path=ppt/slideLayouts/slideLayout3.xml><?xml version="1.0" encoding="utf-8"?>
+<p:sldLayout xmlns:a="http://schemas.openxmlformats.org/drawingml/2006/main" xmlns:p="http://schemas.openxmlformats.org/presentationml/2006/main" xmlns:r="http://schemas.openxmlformats.org/officeDocument/2006/relationships" xmlns:p14="http://schemas.microsoft.com/office/powerpoint/2010/main" xmlns:p15="http://schemas.microsoft.com/office/powerpoint/2012/main" xmlns:mc="http://schemas.openxmlformats.org/markup-compatibility/2006" type="title" preserve="1">
+  <p:cSld name="Portfolio">
+    <p:bg>
+      <p:bgPr>
+        <a:solidFill>
+          <a:srgbClr val="000000"/>
+        </a:solidFill>
+      </p:bgPr>
+    </p:bg>
+    <p:spTree>
+      <p:nvGrpSpPr>
+        <p:cNvPr id="1" name=""/>
+        <p:cNvGrpSpPr/>
+        <p:nvPr/>
+      </p:nvGrpSpPr>
+      <p:grpSpPr>
+        <a:xfrm>
+          <a:off x="0" y="0"/>
+          <a:ext cx="0" cy="0"/>
+          <a:chOff x="0" y="0"/>
+          <a:chExt cx="0" cy="0"/>
+        </a:xfrm>
+      </p:grpSpPr>
+      <p:sp>
+        <p:nvSpPr>
+          <p:cNvPr id="9" name="PlaceHolder 1"/>
+          <p:cNvSpPr>
+            <a:spLocks noGrp="1"/>
+          </p:cNvSpPr>
+          <p:nvPr>
+            <p:ph type="title"/>
+          </p:nvPr>
+        </p:nvSpPr>
+        <p:spPr>
+          <a:xfrm>
+            <a:off x="144000" y="3888000"/>
+            <a:ext cx="9000000" cy="658440"/>
+          </a:xfrm>
+          <a:prstGeom prst="rect">
+            <a:avLst/>
+          </a:prstGeom>
+          <a:noFill/>
+          <a:ln w="0">
+            <a:noFill/>
+          </a:ln>
+        </p:spPr>
+        <p:txBody>
+          <a:bodyPr lIns="0" rIns="0" tIns="0" bIns="0" anchor="ctr">
+            <a:noAutofit/>
+          </a:bodyPr>
+          <a:p>
+            <a:pPr indent="0">
+              <a:buNone/>
+            </a:pPr>
+            <a:r>
+              <a:rPr b="0" lang="en-GB" sz="4400" strike="noStrike" u="none">
+                <a:solidFill>
+                  <a:srgbClr val="ffffff"/>
+                </a:solidFill>
+                <a:effectLst/>
+                <a:uFillTx/>
+                <a:latin typeface="Arial"/>
+              </a:rPr>
+              <a:t>Click to edit the title text format</a:t>
+            </a:r>
+            <a:endParaRPr b="0" lang="en-GB" sz="4400" strike="noStrike" u="none">
+              <a:solidFill>
+                <a:srgbClr val="ffffff"/>
+              </a:solidFill>
+              <a:effectLst/>
+              <a:uFillTx/>
+              <a:latin typeface="Arial"/>
+            </a:endParaRPr>
+          </a:p>
+        </p:txBody>
+      </p:sp>
+      <p:sp>
+        <p:nvSpPr>
+          <p:cNvPr id="10" name="PlaceHolder 2"/>
+          <p:cNvSpPr>
+            <a:spLocks noGrp="1"/>
+          </p:cNvSpPr>
+          <p:nvPr>
+            <p:ph type="body"/>
+          </p:nvPr>
+        </p:nvSpPr>
+        <p:spPr>
+          <a:xfrm>
+            <a:off x="1584000" y="648000"/>
+            <a:ext cx="6480000" cy="2598840"/>
+          </a:xfrm>
+          <a:prstGeom prst="rect">
+            <a:avLst/>
+          </a:prstGeom>
+          <a:noFill/>
+          <a:ln w="0">
+            <a:noFill/>
+          </a:ln>
+        </p:spPr>
+        <p:txBody>
+          <a:bodyPr lIns="0" rIns="0" tIns="0" bIns="0" anchor="t">
+            <a:normAutofit fontScale="92500" lnSpcReduction="9999"/>
+          </a:bodyPr>
+          <a:p>
+            <a:pPr marL="432000" indent="-324000">
+              <a:spcBef>
+                <a:spcPts val="1417"/>
+              </a:spcBef>
+              <a:buClr>
+                <a:srgbClr val="ffffff"/>
+              </a:buClr>
+              <a:buSzPct val="45000"/>
+              <a:buFont typeface="Wingdings" charset="2"/>
+              <a:buChar char=""/>
+            </a:pPr>
+            <a:r>
+              <a:rPr b="0" lang="en-GB" sz="3200" strike="noStrike" u="none">
+                <a:solidFill>
+                  <a:srgbClr val="ffffff"/>
+                </a:solidFill>
+                <a:effectLst/>
+                <a:uFillTx/>
+                <a:latin typeface="Arial"/>
+              </a:rPr>
+              <a:t>Click to edit the outline text format</a:t>
+            </a:r>
+            <a:endParaRPr b="0" lang="en-GB" sz="3200" strike="noStrike" u="none">
+              <a:solidFill>
+                <a:srgbClr val="ffffff"/>
+              </a:solidFill>
+              <a:effectLst/>
+              <a:uFillTx/>
+              <a:latin typeface="Arial"/>
+            </a:endParaRPr>
+          </a:p>
+          <a:p>
+            <a:pPr lvl="1" marL="864000" indent="-324000">
+              <a:spcBef>
+                <a:spcPts val="1134"/>
+              </a:spcBef>
+              <a:buClr>
+                <a:srgbClr val="ffffff"/>
+              </a:buClr>
+              <a:buSzPct val="75000"/>
+              <a:buFont typeface="Symbol" charset="2"/>
+              <a:buChar char=""/>
+            </a:pPr>
+            <a:r>
+              <a:rPr b="0" lang="en-GB" sz="2800" strike="noStrike" u="none">
+                <a:solidFill>
+                  <a:srgbClr val="ffffff"/>
+                </a:solidFill>
+                <a:effectLst/>
+                <a:uFillTx/>
+                <a:latin typeface="Arial"/>
+              </a:rPr>
+              <a:t>Second Outline Level</a:t>
+            </a:r>
+            <a:endParaRPr b="0" lang="en-GB" sz="2800" strike="noStrike" u="none">
+              <a:solidFill>
+                <a:srgbClr val="ffffff"/>
+              </a:solidFill>
+              <a:effectLst/>
+              <a:uFillTx/>
+              <a:latin typeface="Arial"/>
+            </a:endParaRPr>
+          </a:p>
+          <a:p>
+            <a:pPr lvl="2" marL="1296000" indent="-288000">
+              <a:spcBef>
+                <a:spcPts val="850"/>
+              </a:spcBef>
+              <a:buClr>
+                <a:srgbClr val="ffffff"/>
+              </a:buClr>
+              <a:buSzPct val="45000"/>
+              <a:buFont typeface="Wingdings" charset="2"/>
+              <a:buChar char=""/>
+            </a:pPr>
+            <a:r>
+              <a:rPr b="0" lang="en-GB" sz="2400" strike="noStrike" u="none">
+                <a:solidFill>
+                  <a:srgbClr val="ffffff"/>
+                </a:solidFill>
+                <a:effectLst/>
+                <a:uFillTx/>
+                <a:latin typeface="Arial"/>
+              </a:rPr>
+              <a:t>Third Outline Level</a:t>
+            </a:r>
+            <a:endParaRPr b="0" lang="en-GB" sz="2400" strike="noStrike" u="none">
+              <a:solidFill>
+                <a:srgbClr val="ffffff"/>
+              </a:solidFill>
+              <a:effectLst/>
+              <a:uFillTx/>
+              <a:latin typeface="Arial"/>
+            </a:endParaRPr>
+          </a:p>
+          <a:p>
+            <a:pPr lvl="3" marL="1728000" indent="-216000">
+              <a:spcBef>
+                <a:spcPts val="567"/>
+              </a:spcBef>
+              <a:buClr>
+                <a:srgbClr val="ffffff"/>
+              </a:buClr>
+              <a:buSzPct val="75000"/>
+              <a:buFont typeface="Symbol" charset="2"/>
+              <a:buChar char=""/>
+            </a:pPr>
+            <a:r>
+              <a:rPr b="0" lang="en-GB" sz="2000" strike="noStrike" u="none">
+                <a:solidFill>
+                  <a:srgbClr val="ffffff"/>
+                </a:solidFill>
+                <a:effectLst/>
+                <a:uFillTx/>
+                <a:latin typeface="Arial"/>
+              </a:rPr>
+              <a:t>Fourth Outline Level</a:t>
+            </a:r>
+            <a:endParaRPr b="0" lang="en-GB" sz="2000" strike="noStrike" u="none">
+              <a:solidFill>
+                <a:srgbClr val="ffffff"/>
+              </a:solidFill>
+              <a:effectLst/>
+              <a:uFillTx/>
+              <a:latin typeface="Arial"/>
+            </a:endParaRPr>
+          </a:p>
+          <a:p>
+            <a:pPr lvl="4" marL="2160000" indent="-216000">
+              <a:spcBef>
+                <a:spcPts val="283"/>
+              </a:spcBef>
+              <a:buClr>
+                <a:srgbClr val="ffffff"/>
+              </a:buClr>
+              <a:buSzPct val="45000"/>
+              <a:buFont typeface="Wingdings" charset="2"/>
+              <a:buChar char=""/>
+            </a:pPr>
+            <a:r>
+              <a:rPr b="0" lang="en-GB" sz="2000" strike="noStrike" u="none">
+                <a:solidFill>
+                  <a:srgbClr val="ffffff"/>
+                </a:solidFill>
+                <a:effectLst/>
+                <a:uFillTx/>
+                <a:latin typeface="Arial"/>
+              </a:rPr>
+              <a:t>Fifth Outline Level</a:t>
+            </a:r>
+            <a:endParaRPr b="0" lang="en-GB" sz="2000" strike="noStrike" u="none">
+              <a:solidFill>
+                <a:srgbClr val="ffffff"/>
+              </a:solidFill>
+              <a:effectLst/>
+              <a:uFillTx/>
+              <a:latin typeface="Arial"/>
+            </a:endParaRPr>
+          </a:p>
+          <a:p>
+            <a:pPr lvl="5" marL="2592000" indent="-216000">
+              <a:spcBef>
+                <a:spcPts val="283"/>
+              </a:spcBef>
+              <a:buClr>
+                <a:srgbClr val="ffffff"/>
+              </a:buClr>
+              <a:buSzPct val="45000"/>
+              <a:buFont typeface="Wingdings" charset="2"/>
+              <a:buChar char=""/>
+            </a:pPr>
+            <a:r>
+              <a:rPr b="0" lang="en-GB" sz="2000" strike="noStrike" u="none">
+                <a:solidFill>
+                  <a:srgbClr val="ffffff"/>
+                </a:solidFill>
+                <a:effectLst/>
+                <a:uFillTx/>
+                <a:latin typeface="Arial"/>
+              </a:rPr>
+              <a:t>Sixth Outline Level</a:t>
+            </a:r>
+            <a:endParaRPr b="0" lang="en-GB" sz="2000" strike="noStrike" u="none">
+              <a:solidFill>
+                <a:srgbClr val="ffffff"/>
+              </a:solidFill>
+              <a:effectLst/>
+              <a:uFillTx/>
+              <a:latin typeface="Arial"/>
+            </a:endParaRPr>
+          </a:p>
+          <a:p>
+            <a:pPr lvl="6" marL="3024000" indent="-216000">
+              <a:spcBef>
+                <a:spcPts val="283"/>
+              </a:spcBef>
+              <a:buClr>
+                <a:srgbClr val="ffffff"/>
+              </a:buClr>
+              <a:buSzPct val="45000"/>
+              <a:buFont typeface="Wingdings" charset="2"/>
+              <a:buChar char=""/>
+            </a:pPr>
+            <a:r>
+              <a:rPr b="0" lang="en-GB" sz="2000" strike="noStrike" u="none">
+                <a:solidFill>
+                  <a:srgbClr val="ffffff"/>
+                </a:solidFill>
+                <a:effectLst/>
+                <a:uFillTx/>
+                <a:latin typeface="Arial"/>
+              </a:rPr>
+              <a:t>Seventh Outline Level</a:t>
+            </a:r>
+            <a:endParaRPr b="0" lang="en-GB" sz="2000" strike="noStrike" u="none">
+              <a:solidFill>
+                <a:srgbClr val="ffffff"/>
+              </a:solidFill>
+              <a:effectLst/>
+              <a:uFillTx/>
+              <a:latin typeface="Arial"/>
+            </a:endParaRPr>
+          </a:p>
+        </p:txBody>
+      </p:sp>
+      <p:sp>
+        <p:nvSpPr>
+          <p:cNvPr id="11" name=""/>
+          <p:cNvSpPr txBox="1"/>
+          <p:nvPr/>
+        </p:nvSpPr>
+        <p:spPr>
+          <a:xfrm>
+            <a:off x="4104000" y="4896000"/>
+            <a:ext cx="5760000" cy="346320"/>
+          </a:xfrm>
+          <a:prstGeom prst="rect">
+            <a:avLst/>
+          </a:prstGeom>
+          <a:noFill/>
+          <a:ln w="10800">
+            <a:noFill/>
+          </a:ln>
+        </p:spPr>
+        <p:txBody>
+          <a:bodyPr lIns="90000" rIns="90000" tIns="45000" bIns="45000" anchor="t">
+            <a:spAutoFit/>
+          </a:bodyPr>
+          <a:p>
+            <a:fld id="{462C1674-A5C1-4242-9588-3AB07ADB87E5}" type="author">
+              <a:rPr b="0" lang="en-GB" sz="1800" strike="noStrike" u="none">
+                <a:solidFill>
+                  <a:srgbClr val="ffffff"/>
+                </a:solidFill>
+                <a:effectLst/>
+                <a:uFillTx/>
+                <a:latin typeface="Arial"/>
+              </a:rPr>
+              <a:t> </a:t>
+            </a:fld>
+            <a:endParaRPr b="0" lang="en-GB" sz="1800" strike="noStrike" u="none">
+              <a:solidFill>
+                <a:srgbClr val="ffffff"/>
+              </a:solidFill>
+              <a:effectLst/>
+              <a:uFillTx/>
+              <a:latin typeface="Arial"/>
+            </a:endParaRPr>
+          </a:p>
+        </p:txBody>
+      </p:sp>
+      <p:sp>
+        <p:nvSpPr>
+          <p:cNvPr id="3" name=""/>
+          <p:cNvSpPr/>
+          <p:nvPr/>
+        </p:nvSpPr>
+        <p:spPr>
+          <a:xfrm>
+            <a:off x="25920" y="4628880"/>
+            <a:ext cx="6120000" cy="18000"/>
+          </a:xfrm>
+          <a:prstGeom prst="roundRect">
+            <a:avLst>
+              <a:gd name="adj" fmla="val 50000"/>
+            </a:avLst>
+          </a:prstGeom>
+          <a:gradFill rotWithShape="0">
+            <a:gsLst>
+              <a:gs pos="0">
+                <a:srgbClr val="cccccc"/>
+              </a:gs>
+              <a:gs pos="100000">
+                <a:srgbClr val="333333"/>
+              </a:gs>
+            </a:gsLst>
+            <a:lin ang="0"/>
+          </a:gradFill>
+          <a:ln w="10800">
+            <a:noFill/>
+          </a:ln>
+        </p:spPr>
+        <p:style>
+          <a:lnRef idx="0"/>
+          <a:fillRef idx="0"/>
+          <a:effectRef idx="0"/>
+          <a:fontRef idx="minor"/>
+        </p:style>
+        <p:txBody>
+          <a:bodyPr wrap="none" lIns="90000" rIns="90000" tIns="-32040" bIns="-32040" anchor="t">
+            <a:noAutofit/>
+          </a:bodyPr>
+          <a:p>
+            <a:endParaRPr b="0" lang="en-GB" sz="1800" strike="noStrike" u="none">
+              <a:solidFill>
+                <a:srgbClr val="ffffff"/>
+              </a:solidFill>
+              <a:effectLst/>
+              <a:uFillTx/>
+              <a:latin typeface="Arial"/>
+            </a:endParaRPr>
+          </a:p>
+        </p:txBody>
+      </p:sp>
+      <p:sp>
+        <p:nvSpPr>
+          <p:cNvPr id="4" name=""/>
+          <p:cNvSpPr/>
+          <p:nvPr/>
+        </p:nvSpPr>
+        <p:spPr>
+          <a:xfrm>
+            <a:off x="3859200" y="5324400"/>
+            <a:ext cx="6240240" cy="7200"/>
+          </a:xfrm>
+          <a:prstGeom prst="roundRect">
+            <a:avLst>
+              <a:gd name="adj" fmla="val 50000"/>
+            </a:avLst>
+          </a:prstGeom>
+          <a:gradFill rotWithShape="0">
+            <a:gsLst>
+              <a:gs pos="0">
+                <a:srgbClr val="cccccc"/>
+              </a:gs>
+              <a:gs pos="100000">
+                <a:srgbClr val="333333"/>
+              </a:gs>
+            </a:gsLst>
+            <a:lin ang="0"/>
+          </a:gradFill>
+          <a:ln w="10800">
+            <a:noFill/>
+          </a:ln>
+        </p:spPr>
+        <p:style>
+          <a:lnRef idx="0"/>
+          <a:fillRef idx="0"/>
+          <a:effectRef idx="0"/>
+          <a:fontRef idx="minor"/>
+        </p:style>
+        <p:txBody>
+          <a:bodyPr wrap="none" lIns="90000" rIns="90000" tIns="-39960" bIns="-39960" anchor="t">
+            <a:noAutofit/>
+          </a:bodyPr>
+          <a:p>
+            <a:endParaRPr b="0" lang="en-GB" sz="1800" strike="noStrike" u="none">
+              <a:solidFill>
+                <a:srgbClr val="ffffff"/>
+              </a:solidFill>
+              <a:effectLst/>
+              <a:uFillTx/>
+              <a:latin typeface="Arial"/>
+            </a:endParaRPr>
+          </a:p>
+        </p:txBody>
+      </p:sp>
+      <p:sp>
+        <p:nvSpPr>
+          <p:cNvPr id="5" name=""/>
+          <p:cNvSpPr/>
+          <p:nvPr/>
+        </p:nvSpPr>
+        <p:spPr>
+          <a:xfrm>
+            <a:off x="4044960" y="4944960"/>
+            <a:ext cx="7200" cy="487440"/>
+          </a:xfrm>
+          <a:custGeom>
+            <a:avLst/>
+            <a:gdLst>
+              <a:gd name="textAreaLeft" fmla="*/ 1080 w 7200"/>
+              <a:gd name="textAreaRight" fmla="*/ 6120 w 7200"/>
+              <a:gd name="textAreaTop" fmla="*/ 1080 h 487440"/>
+              <a:gd name="textAreaBottom" fmla="*/ 486360 h 487440"/>
+            </a:gdLst>
+            <a:ahLst/>
+            <a:cxnLst/>
+            <a:rect l="textAreaLeft" t="textAreaTop" r="textAreaRight" b="textAreaBottom"/>
+            <a:pathLst>
+              <a:path w="21600" h="1393714">
+                <a:moveTo>
+                  <a:pt x="10800" y="0"/>
+                </a:moveTo>
+                <a:arcTo wR="10800" hR="10800" stAng="16200000" swAng="-5400000"/>
+                <a:lnTo>
+                  <a:pt x="0" y="1382914"/>
+                </a:lnTo>
+                <a:arcTo wR="10800" hR="10800" stAng="10800000" swAng="-5400000"/>
+                <a:lnTo>
+                  <a:pt x="10800" y="1393714"/>
+                </a:lnTo>
+                <a:arcTo wR="10800" hR="10800" stAng="5400000" swAng="-5400000"/>
+                <a:lnTo>
+                  <a:pt x="21600" y="10800"/>
+                </a:lnTo>
+                <a:arcTo wR="10800" hR="10800" stAng="0" swAng="-5400000"/>
+                <a:close/>
+              </a:path>
+            </a:pathLst>
+          </a:custGeom>
+          <a:solidFill>
+            <a:srgbClr val="cccccc"/>
+          </a:solidFill>
+          <a:ln w="10800">
+            <a:noFill/>
+          </a:ln>
+        </p:spPr>
+        <p:style>
+          <a:lnRef idx="0"/>
+          <a:fillRef idx="0"/>
+          <a:effectRef idx="0"/>
+          <a:fontRef idx="minor"/>
+        </p:style>
+        <p:txBody>
+          <a:bodyPr wrap="none" lIns="90000" rIns="90000" tIns="45000" bIns="45000" anchor="t">
+            <a:noAutofit/>
+          </a:bodyPr>
+          <a:p>
+            <a:endParaRPr b="0" lang="en-GB" sz="1800" strike="noStrike" u="none">
+              <a:solidFill>
+                <a:srgbClr val="000000"/>
+              </a:solidFill>
+              <a:effectLst/>
+              <a:uFillTx/>
+              <a:latin typeface="Arial"/>
+            </a:endParaRPr>
+          </a:p>
+        </p:txBody>
+      </p:sp>
+    </p:spTree>
+  </p:cSld>
+</p:sldLayout>
+</file>
+
+<file path=ppt/slideLayouts/slideLayout4.xml><?xml version="1.0" encoding="utf-8"?>
 <p:sldLayout xmlns:a="http://schemas.openxmlformats.org/drawingml/2006/main" xmlns:p="http://schemas.openxmlformats.org/presentationml/2006/main" xmlns:r="http://schemas.openxmlformats.org/officeDocument/2006/relationships" xmlns:p14="http://schemas.microsoft.com/office/powerpoint/2010/main" xmlns:p15="http://schemas.microsoft.com/office/powerpoint/2012/main" xmlns:mc="http://schemas.openxmlformats.org/markup-compatibility/2006" type="twoObj" preserve="1">
   <p:cSld name="One Column">
     <p:bg>
@@ -1167,7 +1728,7 @@
       </p:grpSpPr>
       <p:sp>
         <p:nvSpPr>
-          <p:cNvPr id="19" name="PlaceHolder 1"/>
+          <p:cNvPr id="22" name="PlaceHolder 1"/>
           <p:cNvSpPr>
             <a:spLocks noGrp="1"/>
           </p:cNvSpPr>
@@ -1220,7 +1781,7 @@
       </p:sp>
       <p:sp>
         <p:nvSpPr>
-          <p:cNvPr id="20" name="PlaceHolder 2"/>
+          <p:cNvPr id="23" name="PlaceHolder 2"/>
           <p:cNvSpPr>
             <a:spLocks noGrp="1"/>
           </p:cNvSpPr>
@@ -1473,7 +2034,7 @@
       </p:sp>
       <p:sp>
         <p:nvSpPr>
-          <p:cNvPr id="21" name="PlaceHolder 3"/>
+          <p:cNvPr id="24" name="PlaceHolder 3"/>
           <p:cNvSpPr>
             <a:spLocks noGrp="1"/>
           </p:cNvSpPr>
@@ -1539,7 +2100,7 @@
       </p:sp>
       <p:sp>
         <p:nvSpPr>
-          <p:cNvPr id="22" name="PlaceHolder 4"/>
+          <p:cNvPr id="25" name="PlaceHolder 4"/>
           <p:cNvSpPr>
             <a:spLocks noGrp="1"/>
           </p:cNvSpPr>
@@ -1605,7 +2166,7 @@
       </p:sp>
       <p:sp>
         <p:nvSpPr>
-          <p:cNvPr id="23" name="PlaceHolder 5"/>
+          <p:cNvPr id="26" name="PlaceHolder 5"/>
           <p:cNvSpPr>
             <a:spLocks noGrp="1"/>
           </p:cNvSpPr>
@@ -1647,7 +2208,7 @@
             <a:pPr indent="0" algn="r">
               <a:buNone/>
             </a:pPr>
-            <a:fld id="{551710DA-D63C-42D3-AB31-42BF003A1D36}" type="slidenum">
+            <a:fld id="{CD2A83FB-074E-4385-93DE-1B18C9CA5867}" type="slidenum">
               <a:rPr b="0" lang="en-GB" sz="1400" strike="noStrike" u="none">
                 <a:solidFill>
                   <a:srgbClr val="ffffff"/>
@@ -1671,7 +2232,7 @@
       </p:sp>
       <p:sp>
         <p:nvSpPr>
-          <p:cNvPr id="14" name=""/>
+          <p:cNvPr id="17" name=""/>
           <p:cNvSpPr/>
           <p:nvPr/>
         </p:nvSpPr>
@@ -1724,7 +2285,7 @@
       </p:sp>
       <p:sp>
         <p:nvSpPr>
-          <p:cNvPr id="15" name=""/>
+          <p:cNvPr id="18" name=""/>
           <p:cNvSpPr/>
           <p:nvPr/>
         </p:nvSpPr>
@@ -1777,7 +2338,7 @@
       </p:sp>
       <p:sp>
         <p:nvSpPr>
-          <p:cNvPr id="16" name=""/>
+          <p:cNvPr id="19" name=""/>
           <p:cNvSpPr/>
           <p:nvPr/>
         </p:nvSpPr>
@@ -1850,7 +2411,7 @@
       </p:sp>
       <p:sp>
         <p:nvSpPr>
-          <p:cNvPr id="17" name=""/>
+          <p:cNvPr id="20" name=""/>
           <p:cNvSpPr/>
           <p:nvPr/>
         </p:nvSpPr>
@@ -1903,7 +2464,7 @@
       </p:sp>
       <p:sp>
         <p:nvSpPr>
-          <p:cNvPr id="18" name=""/>
+          <p:cNvPr id="21" name=""/>
           <p:cNvSpPr/>
           <p:nvPr/>
         </p:nvSpPr>
@@ -1979,7 +2540,7 @@
 </p:sldLayout>
 </file>
 
-<file path=ppt/slideLayouts/slideLayout4.xml><?xml version="1.0" encoding="utf-8"?>
+<file path=ppt/slideLayouts/slideLayout5.xml><?xml version="1.0" encoding="utf-8"?>
 <p:sldLayout xmlns:a="http://schemas.openxmlformats.org/drawingml/2006/main" xmlns:p="http://schemas.openxmlformats.org/presentationml/2006/main" xmlns:r="http://schemas.openxmlformats.org/officeDocument/2006/relationships" xmlns:p14="http://schemas.microsoft.com/office/powerpoint/2010/main" xmlns:p15="http://schemas.microsoft.com/office/powerpoint/2012/main" xmlns:mc="http://schemas.openxmlformats.org/markup-compatibility/2006" type="tx" preserve="1">
   <p:cSld name="One Column">
     <p:bg>
@@ -2005,7 +2566,7 @@
       </p:grpSpPr>
       <p:sp>
         <p:nvSpPr>
-          <p:cNvPr id="9" name="PlaceHolder 1"/>
+          <p:cNvPr id="12" name="PlaceHolder 1"/>
           <p:cNvSpPr>
             <a:spLocks noGrp="1"/>
           </p:cNvSpPr>
@@ -2058,7 +2619,7 @@
       </p:sp>
       <p:sp>
         <p:nvSpPr>
-          <p:cNvPr id="10" name="PlaceHolder 2"/>
+          <p:cNvPr id="13" name="PlaceHolder 2"/>
           <p:cNvSpPr>
             <a:spLocks noGrp="1"/>
           </p:cNvSpPr>
@@ -2311,7 +2872,7 @@
       </p:sp>
       <p:sp>
         <p:nvSpPr>
-          <p:cNvPr id="11" name="PlaceHolder 3"/>
+          <p:cNvPr id="14" name="PlaceHolder 3"/>
           <p:cNvSpPr>
             <a:spLocks noGrp="1"/>
           </p:cNvSpPr>
@@ -2377,7 +2938,7 @@
       </p:sp>
       <p:sp>
         <p:nvSpPr>
-          <p:cNvPr id="12" name="PlaceHolder 4"/>
+          <p:cNvPr id="15" name="PlaceHolder 4"/>
           <p:cNvSpPr>
             <a:spLocks noGrp="1"/>
           </p:cNvSpPr>
@@ -2443,7 +3004,7 @@
       </p:sp>
       <p:sp>
         <p:nvSpPr>
-          <p:cNvPr id="13" name="PlaceHolder 5"/>
+          <p:cNvPr id="16" name="PlaceHolder 5"/>
           <p:cNvSpPr>
             <a:spLocks noGrp="1"/>
           </p:cNvSpPr>
@@ -2485,7 +3046,7 @@
             <a:pPr indent="0" algn="r">
               <a:buNone/>
             </a:pPr>
-            <a:fld id="{34F0FB17-891B-4EA5-9D52-A582039189BF}" type="slidenum">
+            <a:fld id="{D5DC51D7-E9C4-4105-85B5-FEDC8E622D9D}" type="slidenum">
               <a:rPr b="0" lang="en-GB" sz="1400" strike="noStrike" u="none">
                 <a:solidFill>
                   <a:srgbClr val="ffffff"/>
@@ -2509,7 +3070,7 @@
       </p:sp>
       <p:sp>
         <p:nvSpPr>
-          <p:cNvPr id="14" name=""/>
+          <p:cNvPr id="17" name=""/>
           <p:cNvSpPr/>
           <p:nvPr/>
         </p:nvSpPr>
@@ -2562,7 +3123,7 @@
       </p:sp>
       <p:sp>
         <p:nvSpPr>
-          <p:cNvPr id="15" name=""/>
+          <p:cNvPr id="18" name=""/>
           <p:cNvSpPr/>
           <p:nvPr/>
         </p:nvSpPr>
@@ -2615,7 +3176,7 @@
       </p:sp>
       <p:sp>
         <p:nvSpPr>
-          <p:cNvPr id="16" name=""/>
+          <p:cNvPr id="19" name=""/>
           <p:cNvSpPr/>
           <p:nvPr/>
         </p:nvSpPr>
@@ -2688,7 +3249,7 @@
       </p:sp>
       <p:sp>
         <p:nvSpPr>
-          <p:cNvPr id="17" name=""/>
+          <p:cNvPr id="20" name=""/>
           <p:cNvSpPr/>
           <p:nvPr/>
         </p:nvSpPr>
@@ -2741,7 +3302,7 @@
       </p:sp>
       <p:sp>
         <p:nvSpPr>
-          <p:cNvPr id="18" name=""/>
+          <p:cNvPr id="21" name=""/>
           <p:cNvSpPr/>
           <p:nvPr/>
         </p:nvSpPr>
@@ -2817,7 +3378,7 @@
 </p:sldLayout>
 </file>
 
-<file path=ppt/slideLayouts/slideLayout5.xml><?xml version="1.0" encoding="utf-8"?>
+<file path=ppt/slideLayouts/slideLayout6.xml><?xml version="1.0" encoding="utf-8"?>
 <p:sldLayout xmlns:a="http://schemas.openxmlformats.org/drawingml/2006/main" xmlns:p="http://schemas.openxmlformats.org/presentationml/2006/main" xmlns:r="http://schemas.openxmlformats.org/officeDocument/2006/relationships" xmlns:p14="http://schemas.microsoft.com/office/powerpoint/2010/main" xmlns:p15="http://schemas.microsoft.com/office/powerpoint/2012/main" xmlns:mc="http://schemas.openxmlformats.org/markup-compatibility/2006" type="twoObj" preserve="1">
   <p:cSld name="Two columns">
     <p:bg>
@@ -2843,7 +3404,7 @@
       </p:grpSpPr>
       <p:sp>
         <p:nvSpPr>
-          <p:cNvPr id="24" name="PlaceHolder 1"/>
+          <p:cNvPr id="27" name="PlaceHolder 1"/>
           <p:cNvSpPr>
             <a:spLocks noGrp="1"/>
           </p:cNvSpPr>
@@ -2896,7 +3457,7 @@
       </p:sp>
       <p:sp>
         <p:nvSpPr>
-          <p:cNvPr id="25" name="PlaceHolder 2"/>
+          <p:cNvPr id="28" name="PlaceHolder 2"/>
           <p:cNvSpPr>
             <a:spLocks noGrp="1"/>
           </p:cNvSpPr>
@@ -3149,7 +3710,7 @@
       </p:sp>
       <p:sp>
         <p:nvSpPr>
-          <p:cNvPr id="26" name="PlaceHolder 3"/>
+          <p:cNvPr id="29" name="PlaceHolder 3"/>
           <p:cNvSpPr>
             <a:spLocks noGrp="1"/>
           </p:cNvSpPr>
@@ -3215,7 +3776,7 @@
       </p:sp>
       <p:sp>
         <p:nvSpPr>
-          <p:cNvPr id="27" name="PlaceHolder 4"/>
+          <p:cNvPr id="30" name="PlaceHolder 4"/>
           <p:cNvSpPr>
             <a:spLocks noGrp="1"/>
           </p:cNvSpPr>
@@ -3281,7 +3842,7 @@
       </p:sp>
       <p:sp>
         <p:nvSpPr>
-          <p:cNvPr id="28" name="PlaceHolder 5"/>
+          <p:cNvPr id="31" name="PlaceHolder 5"/>
           <p:cNvSpPr>
             <a:spLocks noGrp="1"/>
           </p:cNvSpPr>
@@ -3323,7 +3884,7 @@
             <a:pPr indent="0" algn="r">
               <a:buNone/>
             </a:pPr>
-            <a:fld id="{738067A3-1A24-410F-AF39-02FE1EE2E2B4}" type="slidenum">
+            <a:fld id="{397C7876-C7E6-48F8-AD16-59554C97FB1A}" type="slidenum">
               <a:rPr b="0" lang="en-GB" sz="1400" strike="noStrike" u="none">
                 <a:solidFill>
                   <a:srgbClr val="ffffff"/>
@@ -3347,7 +3908,7 @@
       </p:sp>
       <p:sp>
         <p:nvSpPr>
-          <p:cNvPr id="29" name=""/>
+          <p:cNvPr id="32" name=""/>
           <p:cNvSpPr/>
           <p:nvPr/>
         </p:nvSpPr>
@@ -3400,7 +3961,7 @@
       </p:sp>
       <p:sp>
         <p:nvSpPr>
-          <p:cNvPr id="30" name=""/>
+          <p:cNvPr id="33" name=""/>
           <p:cNvSpPr/>
           <p:nvPr/>
         </p:nvSpPr>
@@ -3453,7 +4014,7 @@
       </p:sp>
       <p:sp>
         <p:nvSpPr>
-          <p:cNvPr id="31" name=""/>
+          <p:cNvPr id="34" name=""/>
           <p:cNvSpPr/>
           <p:nvPr/>
         </p:nvSpPr>
@@ -3526,7 +4087,7 @@
       </p:sp>
       <p:sp>
         <p:nvSpPr>
-          <p:cNvPr id="32" name=""/>
+          <p:cNvPr id="35" name=""/>
           <p:cNvSpPr/>
           <p:nvPr/>
         </p:nvSpPr>
@@ -3579,7 +4140,7 @@
       </p:sp>
       <p:sp>
         <p:nvSpPr>
-          <p:cNvPr id="33" name=""/>
+          <p:cNvPr id="36" name=""/>
           <p:cNvSpPr/>
           <p:nvPr/>
         </p:nvSpPr>
@@ -3652,7 +4213,7 @@
       </p:sp>
       <p:sp>
         <p:nvSpPr>
-          <p:cNvPr id="34" name=""/>
+          <p:cNvPr id="37" name=""/>
           <p:cNvSpPr/>
           <p:nvPr/>
         </p:nvSpPr>
@@ -3705,7 +4266,7 @@
       </p:sp>
       <p:sp>
         <p:nvSpPr>
-          <p:cNvPr id="35" name=""/>
+          <p:cNvPr id="38" name=""/>
           <p:cNvSpPr/>
           <p:nvPr/>
         </p:nvSpPr>
@@ -3778,7 +4339,7 @@
       </p:sp>
       <p:sp>
         <p:nvSpPr>
-          <p:cNvPr id="36" name=""/>
+          <p:cNvPr id="39" name=""/>
           <p:cNvSpPr/>
           <p:nvPr/>
         </p:nvSpPr>
@@ -3865,7 +4426,7 @@
 </p:sldLayout>
 </file>
 
-<file path=ppt/slideLayouts/slideLayout6.xml><?xml version="1.0" encoding="utf-8"?>
+<file path=ppt/slideLayouts/slideLayout7.xml><?xml version="1.0" encoding="utf-8"?>
 <p:sldLayout xmlns:a="http://schemas.openxmlformats.org/drawingml/2006/main" xmlns:p="http://schemas.openxmlformats.org/presentationml/2006/main" xmlns:r="http://schemas.openxmlformats.org/officeDocument/2006/relationships" xmlns:p14="http://schemas.microsoft.com/office/powerpoint/2010/main" xmlns:p15="http://schemas.microsoft.com/office/powerpoint/2012/main" xmlns:mc="http://schemas.openxmlformats.org/markup-compatibility/2006" type="twoObj" preserve="1">
   <p:cSld name="One Column_">
     <p:bg>
@@ -3891,7 +4452,7 @@
       </p:grpSpPr>
       <p:sp>
         <p:nvSpPr>
-          <p:cNvPr id="47" name="PlaceHolder 1"/>
+          <p:cNvPr id="50" name="PlaceHolder 1"/>
           <p:cNvSpPr>
             <a:spLocks noGrp="1"/>
           </p:cNvSpPr>
@@ -3944,7 +4505,7 @@
       </p:sp>
       <p:sp>
         <p:nvSpPr>
-          <p:cNvPr id="48" name="PlaceHolder 2"/>
+          <p:cNvPr id="51" name="PlaceHolder 2"/>
           <p:cNvSpPr>
             <a:spLocks noGrp="1"/>
           </p:cNvSpPr>
@@ -4197,7 +4758,7 @@
       </p:sp>
       <p:sp>
         <p:nvSpPr>
-          <p:cNvPr id="49" name="PlaceHolder 3"/>
+          <p:cNvPr id="52" name="PlaceHolder 3"/>
           <p:cNvSpPr>
             <a:spLocks noGrp="1"/>
           </p:cNvSpPr>
@@ -4263,7 +4824,7 @@
       </p:sp>
       <p:sp>
         <p:nvSpPr>
-          <p:cNvPr id="50" name="PlaceHolder 4"/>
+          <p:cNvPr id="53" name="PlaceHolder 4"/>
           <p:cNvSpPr>
             <a:spLocks noGrp="1"/>
           </p:cNvSpPr>
@@ -4329,7 +4890,7 @@
       </p:sp>
       <p:sp>
         <p:nvSpPr>
-          <p:cNvPr id="51" name="PlaceHolder 5"/>
+          <p:cNvPr id="54" name="PlaceHolder 5"/>
           <p:cNvSpPr>
             <a:spLocks noGrp="1"/>
           </p:cNvSpPr>
@@ -4371,7 +4932,7 @@
             <a:pPr indent="0" algn="r">
               <a:buNone/>
             </a:pPr>
-            <a:fld id="{6834A12F-CFA0-482A-AEC8-9430F581E382}" type="slidenum">
+            <a:fld id="{28A2E9F8-C444-4CA0-A69A-24DD89F4A7B4}" type="slidenum">
               <a:rPr b="0" lang="en-GB" sz="1400" strike="noStrike" u="none">
                 <a:solidFill>
                   <a:srgbClr val="ffffff"/>
@@ -4395,7 +4956,7 @@
       </p:sp>
       <p:sp>
         <p:nvSpPr>
-          <p:cNvPr id="42" name=""/>
+          <p:cNvPr id="45" name=""/>
           <p:cNvSpPr/>
           <p:nvPr/>
         </p:nvSpPr>
@@ -4448,7 +5009,7 @@
       </p:sp>
       <p:sp>
         <p:nvSpPr>
-          <p:cNvPr id="43" name=""/>
+          <p:cNvPr id="46" name=""/>
           <p:cNvSpPr/>
           <p:nvPr/>
         </p:nvSpPr>
@@ -4501,7 +5062,7 @@
       </p:sp>
       <p:sp>
         <p:nvSpPr>
-          <p:cNvPr id="44" name=""/>
+          <p:cNvPr id="47" name=""/>
           <p:cNvSpPr/>
           <p:nvPr/>
         </p:nvSpPr>
@@ -4574,7 +5135,7 @@
       </p:sp>
       <p:sp>
         <p:nvSpPr>
-          <p:cNvPr id="45" name=""/>
+          <p:cNvPr id="48" name=""/>
           <p:cNvSpPr/>
           <p:nvPr/>
         </p:nvSpPr>
@@ -4627,7 +5188,7 @@
       </p:sp>
       <p:sp>
         <p:nvSpPr>
-          <p:cNvPr id="46" name=""/>
+          <p:cNvPr id="49" name=""/>
           <p:cNvSpPr/>
           <p:nvPr/>
         </p:nvSpPr>
@@ -4703,7 +5264,7 @@
 </p:sldLayout>
 </file>
 
-<file path=ppt/slideLayouts/slideLayout7.xml><?xml version="1.0" encoding="utf-8"?>
+<file path=ppt/slideLayouts/slideLayout8.xml><?xml version="1.0" encoding="utf-8"?>
 <p:sldLayout xmlns:a="http://schemas.openxmlformats.org/drawingml/2006/main" xmlns:p="http://schemas.openxmlformats.org/presentationml/2006/main" xmlns:r="http://schemas.openxmlformats.org/officeDocument/2006/relationships" xmlns:p14="http://schemas.microsoft.com/office/powerpoint/2010/main" xmlns:p15="http://schemas.microsoft.com/office/powerpoint/2012/main" xmlns:mc="http://schemas.openxmlformats.org/markup-compatibility/2006" type="tx" preserve="1">
   <p:cSld name="One Column_">
     <p:bg>
@@ -4729,7 +5290,7 @@
       </p:grpSpPr>
       <p:sp>
         <p:nvSpPr>
-          <p:cNvPr id="37" name="PlaceHolder 1"/>
+          <p:cNvPr id="40" name="PlaceHolder 1"/>
           <p:cNvSpPr>
             <a:spLocks noGrp="1"/>
           </p:cNvSpPr>
@@ -4782,7 +5343,7 @@
       </p:sp>
       <p:sp>
         <p:nvSpPr>
-          <p:cNvPr id="38" name="PlaceHolder 2"/>
+          <p:cNvPr id="41" name="PlaceHolder 2"/>
           <p:cNvSpPr>
             <a:spLocks noGrp="1"/>
           </p:cNvSpPr>
@@ -5035,7 +5596,7 @@
       </p:sp>
       <p:sp>
         <p:nvSpPr>
-          <p:cNvPr id="39" name="PlaceHolder 3"/>
+          <p:cNvPr id="42" name="PlaceHolder 3"/>
           <p:cNvSpPr>
             <a:spLocks noGrp="1"/>
           </p:cNvSpPr>
@@ -5101,7 +5662,7 @@
       </p:sp>
       <p:sp>
         <p:nvSpPr>
-          <p:cNvPr id="40" name="PlaceHolder 4"/>
+          <p:cNvPr id="43" name="PlaceHolder 4"/>
           <p:cNvSpPr>
             <a:spLocks noGrp="1"/>
           </p:cNvSpPr>
@@ -5167,7 +5728,7 @@
       </p:sp>
       <p:sp>
         <p:nvSpPr>
-          <p:cNvPr id="41" name="PlaceHolder 5"/>
+          <p:cNvPr id="44" name="PlaceHolder 5"/>
           <p:cNvSpPr>
             <a:spLocks noGrp="1"/>
           </p:cNvSpPr>
@@ -5209,7 +5770,7 @@
             <a:pPr indent="0" algn="r">
               <a:buNone/>
             </a:pPr>
-            <a:fld id="{C5A33B13-C28A-4480-B753-AFBCF2BA9408}" type="slidenum">
+            <a:fld id="{59287971-E5B3-49F7-953A-7FEFF61D1FDA}" type="slidenum">
               <a:rPr b="0" lang="en-GB" sz="1400" strike="noStrike" u="none">
                 <a:solidFill>
                   <a:srgbClr val="ffffff"/>
@@ -5233,7 +5794,7 @@
       </p:sp>
       <p:sp>
         <p:nvSpPr>
-          <p:cNvPr id="42" name=""/>
+          <p:cNvPr id="45" name=""/>
           <p:cNvSpPr/>
           <p:nvPr/>
         </p:nvSpPr>
@@ -5286,7 +5847,7 @@
       </p:sp>
       <p:sp>
         <p:nvSpPr>
-          <p:cNvPr id="43" name=""/>
+          <p:cNvPr id="46" name=""/>
           <p:cNvSpPr/>
           <p:nvPr/>
         </p:nvSpPr>
@@ -5339,7 +5900,7 @@
       </p:sp>
       <p:sp>
         <p:nvSpPr>
-          <p:cNvPr id="44" name=""/>
+          <p:cNvPr id="47" name=""/>
           <p:cNvSpPr/>
           <p:nvPr/>
         </p:nvSpPr>
@@ -5412,7 +5973,7 @@
       </p:sp>
       <p:sp>
         <p:nvSpPr>
-          <p:cNvPr id="45" name=""/>
+          <p:cNvPr id="48" name=""/>
           <p:cNvSpPr/>
           <p:nvPr/>
         </p:nvSpPr>
@@ -5465,7 +6026,7 @@
       </p:sp>
       <p:sp>
         <p:nvSpPr>
-          <p:cNvPr id="46" name=""/>
+          <p:cNvPr id="49" name=""/>
           <p:cNvSpPr/>
           <p:nvPr/>
         </p:nvSpPr>
@@ -5569,6 +6130,7 @@
     <p:sldLayoutId id="2147483653" r:id="rId6"/>
     <p:sldLayoutId id="2147483654" r:id="rId7"/>
     <p:sldLayoutId id="2147483655" r:id="rId8"/>
+    <p:sldLayoutId id="2147483656" r:id="rId9"/>
   </p:sldLayoutIdLst>
 </p:sldMaster>
 </file>
@@ -5592,7 +6154,7 @@
       </p:grpSpPr>
       <p:sp>
         <p:nvSpPr>
-          <p:cNvPr id="52" name="PlaceHolder 1"/>
+          <p:cNvPr id="55" name="PlaceHolder 1"/>
           <p:cNvSpPr>
             <a:spLocks noGrp="1"/>
           </p:cNvSpPr>
@@ -5675,7 +6237,7 @@
       </p:grpSpPr>
       <p:sp>
         <p:nvSpPr>
-          <p:cNvPr id="69" name="PlaceHolder 1"/>
+          <p:cNvPr id="72" name="PlaceHolder 1"/>
           <p:cNvSpPr>
             <a:spLocks noGrp="1"/>
           </p:cNvSpPr>
@@ -5704,6 +6266,17 @@
             <a:pPr indent="0">
               <a:buNone/>
             </a:pPr>
+            <a:r>
+              <a:rPr b="0" lang="en-GB" sz="4400" strike="noStrike" u="none">
+                <a:solidFill>
+                  <a:srgbClr val="ffffff"/>
+                </a:solidFill>
+                <a:effectLst/>
+                <a:uFillTx/>
+                <a:latin typeface="Arial"/>
+              </a:rPr>
+              <a:t>8.</a:t>
+            </a:r>
             <a:endParaRPr b="0" lang="en-GB" sz="4400" strike="noStrike" u="none">
               <a:solidFill>
                 <a:srgbClr val="ffffff"/>
@@ -5717,7 +6290,7 @@
       </p:sp>
       <p:sp>
         <p:nvSpPr>
-          <p:cNvPr id="70" name="PlaceHolder 2"/>
+          <p:cNvPr id="73" name="PlaceHolder 2"/>
           <p:cNvSpPr>
             <a:spLocks noGrp="1"/>
           </p:cNvSpPr>
@@ -5728,7 +6301,7 @@
         <p:spPr>
           <a:xfrm>
             <a:off x="504000" y="1326600"/>
-            <a:ext cx="4428000" cy="3288240"/>
+            <a:ext cx="9072000" cy="3288240"/>
           </a:xfrm>
           <a:prstGeom prst="rect">
             <a:avLst/>
@@ -5745,6 +6318,137 @@
           <a:p>
             <a:pPr indent="0">
               <a:spcBef>
+                <a:spcPts val="1191"/>
+              </a:spcBef>
+              <a:spcAft>
+                <a:spcPts val="992"/>
+              </a:spcAft>
+              <a:buNone/>
+            </a:pPr>
+            <a:r>
+              <a:rPr b="0" lang="en-GB" sz="3200" strike="noStrike" u="none">
+                <a:solidFill>
+                  <a:srgbClr val="ffffff"/>
+                </a:solidFill>
+                <a:effectLst/>
+                <a:uFillTx/>
+                <a:latin typeface="Arial"/>
+              </a:rPr>
+              <a:t>As an operations engineer the automation of the deployment ensures that the latest builds of the app are pushed live quickly and efficiently to the end user.</a:t>
+            </a:r>
+            <a:endParaRPr b="0" lang="en-GB" sz="3200" strike="noStrike" u="none">
+              <a:solidFill>
+                <a:srgbClr val="ffffff"/>
+              </a:solidFill>
+              <a:effectLst/>
+              <a:uFillTx/>
+              <a:latin typeface="Arial"/>
+            </a:endParaRPr>
+          </a:p>
+        </p:txBody>
+      </p:sp>
+    </p:spTree>
+  </p:cSld>
+  <mc:AlternateContent>
+    <mc:Choice Requires="p14">
+      <p:transition spd="slow" p14:dur="2000"/>
+    </mc:Choice>
+    <mc:Fallback>
+      <p:transition spd="slow"/>
+    </mc:Fallback>
+  </mc:AlternateContent>
+</p:sld>
+</file>
+
+<file path=ppt/slides/slide11.xml><?xml version="1.0" encoding="utf-8"?>
+<p:sld xmlns:a="http://schemas.openxmlformats.org/drawingml/2006/main" xmlns:p="http://schemas.openxmlformats.org/presentationml/2006/main" xmlns:r="http://schemas.openxmlformats.org/officeDocument/2006/relationships" xmlns:p14="http://schemas.microsoft.com/office/powerpoint/2010/main" xmlns:p15="http://schemas.microsoft.com/office/powerpoint/2012/main" xmlns:mc="http://schemas.openxmlformats.org/markup-compatibility/2006">
+  <p:cSld>
+    <p:spTree>
+      <p:nvGrpSpPr>
+        <p:cNvPr id="1" name=""/>
+        <p:cNvGrpSpPr/>
+        <p:nvPr/>
+      </p:nvGrpSpPr>
+      <p:grpSpPr>
+        <a:xfrm>
+          <a:off x="0" y="0"/>
+          <a:ext cx="0" cy="0"/>
+          <a:chOff x="0" y="0"/>
+          <a:chExt cx="0" cy="0"/>
+        </a:xfrm>
+      </p:grpSpPr>
+      <p:sp>
+        <p:nvSpPr>
+          <p:cNvPr id="74" name="PlaceHolder 1"/>
+          <p:cNvSpPr>
+            <a:spLocks noGrp="1"/>
+          </p:cNvSpPr>
+          <p:nvPr>
+            <p:ph type="title"/>
+          </p:nvPr>
+        </p:nvSpPr>
+        <p:spPr>
+          <a:xfrm>
+            <a:off x="144000" y="72000"/>
+            <a:ext cx="9540000" cy="648000"/>
+          </a:xfrm>
+          <a:prstGeom prst="rect">
+            <a:avLst/>
+          </a:prstGeom>
+          <a:noFill/>
+          <a:ln w="0">
+            <a:noFill/>
+          </a:ln>
+        </p:spPr>
+        <p:txBody>
+          <a:bodyPr lIns="0" rIns="0" tIns="0" bIns="0" anchor="ctr">
+            <a:spAutoFit/>
+          </a:bodyPr>
+          <a:p>
+            <a:pPr indent="0">
+              <a:buNone/>
+            </a:pPr>
+            <a:endParaRPr b="0" lang="en-GB" sz="4400" strike="noStrike" u="none">
+              <a:solidFill>
+                <a:srgbClr val="ffffff"/>
+              </a:solidFill>
+              <a:effectLst/>
+              <a:uFillTx/>
+              <a:latin typeface="Arial"/>
+            </a:endParaRPr>
+          </a:p>
+        </p:txBody>
+      </p:sp>
+      <p:sp>
+        <p:nvSpPr>
+          <p:cNvPr id="75" name="PlaceHolder 2"/>
+          <p:cNvSpPr>
+            <a:spLocks noGrp="1"/>
+          </p:cNvSpPr>
+          <p:nvPr>
+            <p:ph/>
+          </p:nvPr>
+        </p:nvSpPr>
+        <p:spPr>
+          <a:xfrm>
+            <a:off x="504000" y="1326600"/>
+            <a:ext cx="4428000" cy="3288240"/>
+          </a:xfrm>
+          <a:prstGeom prst="rect">
+            <a:avLst/>
+          </a:prstGeom>
+          <a:noFill/>
+          <a:ln w="0">
+            <a:noFill/>
+          </a:ln>
+        </p:spPr>
+        <p:txBody>
+          <a:bodyPr lIns="0" rIns="0" tIns="0" bIns="0" anchor="t">
+            <a:normAutofit/>
+          </a:bodyPr>
+          <a:p>
+            <a:pPr indent="0">
+              <a:spcBef>
                 <a:spcPts val="1417"/>
               </a:spcBef>
               <a:buNone/>
@@ -5762,7 +6466,7 @@
       </p:sp>
       <p:sp>
         <p:nvSpPr>
-          <p:cNvPr id="71" name="PlaceHolder 3"/>
+          <p:cNvPr id="76" name="PlaceHolder 3"/>
           <p:cNvSpPr>
             <a:spLocks noGrp="1"/>
           </p:cNvSpPr>
@@ -5837,7 +6541,7 @@
       </p:grpSpPr>
       <p:sp>
         <p:nvSpPr>
-          <p:cNvPr id="53" name="PlaceHolder 1"/>
+          <p:cNvPr id="56" name="PlaceHolder 1"/>
           <p:cNvSpPr>
             <a:spLocks noGrp="1"/>
           </p:cNvSpPr>
@@ -5875,7 +6579,7 @@
                 <a:uFillTx/>
                 <a:latin typeface="Arial"/>
               </a:rPr>
-              <a:t>1.</a:t>
+              <a:t>DevOps</a:t>
             </a:r>
             <a:endParaRPr b="0" lang="en-GB" sz="4400" strike="noStrike" u="none">
               <a:solidFill>
@@ -5890,7 +6594,7 @@
       </p:sp>
       <p:sp>
         <p:nvSpPr>
-          <p:cNvPr id="54" name="PlaceHolder 2"/>
+          <p:cNvPr id="57" name="PlaceHolder 2"/>
           <p:cNvSpPr>
             <a:spLocks noGrp="1"/>
           </p:cNvSpPr>
@@ -5916,12 +6620,98 @@
             <a:normAutofit/>
           </a:bodyPr>
           <a:p>
-            <a:pPr indent="0">
+            <a:pPr marL="432000" indent="-324000">
               <a:spcBef>
-                <a:spcPts val="1417"/>
+                <a:spcPts val="1191"/>
               </a:spcBef>
-              <a:buNone/>
-            </a:pPr>
+              <a:spcAft>
+                <a:spcPts val="992"/>
+              </a:spcAft>
+              <a:buClr>
+                <a:srgbClr val="ffffff"/>
+              </a:buClr>
+              <a:buFont typeface="StarSymbol"/>
+              <a:buAutoNum type="arabicParenR"/>
+            </a:pPr>
+            <a:r>
+              <a:rPr b="0" lang="en-GB" sz="3200" strike="noStrike" u="none">
+                <a:solidFill>
+                  <a:srgbClr val="ffffff"/>
+                </a:solidFill>
+                <a:effectLst/>
+                <a:uFillTx/>
+                <a:latin typeface="Arial"/>
+              </a:rPr>
+              <a:t> Introduction</a:t>
+            </a:r>
+            <a:endParaRPr b="0" lang="en-GB" sz="3200" strike="noStrike" u="none">
+              <a:solidFill>
+                <a:srgbClr val="ffffff"/>
+              </a:solidFill>
+              <a:effectLst/>
+              <a:uFillTx/>
+              <a:latin typeface="Arial"/>
+            </a:endParaRPr>
+          </a:p>
+          <a:p>
+            <a:pPr marL="432000" indent="-324000">
+              <a:spcBef>
+                <a:spcPts val="1191"/>
+              </a:spcBef>
+              <a:spcAft>
+                <a:spcPts val="992"/>
+              </a:spcAft>
+              <a:buClr>
+                <a:srgbClr val="ffffff"/>
+              </a:buClr>
+              <a:buFont typeface="StarSymbol"/>
+              <a:buAutoNum type="arabicParenR"/>
+            </a:pPr>
+            <a:r>
+              <a:rPr b="0" lang="en-GB" sz="3200" strike="noStrike" u="none">
+                <a:solidFill>
+                  <a:srgbClr val="ffffff"/>
+                </a:solidFill>
+                <a:effectLst/>
+                <a:uFillTx/>
+                <a:latin typeface="Arial"/>
+              </a:rPr>
+              <a:t> Developer Stories</a:t>
+            </a:r>
+            <a:endParaRPr b="0" lang="en-GB" sz="3200" strike="noStrike" u="none">
+              <a:solidFill>
+                <a:srgbClr val="ffffff"/>
+              </a:solidFill>
+              <a:effectLst/>
+              <a:uFillTx/>
+              <a:latin typeface="Arial"/>
+            </a:endParaRPr>
+          </a:p>
+          <a:p>
+            <a:pPr marL="432000" indent="-324000">
+              <a:spcBef>
+                <a:spcPts val="1191"/>
+              </a:spcBef>
+              <a:spcAft>
+                <a:spcPts val="992"/>
+              </a:spcAft>
+              <a:buClr>
+                <a:srgbClr val="ffffff"/>
+              </a:buClr>
+              <a:buFont typeface="StarSymbol"/>
+              <a:buAutoNum type="arabicParenR"/>
+            </a:pPr>
+            <a:r>
+              <a:rPr b="0" lang="en-GB" sz="3200" strike="noStrike" u="none">
+                <a:solidFill>
+                  <a:srgbClr val="ffffff"/>
+                </a:solidFill>
+                <a:effectLst/>
+                <a:uFillTx/>
+                <a:latin typeface="Arial"/>
+              </a:rPr>
+              <a:t> Conclusions</a:t>
+            </a:r>
             <a:endParaRPr b="0" lang="en-GB" sz="3200" strike="noStrike" u="none">
               <a:solidFill>
                 <a:srgbClr val="ffffff"/>
@@ -5965,7 +6755,7 @@
       </p:grpSpPr>
       <p:sp>
         <p:nvSpPr>
-          <p:cNvPr id="55" name="PlaceHolder 1"/>
+          <p:cNvPr id="58" name="PlaceHolder 1"/>
           <p:cNvSpPr>
             <a:spLocks noGrp="1"/>
           </p:cNvSpPr>
@@ -6003,7 +6793,7 @@
                 <a:uFillTx/>
                 <a:latin typeface="Arial"/>
               </a:rPr>
-              <a:t>2.</a:t>
+              <a:t>1.</a:t>
             </a:r>
             <a:endParaRPr b="0" lang="en-GB" sz="4400" strike="noStrike" u="none">
               <a:solidFill>
@@ -6018,7 +6808,7 @@
       </p:sp>
       <p:sp>
         <p:nvSpPr>
-          <p:cNvPr id="56" name="PlaceHolder 2"/>
+          <p:cNvPr id="59" name="PlaceHolder 2"/>
           <p:cNvSpPr>
             <a:spLocks noGrp="1"/>
           </p:cNvSpPr>
@@ -6046,10 +6836,24 @@
           <a:p>
             <a:pPr indent="0">
               <a:spcBef>
-                <a:spcPts val="1417"/>
+                <a:spcPts val="1191"/>
               </a:spcBef>
+              <a:spcAft>
+                <a:spcPts val="992"/>
+              </a:spcAft>
               <a:buNone/>
             </a:pPr>
+            <a:r>
+              <a:rPr b="0" lang="en-GB" sz="3200" strike="noStrike" u="none">
+                <a:solidFill>
+                  <a:srgbClr val="ffffff"/>
+                </a:solidFill>
+                <a:effectLst/>
+                <a:uFillTx/>
+                <a:latin typeface="Arial"/>
+              </a:rPr>
+              <a:t>As a software developer the use of git allows for version control, easier code review and collaboration.</a:t>
+            </a:r>
             <a:endParaRPr b="0" lang="en-GB" sz="3200" strike="noStrike" u="none">
               <a:solidFill>
                 <a:srgbClr val="ffffff"/>
@@ -6093,7 +6897,7 @@
       </p:grpSpPr>
       <p:sp>
         <p:nvSpPr>
-          <p:cNvPr id="57" name="PlaceHolder 1"/>
+          <p:cNvPr id="60" name="PlaceHolder 1"/>
           <p:cNvSpPr>
             <a:spLocks noGrp="1"/>
           </p:cNvSpPr>
@@ -6131,7 +6935,7 @@
                 <a:uFillTx/>
                 <a:latin typeface="Arial"/>
               </a:rPr>
-              <a:t>3.</a:t>
+              <a:t>2.</a:t>
             </a:r>
             <a:endParaRPr b="0" lang="en-GB" sz="4400" strike="noStrike" u="none">
               <a:solidFill>
@@ -6146,7 +6950,7 @@
       </p:sp>
       <p:sp>
         <p:nvSpPr>
-          <p:cNvPr id="58" name="PlaceHolder 2"/>
+          <p:cNvPr id="61" name="PlaceHolder 2"/>
           <p:cNvSpPr>
             <a:spLocks noGrp="1"/>
           </p:cNvSpPr>
@@ -6174,10 +6978,24 @@
           <a:p>
             <a:pPr indent="0">
               <a:spcBef>
-                <a:spcPts val="1417"/>
+                <a:spcPts val="1191"/>
               </a:spcBef>
+              <a:spcAft>
+                <a:spcPts val="992"/>
+              </a:spcAft>
               <a:buNone/>
             </a:pPr>
+            <a:r>
+              <a:rPr b="0" lang="en-GB" sz="3200" strike="noStrike" u="none">
+                <a:solidFill>
+                  <a:srgbClr val="ffffff"/>
+                </a:solidFill>
+                <a:effectLst/>
+                <a:uFillTx/>
+                <a:latin typeface="Arial"/>
+              </a:rPr>
+              <a:t>As a developer automation of the process is key to producing more reliable and higher quality end products.</a:t>
+            </a:r>
             <a:endParaRPr b="0" lang="en-GB" sz="3200" strike="noStrike" u="none">
               <a:solidFill>
                 <a:srgbClr val="ffffff"/>
@@ -6221,7 +7039,7 @@
       </p:grpSpPr>
       <p:sp>
         <p:nvSpPr>
-          <p:cNvPr id="59" name="PlaceHolder 1"/>
+          <p:cNvPr id="62" name="PlaceHolder 1"/>
           <p:cNvSpPr>
             <a:spLocks noGrp="1"/>
           </p:cNvSpPr>
@@ -6259,7 +7077,7 @@
                 <a:uFillTx/>
                 <a:latin typeface="Arial"/>
               </a:rPr>
-              <a:t>4.</a:t>
+              <a:t>3.</a:t>
             </a:r>
             <a:endParaRPr b="0" lang="en-GB" sz="4400" strike="noStrike" u="none">
               <a:solidFill>
@@ -6274,7 +7092,7 @@
       </p:sp>
       <p:sp>
         <p:nvSpPr>
-          <p:cNvPr id="60" name="PlaceHolder 2"/>
+          <p:cNvPr id="63" name="PlaceHolder 2"/>
           <p:cNvSpPr>
             <a:spLocks noGrp="1"/>
           </p:cNvSpPr>
@@ -6302,10 +7120,24 @@
           <a:p>
             <a:pPr indent="0">
               <a:spcBef>
-                <a:spcPts val="1417"/>
+                <a:spcPts val="1191"/>
               </a:spcBef>
+              <a:spcAft>
+                <a:spcPts val="992"/>
+              </a:spcAft>
               <a:buNone/>
             </a:pPr>
+            <a:r>
+              <a:rPr b="0" lang="en-GB" sz="3200" strike="noStrike" u="none">
+                <a:solidFill>
+                  <a:srgbClr val="ffffff"/>
+                </a:solidFill>
+                <a:effectLst/>
+                <a:uFillTx/>
+                <a:latin typeface="Arial"/>
+              </a:rPr>
+              <a:t>As a code tester the Automation of basic testing allows me to ensure that the code hits a basic level of functionality.</a:t>
+            </a:r>
             <a:endParaRPr b="0" lang="en-GB" sz="3200" strike="noStrike" u="none">
               <a:solidFill>
                 <a:srgbClr val="ffffff"/>
@@ -6349,7 +7181,7 @@
       </p:grpSpPr>
       <p:sp>
         <p:nvSpPr>
-          <p:cNvPr id="61" name="PlaceHolder 1"/>
+          <p:cNvPr id="64" name="PlaceHolder 1"/>
           <p:cNvSpPr>
             <a:spLocks noGrp="1"/>
           </p:cNvSpPr>
@@ -6387,7 +7219,7 @@
                 <a:uFillTx/>
                 <a:latin typeface="Arial"/>
               </a:rPr>
-              <a:t>5.</a:t>
+              <a:t>4.</a:t>
             </a:r>
             <a:endParaRPr b="0" lang="en-GB" sz="4400" strike="noStrike" u="none">
               <a:solidFill>
@@ -6402,7 +7234,7 @@
       </p:sp>
       <p:sp>
         <p:nvSpPr>
-          <p:cNvPr id="62" name="PlaceHolder 2"/>
+          <p:cNvPr id="65" name="PlaceHolder 2"/>
           <p:cNvSpPr>
             <a:spLocks noGrp="1"/>
           </p:cNvSpPr>
@@ -6430,10 +7262,24 @@
           <a:p>
             <a:pPr indent="0">
               <a:spcBef>
-                <a:spcPts val="1417"/>
+                <a:spcPts val="1191"/>
               </a:spcBef>
+              <a:spcAft>
+                <a:spcPts val="992"/>
+              </a:spcAft>
               <a:buNone/>
             </a:pPr>
+            <a:r>
+              <a:rPr b="0" lang="en-GB" sz="3200" strike="noStrike" u="none">
+                <a:solidFill>
+                  <a:srgbClr val="ffffff"/>
+                </a:solidFill>
+                <a:effectLst/>
+                <a:uFillTx/>
+                <a:latin typeface="Arial"/>
+              </a:rPr>
+              <a:t>As a DevOps Engineer deploying the infrastructure as code means that the deployment process is repeatable and reproducible.</a:t>
+            </a:r>
             <a:endParaRPr b="0" lang="en-GB" sz="3200" strike="noStrike" u="none">
               <a:solidFill>
                 <a:srgbClr val="ffffff"/>
@@ -6477,7 +7323,7 @@
       </p:grpSpPr>
       <p:sp>
         <p:nvSpPr>
-          <p:cNvPr id="63" name="PlaceHolder 1"/>
+          <p:cNvPr id="66" name="PlaceHolder 1"/>
           <p:cNvSpPr>
             <a:spLocks noGrp="1"/>
           </p:cNvSpPr>
@@ -6515,7 +7361,7 @@
                 <a:uFillTx/>
                 <a:latin typeface="Arial"/>
               </a:rPr>
-              <a:t>6.</a:t>
+              <a:t>5.</a:t>
             </a:r>
             <a:endParaRPr b="0" lang="en-GB" sz="4400" strike="noStrike" u="none">
               <a:solidFill>
@@ -6530,7 +7376,7 @@
       </p:sp>
       <p:sp>
         <p:nvSpPr>
-          <p:cNvPr id="64" name="PlaceHolder 2"/>
+          <p:cNvPr id="67" name="PlaceHolder 2"/>
           <p:cNvSpPr>
             <a:spLocks noGrp="1"/>
           </p:cNvSpPr>
@@ -6558,10 +7404,24 @@
           <a:p>
             <a:pPr indent="0">
               <a:spcBef>
-                <a:spcPts val="1417"/>
+                <a:spcPts val="1191"/>
               </a:spcBef>
+              <a:spcAft>
+                <a:spcPts val="992"/>
+              </a:spcAft>
               <a:buNone/>
             </a:pPr>
+            <a:r>
+              <a:rPr b="0" lang="en-GB" sz="3200" strike="noStrike" u="none">
+                <a:solidFill>
+                  <a:srgbClr val="ffffff"/>
+                </a:solidFill>
+                <a:effectLst/>
+                <a:uFillTx/>
+                <a:latin typeface="Arial"/>
+              </a:rPr>
+              <a:t>As a security developer the standardised process allows for security to be baked into the process more easily.</a:t>
+            </a:r>
             <a:endParaRPr b="0" lang="en-GB" sz="3200" strike="noStrike" u="none">
               <a:solidFill>
                 <a:srgbClr val="ffffff"/>
@@ -6605,7 +7465,7 @@
       </p:grpSpPr>
       <p:sp>
         <p:nvSpPr>
-          <p:cNvPr id="65" name="PlaceHolder 1"/>
+          <p:cNvPr id="68" name="PlaceHolder 1"/>
           <p:cNvSpPr>
             <a:spLocks noGrp="1"/>
           </p:cNvSpPr>
@@ -6643,7 +7503,7 @@
                 <a:uFillTx/>
                 <a:latin typeface="Arial"/>
               </a:rPr>
-              <a:t>7.</a:t>
+              <a:t>6.</a:t>
             </a:r>
             <a:endParaRPr b="0" lang="en-GB" sz="4400" strike="noStrike" u="none">
               <a:solidFill>
@@ -6658,7 +7518,7 @@
       </p:sp>
       <p:sp>
         <p:nvSpPr>
-          <p:cNvPr id="66" name="PlaceHolder 2"/>
+          <p:cNvPr id="69" name="PlaceHolder 2"/>
           <p:cNvSpPr>
             <a:spLocks noGrp="1"/>
           </p:cNvSpPr>
@@ -6686,10 +7546,24 @@
           <a:p>
             <a:pPr indent="0">
               <a:spcBef>
-                <a:spcPts val="1417"/>
+                <a:spcPts val="1191"/>
               </a:spcBef>
+              <a:spcAft>
+                <a:spcPts val="992"/>
+              </a:spcAft>
               <a:buNone/>
             </a:pPr>
+            <a:r>
+              <a:rPr b="0" lang="en-GB" sz="3200" strike="noStrike" u="none">
+                <a:solidFill>
+                  <a:srgbClr val="ffffff"/>
+                </a:solidFill>
+                <a:effectLst/>
+                <a:uFillTx/>
+                <a:latin typeface="Arial"/>
+              </a:rPr>
+              <a:t>As a security developer monitoring the access to the tool will help identify potential areas of weakness.</a:t>
+            </a:r>
             <a:endParaRPr b="0" lang="en-GB" sz="3200" strike="noStrike" u="none">
               <a:solidFill>
                 <a:srgbClr val="ffffff"/>
@@ -6733,7 +7607,7 @@
       </p:grpSpPr>
       <p:sp>
         <p:nvSpPr>
-          <p:cNvPr id="67" name="PlaceHolder 1"/>
+          <p:cNvPr id="70" name="PlaceHolder 1"/>
           <p:cNvSpPr>
             <a:spLocks noGrp="1"/>
           </p:cNvSpPr>
@@ -6771,7 +7645,7 @@
                 <a:uFillTx/>
                 <a:latin typeface="Arial"/>
               </a:rPr>
-              <a:t>8.</a:t>
+              <a:t>7.</a:t>
             </a:r>
             <a:endParaRPr b="0" lang="en-GB" sz="4400" strike="noStrike" u="none">
               <a:solidFill>
@@ -6786,7 +7660,7 @@
       </p:sp>
       <p:sp>
         <p:nvSpPr>
-          <p:cNvPr id="68" name="PlaceHolder 2"/>
+          <p:cNvPr id="71" name="PlaceHolder 2"/>
           <p:cNvSpPr>
             <a:spLocks noGrp="1"/>
           </p:cNvSpPr>
@@ -6814,10 +7688,24 @@
           <a:p>
             <a:pPr indent="0">
               <a:spcBef>
-                <a:spcPts val="1417"/>
+                <a:spcPts val="1191"/>
               </a:spcBef>
+              <a:spcAft>
+                <a:spcPts val="992"/>
+              </a:spcAft>
               <a:buNone/>
             </a:pPr>
+            <a:r>
+              <a:rPr b="0" lang="en-GB" sz="3200" strike="noStrike" u="none">
+                <a:solidFill>
+                  <a:srgbClr val="ffffff"/>
+                </a:solidFill>
+                <a:effectLst/>
+                <a:uFillTx/>
+                <a:latin typeface="Arial"/>
+              </a:rPr>
+              <a:t>As a data architect using the architecture monitoring tools allow for future improvements to the system.</a:t>
+            </a:r>
             <a:endParaRPr b="0" lang="en-GB" sz="3200" strike="noStrike" u="none">
               <a:solidFill>
                 <a:srgbClr val="ffffff"/>

--- a/topic-02/Developer Stories.pptx
+++ b/topic-02/Developer Stories.pptx
@@ -15,7 +15,6 @@
     <p:sldId id="263" r:id="rId10"/>
     <p:sldId id="264" r:id="rId11"/>
     <p:sldId id="265" r:id="rId12"/>
-    <p:sldId id="266" r:id="rId13"/>
   </p:sldIdLst>
   <p:sldSz cx="10080625" cy="5670550"/>
   <p:notesSz cx="7559675" cy="10691813"/>
@@ -376,7 +375,7 @@
             <a:spAutoFit/>
           </a:bodyPr>
           <a:p>
-            <a:fld id="{A3DAE913-5C55-4886-88F9-2AAB869D798D}" type="author">
+            <a:fld id="{96726747-562E-4767-8C5C-B31B3623AE81}" type="author">
               <a:rPr b="0" lang="en-GB" sz="1800" strike="noStrike" u="none">
                 <a:solidFill>
                   <a:srgbClr val="ffffff"/>
@@ -936,7 +935,7 @@
             <a:spAutoFit/>
           </a:bodyPr>
           <a:p>
-            <a:fld id="{667C313B-71B3-40EB-BBF6-21A33F741FC8}" type="author">
+            <a:fld id="{690514E5-A0DA-444C-93EB-84F2A14568C6}" type="author">
               <a:rPr b="0" lang="en-GB" sz="1800" strike="noStrike" u="none">
                 <a:solidFill>
                   <a:srgbClr val="ffffff"/>
@@ -1496,7 +1495,7 @@
             <a:spAutoFit/>
           </a:bodyPr>
           <a:p>
-            <a:fld id="{462C1674-A5C1-4242-9588-3AB07ADB87E5}" type="author">
+            <a:fld id="{71E58FBE-B68F-4275-A37A-F49C638BD503}" type="author">
               <a:rPr b="0" lang="en-GB" sz="1800" strike="noStrike" u="none">
                 <a:solidFill>
                   <a:srgbClr val="ffffff"/>
@@ -2208,7 +2207,7 @@
             <a:pPr indent="0" algn="r">
               <a:buNone/>
             </a:pPr>
-            <a:fld id="{CD2A83FB-074E-4385-93DE-1B18C9CA5867}" type="slidenum">
+            <a:fld id="{095D63B1-F76F-42F2-9309-35AB52A390D2}" type="slidenum">
               <a:rPr b="0" lang="en-GB" sz="1400" strike="noStrike" u="none">
                 <a:solidFill>
                   <a:srgbClr val="ffffff"/>
@@ -3046,7 +3045,7 @@
             <a:pPr indent="0" algn="r">
               <a:buNone/>
             </a:pPr>
-            <a:fld id="{D5DC51D7-E9C4-4105-85B5-FEDC8E622D9D}" type="slidenum">
+            <a:fld id="{A7DB23D4-884F-4517-AB03-36945195E4BA}" type="slidenum">
               <a:rPr b="0" lang="en-GB" sz="1400" strike="noStrike" u="none">
                 <a:solidFill>
                   <a:srgbClr val="ffffff"/>
@@ -3884,7 +3883,7 @@
             <a:pPr indent="0" algn="r">
               <a:buNone/>
             </a:pPr>
-            <a:fld id="{397C7876-C7E6-48F8-AD16-59554C97FB1A}" type="slidenum">
+            <a:fld id="{AE548727-199D-4AA7-9BF3-18168FDEE4EB}" type="slidenum">
               <a:rPr b="0" lang="en-GB" sz="1400" strike="noStrike" u="none">
                 <a:solidFill>
                   <a:srgbClr val="ffffff"/>
@@ -4932,7 +4931,7 @@
             <a:pPr indent="0" algn="r">
               <a:buNone/>
             </a:pPr>
-            <a:fld id="{28A2E9F8-C444-4CA0-A69A-24DD89F4A7B4}" type="slidenum">
+            <a:fld id="{184CDD6D-C13C-4C0D-9ECD-BAACEF2FECED}" type="slidenum">
               <a:rPr b="0" lang="en-GB" sz="1400" strike="noStrike" u="none">
                 <a:solidFill>
                   <a:srgbClr val="ffffff"/>
@@ -5770,7 +5769,7 @@
             <a:pPr indent="0" algn="r">
               <a:buNone/>
             </a:pPr>
-            <a:fld id="{59287971-E5B3-49F7-953A-7FEFF61D1FDA}" type="slidenum">
+            <a:fld id="{DB22EB63-9F7F-4317-8C99-FC7CB868277C}" type="slidenum">
               <a:rPr b="0" lang="en-GB" sz="1400" strike="noStrike" u="none">
                 <a:solidFill>
                   <a:srgbClr val="ffffff"/>
@@ -6275,7 +6274,7 @@
                 <a:uFillTx/>
                 <a:latin typeface="Arial"/>
               </a:rPr>
-              <a:t>8.</a:t>
+              <a:t>Conclusions</a:t>
             </a:r>
             <a:endParaRPr b="0" lang="en-GB" sz="4400" strike="noStrike" u="none">
               <a:solidFill>
@@ -6301,7 +6300,7 @@
         <p:spPr>
           <a:xfrm>
             <a:off x="504000" y="1326600"/>
-            <a:ext cx="9072000" cy="3288240"/>
+            <a:ext cx="4428000" cy="3288240"/>
           </a:xfrm>
           <a:prstGeom prst="rect">
             <a:avLst/>
@@ -6318,137 +6317,6 @@
           <a:p>
             <a:pPr indent="0">
               <a:spcBef>
-                <a:spcPts val="1191"/>
-              </a:spcBef>
-              <a:spcAft>
-                <a:spcPts val="992"/>
-              </a:spcAft>
-              <a:buNone/>
-            </a:pPr>
-            <a:r>
-              <a:rPr b="0" lang="en-GB" sz="3200" strike="noStrike" u="none">
-                <a:solidFill>
-                  <a:srgbClr val="ffffff"/>
-                </a:solidFill>
-                <a:effectLst/>
-                <a:uFillTx/>
-                <a:latin typeface="Arial"/>
-              </a:rPr>
-              <a:t>As an operations engineer the automation of the deployment ensures that the latest builds of the app are pushed live quickly and efficiently to the end user.</a:t>
-            </a:r>
-            <a:endParaRPr b="0" lang="en-GB" sz="3200" strike="noStrike" u="none">
-              <a:solidFill>
-                <a:srgbClr val="ffffff"/>
-              </a:solidFill>
-              <a:effectLst/>
-              <a:uFillTx/>
-              <a:latin typeface="Arial"/>
-            </a:endParaRPr>
-          </a:p>
-        </p:txBody>
-      </p:sp>
-    </p:spTree>
-  </p:cSld>
-  <mc:AlternateContent>
-    <mc:Choice Requires="p14">
-      <p:transition spd="slow" p14:dur="2000"/>
-    </mc:Choice>
-    <mc:Fallback>
-      <p:transition spd="slow"/>
-    </mc:Fallback>
-  </mc:AlternateContent>
-</p:sld>
-</file>
-
-<file path=ppt/slides/slide11.xml><?xml version="1.0" encoding="utf-8"?>
-<p:sld xmlns:a="http://schemas.openxmlformats.org/drawingml/2006/main" xmlns:p="http://schemas.openxmlformats.org/presentationml/2006/main" xmlns:r="http://schemas.openxmlformats.org/officeDocument/2006/relationships" xmlns:p14="http://schemas.microsoft.com/office/powerpoint/2010/main" xmlns:p15="http://schemas.microsoft.com/office/powerpoint/2012/main" xmlns:mc="http://schemas.openxmlformats.org/markup-compatibility/2006">
-  <p:cSld>
-    <p:spTree>
-      <p:nvGrpSpPr>
-        <p:cNvPr id="1" name=""/>
-        <p:cNvGrpSpPr/>
-        <p:nvPr/>
-      </p:nvGrpSpPr>
-      <p:grpSpPr>
-        <a:xfrm>
-          <a:off x="0" y="0"/>
-          <a:ext cx="0" cy="0"/>
-          <a:chOff x="0" y="0"/>
-          <a:chExt cx="0" cy="0"/>
-        </a:xfrm>
-      </p:grpSpPr>
-      <p:sp>
-        <p:nvSpPr>
-          <p:cNvPr id="74" name="PlaceHolder 1"/>
-          <p:cNvSpPr>
-            <a:spLocks noGrp="1"/>
-          </p:cNvSpPr>
-          <p:nvPr>
-            <p:ph type="title"/>
-          </p:nvPr>
-        </p:nvSpPr>
-        <p:spPr>
-          <a:xfrm>
-            <a:off x="144000" y="72000"/>
-            <a:ext cx="9540000" cy="648000"/>
-          </a:xfrm>
-          <a:prstGeom prst="rect">
-            <a:avLst/>
-          </a:prstGeom>
-          <a:noFill/>
-          <a:ln w="0">
-            <a:noFill/>
-          </a:ln>
-        </p:spPr>
-        <p:txBody>
-          <a:bodyPr lIns="0" rIns="0" tIns="0" bIns="0" anchor="ctr">
-            <a:spAutoFit/>
-          </a:bodyPr>
-          <a:p>
-            <a:pPr indent="0">
-              <a:buNone/>
-            </a:pPr>
-            <a:endParaRPr b="0" lang="en-GB" sz="4400" strike="noStrike" u="none">
-              <a:solidFill>
-                <a:srgbClr val="ffffff"/>
-              </a:solidFill>
-              <a:effectLst/>
-              <a:uFillTx/>
-              <a:latin typeface="Arial"/>
-            </a:endParaRPr>
-          </a:p>
-        </p:txBody>
-      </p:sp>
-      <p:sp>
-        <p:nvSpPr>
-          <p:cNvPr id="75" name="PlaceHolder 2"/>
-          <p:cNvSpPr>
-            <a:spLocks noGrp="1"/>
-          </p:cNvSpPr>
-          <p:nvPr>
-            <p:ph/>
-          </p:nvPr>
-        </p:nvSpPr>
-        <p:spPr>
-          <a:xfrm>
-            <a:off x="504000" y="1326600"/>
-            <a:ext cx="4428000" cy="3288240"/>
-          </a:xfrm>
-          <a:prstGeom prst="rect">
-            <a:avLst/>
-          </a:prstGeom>
-          <a:noFill/>
-          <a:ln w="0">
-            <a:noFill/>
-          </a:ln>
-        </p:spPr>
-        <p:txBody>
-          <a:bodyPr lIns="0" rIns="0" tIns="0" bIns="0" anchor="t">
-            <a:normAutofit/>
-          </a:bodyPr>
-          <a:p>
-            <a:pPr indent="0">
-              <a:spcBef>
                 <a:spcPts val="1417"/>
               </a:spcBef>
               <a:buNone/>
@@ -6466,7 +6334,7 @@
       </p:sp>
       <p:sp>
         <p:nvSpPr>
-          <p:cNvPr id="76" name="PlaceHolder 3"/>
+          <p:cNvPr id="74" name="PlaceHolder 3"/>
           <p:cNvSpPr>
             <a:spLocks noGrp="1"/>
           </p:cNvSpPr>
@@ -7562,7 +7430,7 @@
                 <a:uFillTx/>
                 <a:latin typeface="Arial"/>
               </a:rPr>
-              <a:t>As a security developer monitoring the access to the tool will help identify potential areas of weakness.</a:t>
+              <a:t>As a data architect using the architecture monitoring tools allow for future improvements to the system.</a:t>
             </a:r>
             <a:endParaRPr b="0" lang="en-GB" sz="3200" strike="noStrike" u="none">
               <a:solidFill>
@@ -7704,7 +7572,7 @@
                 <a:uFillTx/>
                 <a:latin typeface="Arial"/>
               </a:rPr>
-              <a:t>As a data architect using the architecture monitoring tools allow for future improvements to the system.</a:t>
+              <a:t>As an operations engineer the automation of the deployment ensures that the latest builds of the app are pushed live quickly and efficiently to the end user.</a:t>
             </a:r>
             <a:endParaRPr b="0" lang="en-GB" sz="3200" strike="noStrike" u="none">
               <a:solidFill>

--- a/topic-02/Developer Stories.pptx
+++ b/topic-02/Developer Stories.pptx
@@ -58,7 +58,7 @@
         <p:spPr>
           <a:xfrm>
             <a:off x="144000" y="3888000"/>
-            <a:ext cx="9000000" cy="658440"/>
+            <a:ext cx="8999640" cy="658080"/>
           </a:xfrm>
           <a:prstGeom prst="rect">
             <a:avLst/>
@@ -74,7 +74,13 @@
           </a:bodyPr>
           <a:p>
             <a:pPr indent="0">
+              <a:lnSpc>
+                <a:spcPct val="100000"/>
+              </a:lnSpc>
               <a:buNone/>
+              <a:tabLst>
+                <a:tab algn="l" pos="0"/>
+              </a:tabLst>
             </a:pPr>
             <a:r>
               <a:rPr b="0" lang="en-GB" sz="4400" strike="noStrike" u="none">
@@ -111,7 +117,7 @@
         <p:spPr>
           <a:xfrm>
             <a:off x="1584000" y="648000"/>
-            <a:ext cx="6480000" cy="2598840"/>
+            <a:ext cx="6479640" cy="2598480"/>
           </a:xfrm>
           <a:prstGeom prst="rect">
             <a:avLst/>
@@ -127,6 +133,9 @@
           </a:bodyPr>
           <a:p>
             <a:pPr marL="432000" indent="-324000">
+              <a:lnSpc>
+                <a:spcPct val="100000"/>
+              </a:lnSpc>
               <a:spcBef>
                 <a:spcPts val="1417"/>
               </a:spcBef>
@@ -146,7 +155,18 @@
                 <a:uFillTx/>
                 <a:latin typeface="Arial"/>
               </a:rPr>
-              <a:t>Click to edit the outline text format</a:t>
+              <a:t>Click to edit the outline </a:t>
+            </a:r>
+            <a:r>
+              <a:rPr b="0" lang="en-GB" sz="3200" strike="noStrike" u="none">
+                <a:solidFill>
+                  <a:srgbClr val="ffffff"/>
+                </a:solidFill>
+                <a:effectLst/>
+                <a:uFillTx/>
+                <a:latin typeface="Arial"/>
+              </a:rPr>
+              <a:t>text format</a:t>
             </a:r>
             <a:endParaRPr b="0" lang="en-GB" sz="3200" strike="noStrike" u="none">
               <a:solidFill>
@@ -159,6 +179,9 @@
           </a:p>
           <a:p>
             <a:pPr lvl="1" marL="864000" indent="-324000">
+              <a:lnSpc>
+                <a:spcPct val="100000"/>
+              </a:lnSpc>
               <a:spcBef>
                 <a:spcPts val="1134"/>
               </a:spcBef>
@@ -191,6 +214,9 @@
           </a:p>
           <a:p>
             <a:pPr lvl="2" marL="1296000" indent="-288000">
+              <a:lnSpc>
+                <a:spcPct val="100000"/>
+              </a:lnSpc>
               <a:spcBef>
                 <a:spcPts val="850"/>
               </a:spcBef>
@@ -223,6 +249,9 @@
           </a:p>
           <a:p>
             <a:pPr lvl="3" marL="1728000" indent="-216000">
+              <a:lnSpc>
+                <a:spcPct val="100000"/>
+              </a:lnSpc>
               <a:spcBef>
                 <a:spcPts val="567"/>
               </a:spcBef>
@@ -255,6 +284,9 @@
           </a:p>
           <a:p>
             <a:pPr lvl="4" marL="2160000" indent="-216000">
+              <a:lnSpc>
+                <a:spcPct val="100000"/>
+              </a:lnSpc>
               <a:spcBef>
                 <a:spcPts val="283"/>
               </a:spcBef>
@@ -287,6 +319,9 @@
           </a:p>
           <a:p>
             <a:pPr lvl="5" marL="2592000" indent="-216000">
+              <a:lnSpc>
+                <a:spcPct val="100000"/>
+              </a:lnSpc>
               <a:spcBef>
                 <a:spcPts val="283"/>
               </a:spcBef>
@@ -306,7 +341,18 @@
                 <a:uFillTx/>
                 <a:latin typeface="Arial"/>
               </a:rPr>
-              <a:t>Sixth Outline Level</a:t>
+              <a:t>Sixth Outline </a:t>
+            </a:r>
+            <a:r>
+              <a:rPr b="0" lang="en-GB" sz="2000" strike="noStrike" u="none">
+                <a:solidFill>
+                  <a:srgbClr val="ffffff"/>
+                </a:solidFill>
+                <a:effectLst/>
+                <a:uFillTx/>
+                <a:latin typeface="Arial"/>
+              </a:rPr>
+              <a:t>Level</a:t>
             </a:r>
             <a:endParaRPr b="0" lang="en-GB" sz="2000" strike="noStrike" u="none">
               <a:solidFill>
@@ -319,6 +365,9 @@
           </a:p>
           <a:p>
             <a:pPr lvl="6" marL="3024000" indent="-216000">
+              <a:lnSpc>
+                <a:spcPct val="100000"/>
+              </a:lnSpc>
               <a:spcBef>
                 <a:spcPts val="283"/>
               </a:spcBef>
@@ -338,7 +387,18 @@
                 <a:uFillTx/>
                 <a:latin typeface="Arial"/>
               </a:rPr>
-              <a:t>Seventh Outline Level</a:t>
+              <a:t>Seventh </a:t>
+            </a:r>
+            <a:r>
+              <a:rPr b="0" lang="en-GB" sz="2000" strike="noStrike" u="none">
+                <a:solidFill>
+                  <a:srgbClr val="ffffff"/>
+                </a:solidFill>
+                <a:effectLst/>
+                <a:uFillTx/>
+                <a:latin typeface="Arial"/>
+              </a:rPr>
+              <a:t>Outline Level</a:t>
             </a:r>
             <a:endParaRPr b="0" lang="en-GB" sz="2000" strike="noStrike" u="none">
               <a:solidFill>
@@ -354,13 +414,13 @@
       <p:sp>
         <p:nvSpPr>
           <p:cNvPr id="2" name=""/>
-          <p:cNvSpPr txBox="1"/>
+          <p:cNvSpPr/>
           <p:nvPr/>
         </p:nvSpPr>
         <p:spPr>
           <a:xfrm>
             <a:off x="4104000" y="4896000"/>
-            <a:ext cx="5760000" cy="346320"/>
+            <a:ext cx="5759640" cy="345960"/>
           </a:xfrm>
           <a:prstGeom prst="rect">
             <a:avLst/>
@@ -370,12 +430,23 @@
             <a:noFill/>
           </a:ln>
         </p:spPr>
+        <p:style>
+          <a:lnRef idx="0"/>
+          <a:fillRef idx="0"/>
+          <a:effectRef idx="0"/>
+          <a:fontRef idx="minor"/>
+        </p:style>
         <p:txBody>
           <a:bodyPr lIns="90000" rIns="90000" tIns="45000" bIns="45000" anchor="t">
             <a:spAutoFit/>
           </a:bodyPr>
           <a:p>
-            <a:fld id="{96726747-562E-4767-8C5C-B31B3623AE81}" type="author">
+            <a:pPr>
+              <a:lnSpc>
+                <a:spcPct val="100000"/>
+              </a:lnSpc>
+            </a:pPr>
+            <a:fld id="{6C31E959-FEF8-4E6D-8B17-7AE37865B01B}" type="author">
               <a:rPr b="0" lang="en-GB" sz="1800" strike="noStrike" u="none">
                 <a:solidFill>
                   <a:srgbClr val="ffffff"/>
@@ -406,7 +477,7 @@
         <p:spPr>
           <a:xfrm>
             <a:off x="25920" y="4628880"/>
-            <a:ext cx="6120000" cy="18000"/>
+            <a:ext cx="6119640" cy="17640"/>
           </a:xfrm>
           <a:prstGeom prst="roundRect">
             <a:avLst>
@@ -439,6 +510,11 @@
             <a:noAutofit/>
           </a:bodyPr>
           <a:p>
+            <a:pPr>
+              <a:lnSpc>
+                <a:spcPct val="100000"/>
+              </a:lnSpc>
+            </a:pPr>
             <a:endParaRPr b="0" lang="en-GB" sz="1800" strike="noStrike" u="none">
               <a:solidFill>
                 <a:srgbClr val="ffffff"/>
@@ -446,6 +522,7 @@
               <a:effectLst/>
               <a:uFillTx/>
               <a:latin typeface="Arial"/>
+              <a:ea typeface="DejaVu Sans"/>
             </a:endParaRPr>
           </a:p>
         </p:txBody>
@@ -459,7 +536,7 @@
         <p:spPr>
           <a:xfrm>
             <a:off x="3859200" y="5324400"/>
-            <a:ext cx="6240240" cy="7200"/>
+            <a:ext cx="6239880" cy="6840"/>
           </a:xfrm>
           <a:prstGeom prst="roundRect">
             <a:avLst>
@@ -492,6 +569,11 @@
             <a:noAutofit/>
           </a:bodyPr>
           <a:p>
+            <a:pPr>
+              <a:lnSpc>
+                <a:spcPct val="100000"/>
+              </a:lnSpc>
+            </a:pPr>
             <a:endParaRPr b="0" lang="en-GB" sz="1800" strike="noStrike" u="none">
               <a:solidFill>
                 <a:srgbClr val="ffffff"/>
@@ -499,6 +581,7 @@
               <a:effectLst/>
               <a:uFillTx/>
               <a:latin typeface="Arial"/>
+              <a:ea typeface="DejaVu Sans"/>
             </a:endParaRPr>
           </a:p>
         </p:txBody>
@@ -512,15 +595,15 @@
         <p:spPr>
           <a:xfrm>
             <a:off x="4044960" y="4944960"/>
-            <a:ext cx="7200" cy="487440"/>
+            <a:ext cx="6840" cy="487080"/>
           </a:xfrm>
           <a:custGeom>
             <a:avLst/>
             <a:gdLst>
-              <a:gd name="textAreaLeft" fmla="*/ 1080 w 7200"/>
-              <a:gd name="textAreaRight" fmla="*/ 6120 w 7200"/>
-              <a:gd name="textAreaTop" fmla="*/ 1080 h 487440"/>
-              <a:gd name="textAreaBottom" fmla="*/ 486360 h 487440"/>
+              <a:gd name="textAreaLeft" fmla="*/ 1080 w 6840"/>
+              <a:gd name="textAreaRight" fmla="*/ 6120 w 6840"/>
+              <a:gd name="textAreaTop" fmla="*/ 1080 h 487080"/>
+              <a:gd name="textAreaBottom" fmla="*/ 486360 h 487080"/>
             </a:gdLst>
             <a:ahLst/>
             <a:cxnLst/>
@@ -565,6 +648,11 @@
             <a:noAutofit/>
           </a:bodyPr>
           <a:p>
+            <a:pPr>
+              <a:lnSpc>
+                <a:spcPct val="100000"/>
+              </a:lnSpc>
+            </a:pPr>
             <a:endParaRPr b="0" lang="en-GB" sz="1800" strike="noStrike" u="none">
               <a:solidFill>
                 <a:srgbClr val="000000"/>
@@ -572,6 +660,7 @@
               <a:effectLst/>
               <a:uFillTx/>
               <a:latin typeface="Arial"/>
+              <a:ea typeface="DejaVu Sans"/>
             </a:endParaRPr>
           </a:p>
         </p:txBody>
@@ -583,7 +672,7 @@
 
 <file path=ppt/slideLayouts/slideLayout2.xml><?xml version="1.0" encoding="utf-8"?>
 <p:sldLayout xmlns:a="http://schemas.openxmlformats.org/drawingml/2006/main" xmlns:p="http://schemas.openxmlformats.org/presentationml/2006/main" xmlns:r="http://schemas.openxmlformats.org/officeDocument/2006/relationships" xmlns:p14="http://schemas.microsoft.com/office/powerpoint/2010/main" xmlns:p15="http://schemas.microsoft.com/office/powerpoint/2012/main" xmlns:mc="http://schemas.openxmlformats.org/markup-compatibility/2006" type="tx" preserve="1">
-  <p:cSld name="Portfolio">
+  <p:cSld name="Default">
     <p:bg>
       <p:bgPr>
         <a:solidFill>
@@ -618,7 +707,7 @@
         <p:spPr>
           <a:xfrm>
             <a:off x="144000" y="3888000"/>
-            <a:ext cx="9000000" cy="658440"/>
+            <a:ext cx="8999640" cy="658080"/>
           </a:xfrm>
           <a:prstGeom prst="rect">
             <a:avLst/>
@@ -634,7 +723,13 @@
           </a:bodyPr>
           <a:p>
             <a:pPr indent="0">
+              <a:lnSpc>
+                <a:spcPct val="100000"/>
+              </a:lnSpc>
               <a:buNone/>
+              <a:tabLst>
+                <a:tab algn="l" pos="0"/>
+              </a:tabLst>
             </a:pPr>
             <a:r>
               <a:rPr b="0" lang="en-GB" sz="4400" strike="noStrike" u="none">
@@ -671,7 +766,7 @@
         <p:spPr>
           <a:xfrm>
             <a:off x="1584000" y="648000"/>
-            <a:ext cx="6480000" cy="2598840"/>
+            <a:ext cx="6479640" cy="2598480"/>
           </a:xfrm>
           <a:prstGeom prst="rect">
             <a:avLst/>
@@ -687,6 +782,9 @@
           </a:bodyPr>
           <a:p>
             <a:pPr marL="432000" indent="-324000">
+              <a:lnSpc>
+                <a:spcPct val="100000"/>
+              </a:lnSpc>
               <a:spcBef>
                 <a:spcPts val="1417"/>
               </a:spcBef>
@@ -706,7 +804,18 @@
                 <a:uFillTx/>
                 <a:latin typeface="Arial"/>
               </a:rPr>
-              <a:t>Click to edit the outline text format</a:t>
+              <a:t>Click to edit the outline </a:t>
+            </a:r>
+            <a:r>
+              <a:rPr b="0" lang="en-GB" sz="3200" strike="noStrike" u="none">
+                <a:solidFill>
+                  <a:srgbClr val="ffffff"/>
+                </a:solidFill>
+                <a:effectLst/>
+                <a:uFillTx/>
+                <a:latin typeface="Arial"/>
+              </a:rPr>
+              <a:t>text format</a:t>
             </a:r>
             <a:endParaRPr b="0" lang="en-GB" sz="3200" strike="noStrike" u="none">
               <a:solidFill>
@@ -719,6 +828,9 @@
           </a:p>
           <a:p>
             <a:pPr lvl="1" marL="864000" indent="-324000">
+              <a:lnSpc>
+                <a:spcPct val="100000"/>
+              </a:lnSpc>
               <a:spcBef>
                 <a:spcPts val="1134"/>
               </a:spcBef>
@@ -751,6 +863,9 @@
           </a:p>
           <a:p>
             <a:pPr lvl="2" marL="1296000" indent="-288000">
+              <a:lnSpc>
+                <a:spcPct val="100000"/>
+              </a:lnSpc>
               <a:spcBef>
                 <a:spcPts val="850"/>
               </a:spcBef>
@@ -783,6 +898,9 @@
           </a:p>
           <a:p>
             <a:pPr lvl="3" marL="1728000" indent="-216000">
+              <a:lnSpc>
+                <a:spcPct val="100000"/>
+              </a:lnSpc>
               <a:spcBef>
                 <a:spcPts val="567"/>
               </a:spcBef>
@@ -815,6 +933,9 @@
           </a:p>
           <a:p>
             <a:pPr lvl="4" marL="2160000" indent="-216000">
+              <a:lnSpc>
+                <a:spcPct val="100000"/>
+              </a:lnSpc>
               <a:spcBef>
                 <a:spcPts val="283"/>
               </a:spcBef>
@@ -847,6 +968,9 @@
           </a:p>
           <a:p>
             <a:pPr lvl="5" marL="2592000" indent="-216000">
+              <a:lnSpc>
+                <a:spcPct val="100000"/>
+              </a:lnSpc>
               <a:spcBef>
                 <a:spcPts val="283"/>
               </a:spcBef>
@@ -866,7 +990,18 @@
                 <a:uFillTx/>
                 <a:latin typeface="Arial"/>
               </a:rPr>
-              <a:t>Sixth Outline Level</a:t>
+              <a:t>Sixth Outline </a:t>
+            </a:r>
+            <a:r>
+              <a:rPr b="0" lang="en-GB" sz="2000" strike="noStrike" u="none">
+                <a:solidFill>
+                  <a:srgbClr val="ffffff"/>
+                </a:solidFill>
+                <a:effectLst/>
+                <a:uFillTx/>
+                <a:latin typeface="Arial"/>
+              </a:rPr>
+              <a:t>Level</a:t>
             </a:r>
             <a:endParaRPr b="0" lang="en-GB" sz="2000" strike="noStrike" u="none">
               <a:solidFill>
@@ -879,6 +1014,9 @@
           </a:p>
           <a:p>
             <a:pPr lvl="6" marL="3024000" indent="-216000">
+              <a:lnSpc>
+                <a:spcPct val="100000"/>
+              </a:lnSpc>
               <a:spcBef>
                 <a:spcPts val="283"/>
               </a:spcBef>
@@ -898,7 +1036,18 @@
                 <a:uFillTx/>
                 <a:latin typeface="Arial"/>
               </a:rPr>
-              <a:t>Seventh Outline Level</a:t>
+              <a:t>Seventh </a:t>
+            </a:r>
+            <a:r>
+              <a:rPr b="0" lang="en-GB" sz="2000" strike="noStrike" u="none">
+                <a:solidFill>
+                  <a:srgbClr val="ffffff"/>
+                </a:solidFill>
+                <a:effectLst/>
+                <a:uFillTx/>
+                <a:latin typeface="Arial"/>
+              </a:rPr>
+              <a:t>Outline Level</a:t>
             </a:r>
             <a:endParaRPr b="0" lang="en-GB" sz="2000" strike="noStrike" u="none">
               <a:solidFill>
@@ -914,13 +1063,13 @@
       <p:sp>
         <p:nvSpPr>
           <p:cNvPr id="8" name=""/>
-          <p:cNvSpPr txBox="1"/>
+          <p:cNvSpPr/>
           <p:nvPr/>
         </p:nvSpPr>
         <p:spPr>
           <a:xfrm>
             <a:off x="4104000" y="4896000"/>
-            <a:ext cx="5760000" cy="346320"/>
+            <a:ext cx="5759640" cy="345960"/>
           </a:xfrm>
           <a:prstGeom prst="rect">
             <a:avLst/>
@@ -930,12 +1079,23 @@
             <a:noFill/>
           </a:ln>
         </p:spPr>
+        <p:style>
+          <a:lnRef idx="0"/>
+          <a:fillRef idx="0"/>
+          <a:effectRef idx="0"/>
+          <a:fontRef idx="minor"/>
+        </p:style>
         <p:txBody>
           <a:bodyPr lIns="90000" rIns="90000" tIns="45000" bIns="45000" anchor="t">
             <a:spAutoFit/>
           </a:bodyPr>
           <a:p>
-            <a:fld id="{690514E5-A0DA-444C-93EB-84F2A14568C6}" type="author">
+            <a:pPr>
+              <a:lnSpc>
+                <a:spcPct val="100000"/>
+              </a:lnSpc>
+            </a:pPr>
+            <a:fld id="{DA1A5D17-44E9-4F4B-BB27-086F1176783D}" type="author">
               <a:rPr b="0" lang="en-GB" sz="1800" strike="noStrike" u="none">
                 <a:solidFill>
                   <a:srgbClr val="ffffff"/>
@@ -959,14 +1119,14 @@
       </p:sp>
       <p:sp>
         <p:nvSpPr>
-          <p:cNvPr id="3" name=""/>
+          <p:cNvPr id="9" name=""/>
           <p:cNvSpPr/>
           <p:nvPr/>
         </p:nvSpPr>
         <p:spPr>
           <a:xfrm>
             <a:off x="25920" y="4628880"/>
-            <a:ext cx="6120000" cy="18000"/>
+            <a:ext cx="6119640" cy="17640"/>
           </a:xfrm>
           <a:prstGeom prst="roundRect">
             <a:avLst>
@@ -999,6 +1159,11 @@
             <a:noAutofit/>
           </a:bodyPr>
           <a:p>
+            <a:pPr>
+              <a:lnSpc>
+                <a:spcPct val="100000"/>
+              </a:lnSpc>
+            </a:pPr>
             <a:endParaRPr b="0" lang="en-GB" sz="1800" strike="noStrike" u="none">
               <a:solidFill>
                 <a:srgbClr val="ffffff"/>
@@ -1006,20 +1171,21 @@
               <a:effectLst/>
               <a:uFillTx/>
               <a:latin typeface="Arial"/>
-            </a:endParaRPr>
-          </a:p>
-        </p:txBody>
-      </p:sp>
-      <p:sp>
-        <p:nvSpPr>
-          <p:cNvPr id="4" name=""/>
+              <a:ea typeface="DejaVu Sans"/>
+            </a:endParaRPr>
+          </a:p>
+        </p:txBody>
+      </p:sp>
+      <p:sp>
+        <p:nvSpPr>
+          <p:cNvPr id="10" name=""/>
           <p:cNvSpPr/>
           <p:nvPr/>
         </p:nvSpPr>
         <p:spPr>
           <a:xfrm>
             <a:off x="3859200" y="5324400"/>
-            <a:ext cx="6240240" cy="7200"/>
+            <a:ext cx="6239880" cy="6840"/>
           </a:xfrm>
           <a:prstGeom prst="roundRect">
             <a:avLst>
@@ -1052,6 +1218,11 @@
             <a:noAutofit/>
           </a:bodyPr>
           <a:p>
+            <a:pPr>
+              <a:lnSpc>
+                <a:spcPct val="100000"/>
+              </a:lnSpc>
+            </a:pPr>
             <a:endParaRPr b="0" lang="en-GB" sz="1800" strike="noStrike" u="none">
               <a:solidFill>
                 <a:srgbClr val="ffffff"/>
@@ -1059,28 +1230,29 @@
               <a:effectLst/>
               <a:uFillTx/>
               <a:latin typeface="Arial"/>
-            </a:endParaRPr>
-          </a:p>
-        </p:txBody>
-      </p:sp>
-      <p:sp>
-        <p:nvSpPr>
-          <p:cNvPr id="5" name=""/>
+              <a:ea typeface="DejaVu Sans"/>
+            </a:endParaRPr>
+          </a:p>
+        </p:txBody>
+      </p:sp>
+      <p:sp>
+        <p:nvSpPr>
+          <p:cNvPr id="11" name=""/>
           <p:cNvSpPr/>
           <p:nvPr/>
         </p:nvSpPr>
         <p:spPr>
           <a:xfrm>
             <a:off x="4044960" y="4944960"/>
-            <a:ext cx="7200" cy="487440"/>
+            <a:ext cx="6840" cy="487080"/>
           </a:xfrm>
           <a:custGeom>
             <a:avLst/>
             <a:gdLst>
-              <a:gd name="textAreaLeft" fmla="*/ 1080 w 7200"/>
-              <a:gd name="textAreaRight" fmla="*/ 6120 w 7200"/>
-              <a:gd name="textAreaTop" fmla="*/ 1080 h 487440"/>
-              <a:gd name="textAreaBottom" fmla="*/ 486360 h 487440"/>
+              <a:gd name="textAreaLeft" fmla="*/ 1080 w 6840"/>
+              <a:gd name="textAreaRight" fmla="*/ 6120 w 6840"/>
+              <a:gd name="textAreaTop" fmla="*/ 1080 h 487080"/>
+              <a:gd name="textAreaBottom" fmla="*/ 486360 h 487080"/>
             </a:gdLst>
             <a:ahLst/>
             <a:cxnLst/>
@@ -1125,6 +1297,11 @@
             <a:noAutofit/>
           </a:bodyPr>
           <a:p>
+            <a:pPr>
+              <a:lnSpc>
+                <a:spcPct val="100000"/>
+              </a:lnSpc>
+            </a:pPr>
             <a:endParaRPr b="0" lang="en-GB" sz="1800" strike="noStrike" u="none">
               <a:solidFill>
                 <a:srgbClr val="000000"/>
@@ -1132,6 +1309,7 @@
               <a:effectLst/>
               <a:uFillTx/>
               <a:latin typeface="Arial"/>
+              <a:ea typeface="DejaVu Sans"/>
             </a:endParaRPr>
           </a:p>
         </p:txBody>
@@ -1143,7 +1321,7 @@
 
 <file path=ppt/slideLayouts/slideLayout3.xml><?xml version="1.0" encoding="utf-8"?>
 <p:sldLayout xmlns:a="http://schemas.openxmlformats.org/drawingml/2006/main" xmlns:p="http://schemas.openxmlformats.org/presentationml/2006/main" xmlns:r="http://schemas.openxmlformats.org/officeDocument/2006/relationships" xmlns:p14="http://schemas.microsoft.com/office/powerpoint/2010/main" xmlns:p15="http://schemas.microsoft.com/office/powerpoint/2012/main" xmlns:mc="http://schemas.openxmlformats.org/markup-compatibility/2006" type="title" preserve="1">
-  <p:cSld name="Portfolio">
+  <p:cSld name="Default 1">
     <p:bg>
       <p:bgPr>
         <a:solidFill>
@@ -1167,7 +1345,7 @@
       </p:grpSpPr>
       <p:sp>
         <p:nvSpPr>
-          <p:cNvPr id="9" name="PlaceHolder 1"/>
+          <p:cNvPr id="12" name="PlaceHolder 1"/>
           <p:cNvSpPr>
             <a:spLocks noGrp="1"/>
           </p:cNvSpPr>
@@ -1178,7 +1356,7 @@
         <p:spPr>
           <a:xfrm>
             <a:off x="144000" y="3888000"/>
-            <a:ext cx="9000000" cy="658440"/>
+            <a:ext cx="8999640" cy="658080"/>
           </a:xfrm>
           <a:prstGeom prst="rect">
             <a:avLst/>
@@ -1194,7 +1372,13 @@
           </a:bodyPr>
           <a:p>
             <a:pPr indent="0">
+              <a:lnSpc>
+                <a:spcPct val="100000"/>
+              </a:lnSpc>
               <a:buNone/>
+              <a:tabLst>
+                <a:tab algn="l" pos="0"/>
+              </a:tabLst>
             </a:pPr>
             <a:r>
               <a:rPr b="0" lang="en-GB" sz="4400" strike="noStrike" u="none">
@@ -1220,7 +1404,7 @@
       </p:sp>
       <p:sp>
         <p:nvSpPr>
-          <p:cNvPr id="10" name="PlaceHolder 2"/>
+          <p:cNvPr id="13" name="PlaceHolder 2"/>
           <p:cNvSpPr>
             <a:spLocks noGrp="1"/>
           </p:cNvSpPr>
@@ -1231,7 +1415,7 @@
         <p:spPr>
           <a:xfrm>
             <a:off x="1584000" y="648000"/>
-            <a:ext cx="6480000" cy="2598840"/>
+            <a:ext cx="6479640" cy="2598480"/>
           </a:xfrm>
           <a:prstGeom prst="rect">
             <a:avLst/>
@@ -1247,6 +1431,9 @@
           </a:bodyPr>
           <a:p>
             <a:pPr marL="432000" indent="-324000">
+              <a:lnSpc>
+                <a:spcPct val="100000"/>
+              </a:lnSpc>
               <a:spcBef>
                 <a:spcPts val="1417"/>
               </a:spcBef>
@@ -1279,6 +1466,9 @@
           </a:p>
           <a:p>
             <a:pPr lvl="1" marL="864000" indent="-324000">
+              <a:lnSpc>
+                <a:spcPct val="100000"/>
+              </a:lnSpc>
               <a:spcBef>
                 <a:spcPts val="1134"/>
               </a:spcBef>
@@ -1311,6 +1501,9 @@
           </a:p>
           <a:p>
             <a:pPr lvl="2" marL="1296000" indent="-288000">
+              <a:lnSpc>
+                <a:spcPct val="100000"/>
+              </a:lnSpc>
               <a:spcBef>
                 <a:spcPts val="850"/>
               </a:spcBef>
@@ -1343,6 +1536,9 @@
           </a:p>
           <a:p>
             <a:pPr lvl="3" marL="1728000" indent="-216000">
+              <a:lnSpc>
+                <a:spcPct val="100000"/>
+              </a:lnSpc>
               <a:spcBef>
                 <a:spcPts val="567"/>
               </a:spcBef>
@@ -1375,6 +1571,9 @@
           </a:p>
           <a:p>
             <a:pPr lvl="4" marL="2160000" indent="-216000">
+              <a:lnSpc>
+                <a:spcPct val="100000"/>
+              </a:lnSpc>
               <a:spcBef>
                 <a:spcPts val="283"/>
               </a:spcBef>
@@ -1407,6 +1606,9 @@
           </a:p>
           <a:p>
             <a:pPr lvl="5" marL="2592000" indent="-216000">
+              <a:lnSpc>
+                <a:spcPct val="100000"/>
+              </a:lnSpc>
               <a:spcBef>
                 <a:spcPts val="283"/>
               </a:spcBef>
@@ -1439,6 +1641,9 @@
           </a:p>
           <a:p>
             <a:pPr lvl="6" marL="3024000" indent="-216000">
+              <a:lnSpc>
+                <a:spcPct val="100000"/>
+              </a:lnSpc>
               <a:spcBef>
                 <a:spcPts val="283"/>
               </a:spcBef>
@@ -1473,14 +1678,14 @@
       </p:sp>
       <p:sp>
         <p:nvSpPr>
-          <p:cNvPr id="11" name=""/>
-          <p:cNvSpPr txBox="1"/>
+          <p:cNvPr id="14" name=""/>
+          <p:cNvSpPr/>
           <p:nvPr/>
         </p:nvSpPr>
         <p:spPr>
           <a:xfrm>
             <a:off x="4104000" y="4896000"/>
-            <a:ext cx="5760000" cy="346320"/>
+            <a:ext cx="5759640" cy="345960"/>
           </a:xfrm>
           <a:prstGeom prst="rect">
             <a:avLst/>
@@ -1490,12 +1695,23 @@
             <a:noFill/>
           </a:ln>
         </p:spPr>
+        <p:style>
+          <a:lnRef idx="0"/>
+          <a:fillRef idx="0"/>
+          <a:effectRef idx="0"/>
+          <a:fontRef idx="minor"/>
+        </p:style>
         <p:txBody>
           <a:bodyPr lIns="90000" rIns="90000" tIns="45000" bIns="45000" anchor="t">
             <a:spAutoFit/>
           </a:bodyPr>
           <a:p>
-            <a:fld id="{71E58FBE-B68F-4275-A37A-F49C638BD503}" type="author">
+            <a:pPr>
+              <a:lnSpc>
+                <a:spcPct val="100000"/>
+              </a:lnSpc>
+            </a:pPr>
+            <a:fld id="{7842A837-94EC-4DA5-AEAD-5DB1299FAA3C}" type="author">
               <a:rPr b="0" lang="en-GB" sz="1800" strike="noStrike" u="none">
                 <a:solidFill>
                   <a:srgbClr val="ffffff"/>
@@ -1519,14 +1735,14 @@
       </p:sp>
       <p:sp>
         <p:nvSpPr>
-          <p:cNvPr id="3" name=""/>
+          <p:cNvPr id="15" name=""/>
           <p:cNvSpPr/>
           <p:nvPr/>
         </p:nvSpPr>
         <p:spPr>
           <a:xfrm>
             <a:off x="25920" y="4628880"/>
-            <a:ext cx="6120000" cy="18000"/>
+            <a:ext cx="6119640" cy="17640"/>
           </a:xfrm>
           <a:prstGeom prst="roundRect">
             <a:avLst>
@@ -1559,6 +1775,11 @@
             <a:noAutofit/>
           </a:bodyPr>
           <a:p>
+            <a:pPr>
+              <a:lnSpc>
+                <a:spcPct val="100000"/>
+              </a:lnSpc>
+            </a:pPr>
             <a:endParaRPr b="0" lang="en-GB" sz="1800" strike="noStrike" u="none">
               <a:solidFill>
                 <a:srgbClr val="ffffff"/>
@@ -1566,20 +1787,21 @@
               <a:effectLst/>
               <a:uFillTx/>
               <a:latin typeface="Arial"/>
-            </a:endParaRPr>
-          </a:p>
-        </p:txBody>
-      </p:sp>
-      <p:sp>
-        <p:nvSpPr>
-          <p:cNvPr id="4" name=""/>
+              <a:ea typeface="DejaVu Sans"/>
+            </a:endParaRPr>
+          </a:p>
+        </p:txBody>
+      </p:sp>
+      <p:sp>
+        <p:nvSpPr>
+          <p:cNvPr id="16" name=""/>
           <p:cNvSpPr/>
           <p:nvPr/>
         </p:nvSpPr>
         <p:spPr>
           <a:xfrm>
             <a:off x="3859200" y="5324400"/>
-            <a:ext cx="6240240" cy="7200"/>
+            <a:ext cx="6239880" cy="6840"/>
           </a:xfrm>
           <a:prstGeom prst="roundRect">
             <a:avLst>
@@ -1612,6 +1834,11 @@
             <a:noAutofit/>
           </a:bodyPr>
           <a:p>
+            <a:pPr>
+              <a:lnSpc>
+                <a:spcPct val="100000"/>
+              </a:lnSpc>
+            </a:pPr>
             <a:endParaRPr b="0" lang="en-GB" sz="1800" strike="noStrike" u="none">
               <a:solidFill>
                 <a:srgbClr val="ffffff"/>
@@ -1619,28 +1846,29 @@
               <a:effectLst/>
               <a:uFillTx/>
               <a:latin typeface="Arial"/>
-            </a:endParaRPr>
-          </a:p>
-        </p:txBody>
-      </p:sp>
-      <p:sp>
-        <p:nvSpPr>
-          <p:cNvPr id="5" name=""/>
+              <a:ea typeface="DejaVu Sans"/>
+            </a:endParaRPr>
+          </a:p>
+        </p:txBody>
+      </p:sp>
+      <p:sp>
+        <p:nvSpPr>
+          <p:cNvPr id="17" name=""/>
           <p:cNvSpPr/>
           <p:nvPr/>
         </p:nvSpPr>
         <p:spPr>
           <a:xfrm>
             <a:off x="4044960" y="4944960"/>
-            <a:ext cx="7200" cy="487440"/>
+            <a:ext cx="6840" cy="487080"/>
           </a:xfrm>
           <a:custGeom>
             <a:avLst/>
             <a:gdLst>
-              <a:gd name="textAreaLeft" fmla="*/ 1080 w 7200"/>
-              <a:gd name="textAreaRight" fmla="*/ 6120 w 7200"/>
-              <a:gd name="textAreaTop" fmla="*/ 1080 h 487440"/>
-              <a:gd name="textAreaBottom" fmla="*/ 486360 h 487440"/>
+              <a:gd name="textAreaLeft" fmla="*/ 1080 w 6840"/>
+              <a:gd name="textAreaRight" fmla="*/ 6120 w 6840"/>
+              <a:gd name="textAreaTop" fmla="*/ 1080 h 487080"/>
+              <a:gd name="textAreaBottom" fmla="*/ 486360 h 487080"/>
             </a:gdLst>
             <a:ahLst/>
             <a:cxnLst/>
@@ -1685,6 +1913,11 @@
             <a:noAutofit/>
           </a:bodyPr>
           <a:p>
+            <a:pPr>
+              <a:lnSpc>
+                <a:spcPct val="100000"/>
+              </a:lnSpc>
+            </a:pPr>
             <a:endParaRPr b="0" lang="en-GB" sz="1800" strike="noStrike" u="none">
               <a:solidFill>
                 <a:srgbClr val="000000"/>
@@ -1692,6 +1925,7 @@
               <a:effectLst/>
               <a:uFillTx/>
               <a:latin typeface="Arial"/>
+              <a:ea typeface="DejaVu Sans"/>
             </a:endParaRPr>
           </a:p>
         </p:txBody>
@@ -1727,7 +1961,7 @@
       </p:grpSpPr>
       <p:sp>
         <p:nvSpPr>
-          <p:cNvPr id="22" name="PlaceHolder 1"/>
+          <p:cNvPr id="18" name="PlaceHolder 1"/>
           <p:cNvSpPr>
             <a:spLocks noGrp="1"/>
           </p:cNvSpPr>
@@ -1738,7 +1972,7 @@
         <p:spPr>
           <a:xfrm>
             <a:off x="144000" y="72000"/>
-            <a:ext cx="9540000" cy="648000"/>
+            <a:ext cx="9539640" cy="647640"/>
           </a:xfrm>
           <a:prstGeom prst="rect">
             <a:avLst/>
@@ -1754,7 +1988,13 @@
           </a:bodyPr>
           <a:p>
             <a:pPr indent="0">
+              <a:lnSpc>
+                <a:spcPct val="100000"/>
+              </a:lnSpc>
               <a:buNone/>
+              <a:tabLst>
+                <a:tab algn="l" pos="0"/>
+              </a:tabLst>
             </a:pPr>
             <a:r>
               <a:rPr b="0" lang="en-GB" sz="4400" strike="noStrike" u="none">
@@ -1780,7 +2020,7 @@
       </p:sp>
       <p:sp>
         <p:nvSpPr>
-          <p:cNvPr id="23" name="PlaceHolder 2"/>
+          <p:cNvPr id="19" name="PlaceHolder 2"/>
           <p:cNvSpPr>
             <a:spLocks noGrp="1"/>
           </p:cNvSpPr>
@@ -1791,7 +2031,7 @@
         <p:spPr>
           <a:xfrm>
             <a:off x="504000" y="1326600"/>
-            <a:ext cx="9072000" cy="3288240"/>
+            <a:ext cx="9071640" cy="3287880"/>
           </a:xfrm>
           <a:prstGeom prst="rect">
             <a:avLst/>
@@ -1807,6 +2047,9 @@
           </a:bodyPr>
           <a:p>
             <a:pPr marL="432000" indent="-324000">
+              <a:lnSpc>
+                <a:spcPct val="100000"/>
+              </a:lnSpc>
               <a:spcBef>
                 <a:spcPts val="1417"/>
               </a:spcBef>
@@ -1839,6 +2082,9 @@
           </a:p>
           <a:p>
             <a:pPr lvl="1" marL="864000" indent="-324000">
+              <a:lnSpc>
+                <a:spcPct val="100000"/>
+              </a:lnSpc>
               <a:spcBef>
                 <a:spcPts val="1134"/>
               </a:spcBef>
@@ -1871,6 +2117,9 @@
           </a:p>
           <a:p>
             <a:pPr lvl="2" marL="1296000" indent="-288000">
+              <a:lnSpc>
+                <a:spcPct val="100000"/>
+              </a:lnSpc>
               <a:spcBef>
                 <a:spcPts val="850"/>
               </a:spcBef>
@@ -1903,6 +2152,9 @@
           </a:p>
           <a:p>
             <a:pPr lvl="3" marL="1728000" indent="-216000">
+              <a:lnSpc>
+                <a:spcPct val="100000"/>
+              </a:lnSpc>
               <a:spcBef>
                 <a:spcPts val="567"/>
               </a:spcBef>
@@ -1935,6 +2187,9 @@
           </a:p>
           <a:p>
             <a:pPr lvl="4" marL="2160000" indent="-216000">
+              <a:lnSpc>
+                <a:spcPct val="100000"/>
+              </a:lnSpc>
               <a:spcBef>
                 <a:spcPts val="283"/>
               </a:spcBef>
@@ -1967,6 +2222,9 @@
           </a:p>
           <a:p>
             <a:pPr lvl="5" marL="2592000" indent="-216000">
+              <a:lnSpc>
+                <a:spcPct val="100000"/>
+              </a:lnSpc>
               <a:spcBef>
                 <a:spcPts val="283"/>
               </a:spcBef>
@@ -1999,6 +2257,9 @@
           </a:p>
           <a:p>
             <a:pPr lvl="6" marL="3024000" indent="-216000">
+              <a:lnSpc>
+                <a:spcPct val="100000"/>
+              </a:lnSpc>
               <a:spcBef>
                 <a:spcPts val="283"/>
               </a:spcBef>
@@ -2033,18 +2294,18 @@
       </p:sp>
       <p:sp>
         <p:nvSpPr>
-          <p:cNvPr id="24" name="PlaceHolder 3"/>
+          <p:cNvPr id="20" name="PlaceHolder 3"/>
           <p:cNvSpPr>
             <a:spLocks noGrp="1"/>
           </p:cNvSpPr>
           <p:nvPr>
-            <p:ph type="dt" idx="4"/>
+            <p:ph type="dt" idx="1"/>
           </p:nvPr>
         </p:nvSpPr>
         <p:spPr>
           <a:xfrm>
             <a:off x="504000" y="5256000"/>
-            <a:ext cx="1656000" cy="410400"/>
+            <a:ext cx="1655640" cy="213840"/>
           </a:xfrm>
           <a:prstGeom prst="rect">
             <a:avLst/>
@@ -2060,7 +2321,13 @@
           </a:bodyPr>
           <a:lstStyle>
             <a:lvl1pPr indent="0">
+              <a:lnSpc>
+                <a:spcPct val="100000"/>
+              </a:lnSpc>
               <a:buNone/>
+              <a:tabLst>
+                <a:tab algn="l" pos="0"/>
+              </a:tabLst>
               <a:defRPr b="0" lang="en-GB" sz="1400" strike="noStrike" u="none">
                 <a:solidFill>
                   <a:srgbClr val="ffffff"/>
@@ -2073,7 +2340,13 @@
           </a:lstStyle>
           <a:p>
             <a:pPr indent="0">
+              <a:lnSpc>
+                <a:spcPct val="100000"/>
+              </a:lnSpc>
               <a:buNone/>
+              <a:tabLst>
+                <a:tab algn="l" pos="0"/>
+              </a:tabLst>
             </a:pPr>
             <a:r>
               <a:rPr b="0" lang="en-GB" sz="1400" strike="noStrike" u="none">
@@ -2092,25 +2365,25 @@
               </a:solidFill>
               <a:effectLst/>
               <a:uFillTx/>
-              <a:latin typeface="Arial"/>
-            </a:endParaRPr>
-          </a:p>
-        </p:txBody>
-      </p:sp>
-      <p:sp>
-        <p:nvSpPr>
-          <p:cNvPr id="25" name="PlaceHolder 4"/>
+              <a:latin typeface="Times New Roman"/>
+            </a:endParaRPr>
+          </a:p>
+        </p:txBody>
+      </p:sp>
+      <p:sp>
+        <p:nvSpPr>
+          <p:cNvPr id="21" name="PlaceHolder 4"/>
           <p:cNvSpPr>
             <a:spLocks noGrp="1"/>
           </p:cNvSpPr>
           <p:nvPr>
-            <p:ph type="ftr" idx="5"/>
+            <p:ph type="ftr" idx="2"/>
           </p:nvPr>
         </p:nvSpPr>
         <p:spPr>
           <a:xfrm>
             <a:off x="2520000" y="5256000"/>
-            <a:ext cx="4680000" cy="410400"/>
+            <a:ext cx="4679640" cy="213840"/>
           </a:xfrm>
           <a:prstGeom prst="rect">
             <a:avLst/>
@@ -2126,7 +2399,13 @@
           </a:bodyPr>
           <a:lstStyle>
             <a:lvl1pPr indent="0" algn="ctr">
+              <a:lnSpc>
+                <a:spcPct val="100000"/>
+              </a:lnSpc>
               <a:buNone/>
+              <a:tabLst>
+                <a:tab algn="l" pos="0"/>
+              </a:tabLst>
               <a:defRPr b="0" lang="en-GB" sz="1400" strike="noStrike" u="none">
                 <a:solidFill>
                   <a:srgbClr val="ffffff"/>
@@ -2139,7 +2418,13 @@
           </a:lstStyle>
           <a:p>
             <a:pPr indent="0" algn="ctr">
+              <a:lnSpc>
+                <a:spcPct val="100000"/>
+              </a:lnSpc>
               <a:buNone/>
+              <a:tabLst>
+                <a:tab algn="l" pos="0"/>
+              </a:tabLst>
             </a:pPr>
             <a:r>
               <a:rPr b="0" lang="en-GB" sz="1400" strike="noStrike" u="none">
@@ -2158,25 +2443,25 @@
               </a:solidFill>
               <a:effectLst/>
               <a:uFillTx/>
-              <a:latin typeface="Arial"/>
-            </a:endParaRPr>
-          </a:p>
-        </p:txBody>
-      </p:sp>
-      <p:sp>
-        <p:nvSpPr>
-          <p:cNvPr id="26" name="PlaceHolder 5"/>
+              <a:latin typeface="Times New Roman"/>
+            </a:endParaRPr>
+          </a:p>
+        </p:txBody>
+      </p:sp>
+      <p:sp>
+        <p:nvSpPr>
+          <p:cNvPr id="22" name="PlaceHolder 5"/>
           <p:cNvSpPr>
             <a:spLocks noGrp="1"/>
           </p:cNvSpPr>
           <p:nvPr>
-            <p:ph type="sldNum" idx="6"/>
+            <p:ph type="sldNum" idx="3"/>
           </p:nvPr>
         </p:nvSpPr>
         <p:spPr>
           <a:xfrm>
             <a:off x="7560000" y="5256000"/>
-            <a:ext cx="1620000" cy="410400"/>
+            <a:ext cx="1619640" cy="213840"/>
           </a:xfrm>
           <a:prstGeom prst="rect">
             <a:avLst/>
@@ -2192,7 +2477,13 @@
           </a:bodyPr>
           <a:lstStyle>
             <a:lvl1pPr indent="0" algn="r">
+              <a:lnSpc>
+                <a:spcPct val="100000"/>
+              </a:lnSpc>
               <a:buNone/>
+              <a:tabLst>
+                <a:tab algn="l" pos="0"/>
+              </a:tabLst>
               <a:defRPr b="0" lang="en-GB" sz="1400" strike="noStrike" u="none">
                 <a:solidFill>
                   <a:srgbClr val="ffffff"/>
@@ -2205,9 +2496,15 @@
           </a:lstStyle>
           <a:p>
             <a:pPr indent="0" algn="r">
+              <a:lnSpc>
+                <a:spcPct val="100000"/>
+              </a:lnSpc>
               <a:buNone/>
-            </a:pPr>
-            <a:fld id="{095D63B1-F76F-42F2-9309-35AB52A390D2}" type="slidenum">
+              <a:tabLst>
+                <a:tab algn="l" pos="0"/>
+              </a:tabLst>
+            </a:pPr>
+            <a:fld id="{18ABA42A-4E39-4B57-BFB2-C050033B2BA8}" type="slidenum">
               <a:rPr b="0" lang="en-GB" sz="1400" strike="noStrike" u="none">
                 <a:solidFill>
                   <a:srgbClr val="ffffff"/>
@@ -2224,21 +2521,21 @@
               </a:solidFill>
               <a:effectLst/>
               <a:uFillTx/>
-              <a:latin typeface="Arial"/>
-            </a:endParaRPr>
-          </a:p>
-        </p:txBody>
-      </p:sp>
-      <p:sp>
-        <p:nvSpPr>
-          <p:cNvPr id="17" name=""/>
+              <a:latin typeface="Times New Roman"/>
+            </a:endParaRPr>
+          </a:p>
+        </p:txBody>
+      </p:sp>
+      <p:sp>
+        <p:nvSpPr>
+          <p:cNvPr id="23" name=""/>
           <p:cNvSpPr/>
           <p:nvPr/>
         </p:nvSpPr>
         <p:spPr>
           <a:xfrm>
             <a:off x="20880" y="607320"/>
-            <a:ext cx="6120000" cy="18000"/>
+            <a:ext cx="6119640" cy="17640"/>
           </a:xfrm>
           <a:prstGeom prst="roundRect">
             <a:avLst>
@@ -2271,6 +2568,11 @@
             <a:noAutofit/>
           </a:bodyPr>
           <a:p>
+            <a:pPr>
+              <a:lnSpc>
+                <a:spcPct val="100000"/>
+              </a:lnSpc>
+            </a:pPr>
             <a:endParaRPr b="0" lang="en-GB" sz="1800" strike="noStrike" u="none">
               <a:solidFill>
                 <a:srgbClr val="ffffff"/>
@@ -2278,20 +2580,21 @@
               <a:effectLst/>
               <a:uFillTx/>
               <a:latin typeface="Arial"/>
-            </a:endParaRPr>
-          </a:p>
-        </p:txBody>
-      </p:sp>
-      <p:sp>
-        <p:nvSpPr>
-          <p:cNvPr id="18" name=""/>
+              <a:ea typeface="DejaVu Sans"/>
+            </a:endParaRPr>
+          </a:p>
+        </p:txBody>
+      </p:sp>
+      <p:sp>
+        <p:nvSpPr>
+          <p:cNvPr id="24" name=""/>
           <p:cNvSpPr/>
           <p:nvPr/>
         </p:nvSpPr>
         <p:spPr>
           <a:xfrm>
             <a:off x="4430520" y="840960"/>
-            <a:ext cx="5673960" cy="7200"/>
+            <a:ext cx="5673600" cy="6840"/>
           </a:xfrm>
           <a:prstGeom prst="roundRect">
             <a:avLst>
@@ -2324,6 +2627,11 @@
             <a:noAutofit/>
           </a:bodyPr>
           <a:p>
+            <a:pPr>
+              <a:lnSpc>
+                <a:spcPct val="100000"/>
+              </a:lnSpc>
+            </a:pPr>
             <a:endParaRPr b="0" lang="en-GB" sz="1800" strike="noStrike" u="none">
               <a:solidFill>
                 <a:srgbClr val="ffffff"/>
@@ -2331,28 +2639,29 @@
               <a:effectLst/>
               <a:uFillTx/>
               <a:latin typeface="Arial"/>
-            </a:endParaRPr>
-          </a:p>
-        </p:txBody>
-      </p:sp>
-      <p:sp>
-        <p:nvSpPr>
-          <p:cNvPr id="19" name=""/>
+              <a:ea typeface="DejaVu Sans"/>
+            </a:endParaRPr>
+          </a:p>
+        </p:txBody>
+      </p:sp>
+      <p:sp>
+        <p:nvSpPr>
+          <p:cNvPr id="25" name=""/>
           <p:cNvSpPr/>
           <p:nvPr/>
         </p:nvSpPr>
         <p:spPr>
           <a:xfrm>
             <a:off x="9819720" y="474480"/>
-            <a:ext cx="7200" cy="493200"/>
+            <a:ext cx="6840" cy="492840"/>
           </a:xfrm>
           <a:custGeom>
             <a:avLst/>
             <a:gdLst>
-              <a:gd name="textAreaLeft" fmla="*/ 1080 w 7200"/>
-              <a:gd name="textAreaRight" fmla="*/ 6120 w 7200"/>
-              <a:gd name="textAreaTop" fmla="*/ 1080 h 493200"/>
-              <a:gd name="textAreaBottom" fmla="*/ 492120 h 493200"/>
+              <a:gd name="textAreaLeft" fmla="*/ 1080 w 6840"/>
+              <a:gd name="textAreaRight" fmla="*/ 6120 w 6840"/>
+              <a:gd name="textAreaTop" fmla="*/ 1080 h 492840"/>
+              <a:gd name="textAreaBottom" fmla="*/ 492120 h 492840"/>
             </a:gdLst>
             <a:ahLst/>
             <a:cxnLst/>
@@ -2397,6 +2706,11 @@
             <a:noAutofit/>
           </a:bodyPr>
           <a:p>
+            <a:pPr>
+              <a:lnSpc>
+                <a:spcPct val="100000"/>
+              </a:lnSpc>
+            </a:pPr>
             <a:endParaRPr b="0" lang="en-GB" sz="1800" strike="noStrike" u="none">
               <a:solidFill>
                 <a:srgbClr val="000000"/>
@@ -2404,20 +2718,21 @@
               <a:effectLst/>
               <a:uFillTx/>
               <a:latin typeface="Arial"/>
-            </a:endParaRPr>
-          </a:p>
-        </p:txBody>
-      </p:sp>
-      <p:sp>
-        <p:nvSpPr>
-          <p:cNvPr id="20" name=""/>
+              <a:ea typeface="DejaVu Sans"/>
+            </a:endParaRPr>
+          </a:p>
+        </p:txBody>
+      </p:sp>
+      <p:sp>
+        <p:nvSpPr>
+          <p:cNvPr id="26" name=""/>
           <p:cNvSpPr/>
           <p:nvPr/>
         </p:nvSpPr>
         <p:spPr>
           <a:xfrm>
             <a:off x="1900800" y="5204880"/>
-            <a:ext cx="7465320" cy="7200"/>
+            <a:ext cx="7464960" cy="6840"/>
           </a:xfrm>
           <a:prstGeom prst="roundRect">
             <a:avLst>
@@ -2450,6 +2765,11 @@
             <a:noAutofit/>
           </a:bodyPr>
           <a:p>
+            <a:pPr>
+              <a:lnSpc>
+                <a:spcPct val="100000"/>
+              </a:lnSpc>
+            </a:pPr>
             <a:endParaRPr b="0" lang="en-GB" sz="1800" strike="noStrike" u="none">
               <a:solidFill>
                 <a:srgbClr val="ffffff"/>
@@ -2457,28 +2777,29 @@
               <a:effectLst/>
               <a:uFillTx/>
               <a:latin typeface="Arial"/>
-            </a:endParaRPr>
-          </a:p>
-        </p:txBody>
-      </p:sp>
-      <p:sp>
-        <p:nvSpPr>
-          <p:cNvPr id="21" name=""/>
+              <a:ea typeface="DejaVu Sans"/>
+            </a:endParaRPr>
+          </a:p>
+        </p:txBody>
+      </p:sp>
+      <p:sp>
+        <p:nvSpPr>
+          <p:cNvPr id="27" name=""/>
           <p:cNvSpPr/>
           <p:nvPr/>
         </p:nvSpPr>
         <p:spPr>
           <a:xfrm>
             <a:off x="9259920" y="4917240"/>
-            <a:ext cx="7200" cy="349560"/>
+            <a:ext cx="6840" cy="349200"/>
           </a:xfrm>
           <a:custGeom>
             <a:avLst/>
             <a:gdLst>
-              <a:gd name="textAreaLeft" fmla="*/ 1080 w 7200"/>
-              <a:gd name="textAreaRight" fmla="*/ 6120 w 7200"/>
-              <a:gd name="textAreaTop" fmla="*/ 1080 h 349560"/>
-              <a:gd name="textAreaBottom" fmla="*/ 348480 h 349560"/>
+              <a:gd name="textAreaLeft" fmla="*/ 1080 w 6840"/>
+              <a:gd name="textAreaRight" fmla="*/ 6120 w 6840"/>
+              <a:gd name="textAreaTop" fmla="*/ 1080 h 349200"/>
+              <a:gd name="textAreaBottom" fmla="*/ 348480 h 349200"/>
             </a:gdLst>
             <a:ahLst/>
             <a:cxnLst/>
@@ -2523,6 +2844,11 @@
             <a:noAutofit/>
           </a:bodyPr>
           <a:p>
+            <a:pPr>
+              <a:lnSpc>
+                <a:spcPct val="100000"/>
+              </a:lnSpc>
+            </a:pPr>
             <a:endParaRPr b="0" lang="en-GB" sz="1800" strike="noStrike" u="none">
               <a:solidFill>
                 <a:srgbClr val="000000"/>
@@ -2530,6 +2856,7 @@
               <a:effectLst/>
               <a:uFillTx/>
               <a:latin typeface="Arial"/>
+              <a:ea typeface="DejaVu Sans"/>
             </a:endParaRPr>
           </a:p>
         </p:txBody>
@@ -2541,7 +2868,7 @@
 
 <file path=ppt/slideLayouts/slideLayout5.xml><?xml version="1.0" encoding="utf-8"?>
 <p:sldLayout xmlns:a="http://schemas.openxmlformats.org/drawingml/2006/main" xmlns:p="http://schemas.openxmlformats.org/presentationml/2006/main" xmlns:r="http://schemas.openxmlformats.org/officeDocument/2006/relationships" xmlns:p14="http://schemas.microsoft.com/office/powerpoint/2010/main" xmlns:p15="http://schemas.microsoft.com/office/powerpoint/2012/main" xmlns:mc="http://schemas.openxmlformats.org/markup-compatibility/2006" type="tx" preserve="1">
-  <p:cSld name="One Column">
+  <p:cSld name="Default 2">
     <p:bg>
       <p:bgPr>
         <a:solidFill>
@@ -2565,7 +2892,7 @@
       </p:grpSpPr>
       <p:sp>
         <p:nvSpPr>
-          <p:cNvPr id="12" name="PlaceHolder 1"/>
+          <p:cNvPr id="28" name="PlaceHolder 1"/>
           <p:cNvSpPr>
             <a:spLocks noGrp="1"/>
           </p:cNvSpPr>
@@ -2576,7 +2903,7 @@
         <p:spPr>
           <a:xfrm>
             <a:off x="144000" y="72000"/>
-            <a:ext cx="9540000" cy="648000"/>
+            <a:ext cx="9539640" cy="647640"/>
           </a:xfrm>
           <a:prstGeom prst="rect">
             <a:avLst/>
@@ -2592,7 +2919,13 @@
           </a:bodyPr>
           <a:p>
             <a:pPr indent="0">
+              <a:lnSpc>
+                <a:spcPct val="100000"/>
+              </a:lnSpc>
               <a:buNone/>
+              <a:tabLst>
+                <a:tab algn="l" pos="0"/>
+              </a:tabLst>
             </a:pPr>
             <a:r>
               <a:rPr b="0" lang="en-GB" sz="4400" strike="noStrike" u="none">
@@ -2618,7 +2951,7 @@
       </p:sp>
       <p:sp>
         <p:nvSpPr>
-          <p:cNvPr id="13" name="PlaceHolder 2"/>
+          <p:cNvPr id="29" name="PlaceHolder 2"/>
           <p:cNvSpPr>
             <a:spLocks noGrp="1"/>
           </p:cNvSpPr>
@@ -2629,7 +2962,7 @@
         <p:spPr>
           <a:xfrm>
             <a:off x="504000" y="1326600"/>
-            <a:ext cx="9072000" cy="3288240"/>
+            <a:ext cx="9071640" cy="3287880"/>
           </a:xfrm>
           <a:prstGeom prst="rect">
             <a:avLst/>
@@ -2645,6 +2978,9 @@
           </a:bodyPr>
           <a:p>
             <a:pPr marL="432000" indent="-324000">
+              <a:lnSpc>
+                <a:spcPct val="100000"/>
+              </a:lnSpc>
               <a:spcBef>
                 <a:spcPts val="1417"/>
               </a:spcBef>
@@ -2677,6 +3013,9 @@
           </a:p>
           <a:p>
             <a:pPr lvl="1" marL="864000" indent="-324000">
+              <a:lnSpc>
+                <a:spcPct val="100000"/>
+              </a:lnSpc>
               <a:spcBef>
                 <a:spcPts val="1134"/>
               </a:spcBef>
@@ -2709,6 +3048,9 @@
           </a:p>
           <a:p>
             <a:pPr lvl="2" marL="1296000" indent="-288000">
+              <a:lnSpc>
+                <a:spcPct val="100000"/>
+              </a:lnSpc>
               <a:spcBef>
                 <a:spcPts val="850"/>
               </a:spcBef>
@@ -2741,6 +3083,9 @@
           </a:p>
           <a:p>
             <a:pPr lvl="3" marL="1728000" indent="-216000">
+              <a:lnSpc>
+                <a:spcPct val="100000"/>
+              </a:lnSpc>
               <a:spcBef>
                 <a:spcPts val="567"/>
               </a:spcBef>
@@ -2773,6 +3118,9 @@
           </a:p>
           <a:p>
             <a:pPr lvl="4" marL="2160000" indent="-216000">
+              <a:lnSpc>
+                <a:spcPct val="100000"/>
+              </a:lnSpc>
               <a:spcBef>
                 <a:spcPts val="283"/>
               </a:spcBef>
@@ -2805,6 +3153,9 @@
           </a:p>
           <a:p>
             <a:pPr lvl="5" marL="2592000" indent="-216000">
+              <a:lnSpc>
+                <a:spcPct val="100000"/>
+              </a:lnSpc>
               <a:spcBef>
                 <a:spcPts val="283"/>
               </a:spcBef>
@@ -2837,6 +3188,9 @@
           </a:p>
           <a:p>
             <a:pPr lvl="6" marL="3024000" indent="-216000">
+              <a:lnSpc>
+                <a:spcPct val="100000"/>
+              </a:lnSpc>
               <a:spcBef>
                 <a:spcPts val="283"/>
               </a:spcBef>
@@ -2871,18 +3225,18 @@
       </p:sp>
       <p:sp>
         <p:nvSpPr>
-          <p:cNvPr id="14" name="PlaceHolder 3"/>
+          <p:cNvPr id="30" name="PlaceHolder 3"/>
           <p:cNvSpPr>
             <a:spLocks noGrp="1"/>
           </p:cNvSpPr>
           <p:nvPr>
-            <p:ph type="dt" idx="1"/>
+            <p:ph type="dt" idx="4"/>
           </p:nvPr>
         </p:nvSpPr>
         <p:spPr>
           <a:xfrm>
             <a:off x="504000" y="5256000"/>
-            <a:ext cx="1656000" cy="410400"/>
+            <a:ext cx="1655640" cy="213840"/>
           </a:xfrm>
           <a:prstGeom prst="rect">
             <a:avLst/>
@@ -2898,7 +3252,13 @@
           </a:bodyPr>
           <a:lstStyle>
             <a:lvl1pPr indent="0">
+              <a:lnSpc>
+                <a:spcPct val="100000"/>
+              </a:lnSpc>
               <a:buNone/>
+              <a:tabLst>
+                <a:tab algn="l" pos="0"/>
+              </a:tabLst>
               <a:defRPr b="0" lang="en-GB" sz="1400" strike="noStrike" u="none">
                 <a:solidFill>
                   <a:srgbClr val="ffffff"/>
@@ -2911,7 +3271,13 @@
           </a:lstStyle>
           <a:p>
             <a:pPr indent="0">
+              <a:lnSpc>
+                <a:spcPct val="100000"/>
+              </a:lnSpc>
               <a:buNone/>
+              <a:tabLst>
+                <a:tab algn="l" pos="0"/>
+              </a:tabLst>
             </a:pPr>
             <a:r>
               <a:rPr b="0" lang="en-GB" sz="1400" strike="noStrike" u="none">
@@ -2930,25 +3296,25 @@
               </a:solidFill>
               <a:effectLst/>
               <a:uFillTx/>
-              <a:latin typeface="Arial"/>
-            </a:endParaRPr>
-          </a:p>
-        </p:txBody>
-      </p:sp>
-      <p:sp>
-        <p:nvSpPr>
-          <p:cNvPr id="15" name="PlaceHolder 4"/>
+              <a:latin typeface="Times New Roman"/>
+            </a:endParaRPr>
+          </a:p>
+        </p:txBody>
+      </p:sp>
+      <p:sp>
+        <p:nvSpPr>
+          <p:cNvPr id="31" name="PlaceHolder 4"/>
           <p:cNvSpPr>
             <a:spLocks noGrp="1"/>
           </p:cNvSpPr>
           <p:nvPr>
-            <p:ph type="ftr" idx="2"/>
+            <p:ph type="ftr" idx="5"/>
           </p:nvPr>
         </p:nvSpPr>
         <p:spPr>
           <a:xfrm>
             <a:off x="2520000" y="5256000"/>
-            <a:ext cx="4680000" cy="410400"/>
+            <a:ext cx="4679640" cy="213840"/>
           </a:xfrm>
           <a:prstGeom prst="rect">
             <a:avLst/>
@@ -2964,7 +3330,13 @@
           </a:bodyPr>
           <a:lstStyle>
             <a:lvl1pPr indent="0" algn="ctr">
+              <a:lnSpc>
+                <a:spcPct val="100000"/>
+              </a:lnSpc>
               <a:buNone/>
+              <a:tabLst>
+                <a:tab algn="l" pos="0"/>
+              </a:tabLst>
               <a:defRPr b="0" lang="en-GB" sz="1400" strike="noStrike" u="none">
                 <a:solidFill>
                   <a:srgbClr val="ffffff"/>
@@ -2977,7 +3349,13 @@
           </a:lstStyle>
           <a:p>
             <a:pPr indent="0" algn="ctr">
+              <a:lnSpc>
+                <a:spcPct val="100000"/>
+              </a:lnSpc>
               <a:buNone/>
+              <a:tabLst>
+                <a:tab algn="l" pos="0"/>
+              </a:tabLst>
             </a:pPr>
             <a:r>
               <a:rPr b="0" lang="en-GB" sz="1400" strike="noStrike" u="none">
@@ -2996,25 +3374,25 @@
               </a:solidFill>
               <a:effectLst/>
               <a:uFillTx/>
-              <a:latin typeface="Arial"/>
-            </a:endParaRPr>
-          </a:p>
-        </p:txBody>
-      </p:sp>
-      <p:sp>
-        <p:nvSpPr>
-          <p:cNvPr id="16" name="PlaceHolder 5"/>
+              <a:latin typeface="Times New Roman"/>
+            </a:endParaRPr>
+          </a:p>
+        </p:txBody>
+      </p:sp>
+      <p:sp>
+        <p:nvSpPr>
+          <p:cNvPr id="32" name="PlaceHolder 5"/>
           <p:cNvSpPr>
             <a:spLocks noGrp="1"/>
           </p:cNvSpPr>
           <p:nvPr>
-            <p:ph type="sldNum" idx="3"/>
+            <p:ph type="sldNum" idx="6"/>
           </p:nvPr>
         </p:nvSpPr>
         <p:spPr>
           <a:xfrm>
             <a:off x="7560000" y="5256000"/>
-            <a:ext cx="1620000" cy="410400"/>
+            <a:ext cx="1619640" cy="213840"/>
           </a:xfrm>
           <a:prstGeom prst="rect">
             <a:avLst/>
@@ -3030,7 +3408,13 @@
           </a:bodyPr>
           <a:lstStyle>
             <a:lvl1pPr indent="0" algn="r">
+              <a:lnSpc>
+                <a:spcPct val="100000"/>
+              </a:lnSpc>
               <a:buNone/>
+              <a:tabLst>
+                <a:tab algn="l" pos="0"/>
+              </a:tabLst>
               <a:defRPr b="0" lang="en-GB" sz="1400" strike="noStrike" u="none">
                 <a:solidFill>
                   <a:srgbClr val="ffffff"/>
@@ -3043,9 +3427,15 @@
           </a:lstStyle>
           <a:p>
             <a:pPr indent="0" algn="r">
+              <a:lnSpc>
+                <a:spcPct val="100000"/>
+              </a:lnSpc>
               <a:buNone/>
-            </a:pPr>
-            <a:fld id="{A7DB23D4-884F-4517-AB03-36945195E4BA}" type="slidenum">
+              <a:tabLst>
+                <a:tab algn="l" pos="0"/>
+              </a:tabLst>
+            </a:pPr>
+            <a:fld id="{2CAAFCBF-488F-43BD-A028-9FEF18265FC1}" type="slidenum">
               <a:rPr b="0" lang="en-GB" sz="1400" strike="noStrike" u="none">
                 <a:solidFill>
                   <a:srgbClr val="ffffff"/>
@@ -3062,21 +3452,21 @@
               </a:solidFill>
               <a:effectLst/>
               <a:uFillTx/>
-              <a:latin typeface="Arial"/>
-            </a:endParaRPr>
-          </a:p>
-        </p:txBody>
-      </p:sp>
-      <p:sp>
-        <p:nvSpPr>
-          <p:cNvPr id="17" name=""/>
+              <a:latin typeface="Times New Roman"/>
+            </a:endParaRPr>
+          </a:p>
+        </p:txBody>
+      </p:sp>
+      <p:sp>
+        <p:nvSpPr>
+          <p:cNvPr id="33" name=""/>
           <p:cNvSpPr/>
           <p:nvPr/>
         </p:nvSpPr>
         <p:spPr>
           <a:xfrm>
             <a:off x="20880" y="607320"/>
-            <a:ext cx="6120000" cy="18000"/>
+            <a:ext cx="6119640" cy="17640"/>
           </a:xfrm>
           <a:prstGeom prst="roundRect">
             <a:avLst>
@@ -3109,6 +3499,11 @@
             <a:noAutofit/>
           </a:bodyPr>
           <a:p>
+            <a:pPr>
+              <a:lnSpc>
+                <a:spcPct val="100000"/>
+              </a:lnSpc>
+            </a:pPr>
             <a:endParaRPr b="0" lang="en-GB" sz="1800" strike="noStrike" u="none">
               <a:solidFill>
                 <a:srgbClr val="ffffff"/>
@@ -3116,20 +3511,21 @@
               <a:effectLst/>
               <a:uFillTx/>
               <a:latin typeface="Arial"/>
-            </a:endParaRPr>
-          </a:p>
-        </p:txBody>
-      </p:sp>
-      <p:sp>
-        <p:nvSpPr>
-          <p:cNvPr id="18" name=""/>
+              <a:ea typeface="DejaVu Sans"/>
+            </a:endParaRPr>
+          </a:p>
+        </p:txBody>
+      </p:sp>
+      <p:sp>
+        <p:nvSpPr>
+          <p:cNvPr id="34" name=""/>
           <p:cNvSpPr/>
           <p:nvPr/>
         </p:nvSpPr>
         <p:spPr>
           <a:xfrm>
             <a:off x="4430520" y="840960"/>
-            <a:ext cx="5673960" cy="7200"/>
+            <a:ext cx="5673600" cy="6840"/>
           </a:xfrm>
           <a:prstGeom prst="roundRect">
             <a:avLst>
@@ -3162,6 +3558,11 @@
             <a:noAutofit/>
           </a:bodyPr>
           <a:p>
+            <a:pPr>
+              <a:lnSpc>
+                <a:spcPct val="100000"/>
+              </a:lnSpc>
+            </a:pPr>
             <a:endParaRPr b="0" lang="en-GB" sz="1800" strike="noStrike" u="none">
               <a:solidFill>
                 <a:srgbClr val="ffffff"/>
@@ -3169,28 +3570,29 @@
               <a:effectLst/>
               <a:uFillTx/>
               <a:latin typeface="Arial"/>
-            </a:endParaRPr>
-          </a:p>
-        </p:txBody>
-      </p:sp>
-      <p:sp>
-        <p:nvSpPr>
-          <p:cNvPr id="19" name=""/>
+              <a:ea typeface="DejaVu Sans"/>
+            </a:endParaRPr>
+          </a:p>
+        </p:txBody>
+      </p:sp>
+      <p:sp>
+        <p:nvSpPr>
+          <p:cNvPr id="35" name=""/>
           <p:cNvSpPr/>
           <p:nvPr/>
         </p:nvSpPr>
         <p:spPr>
           <a:xfrm>
             <a:off x="9819720" y="474480"/>
-            <a:ext cx="7200" cy="493200"/>
+            <a:ext cx="6840" cy="492840"/>
           </a:xfrm>
           <a:custGeom>
             <a:avLst/>
             <a:gdLst>
-              <a:gd name="textAreaLeft" fmla="*/ 1080 w 7200"/>
-              <a:gd name="textAreaRight" fmla="*/ 6120 w 7200"/>
-              <a:gd name="textAreaTop" fmla="*/ 1080 h 493200"/>
-              <a:gd name="textAreaBottom" fmla="*/ 492120 h 493200"/>
+              <a:gd name="textAreaLeft" fmla="*/ 1080 w 6840"/>
+              <a:gd name="textAreaRight" fmla="*/ 6120 w 6840"/>
+              <a:gd name="textAreaTop" fmla="*/ 1080 h 492840"/>
+              <a:gd name="textAreaBottom" fmla="*/ 492120 h 492840"/>
             </a:gdLst>
             <a:ahLst/>
             <a:cxnLst/>
@@ -3235,6 +3637,11 @@
             <a:noAutofit/>
           </a:bodyPr>
           <a:p>
+            <a:pPr>
+              <a:lnSpc>
+                <a:spcPct val="100000"/>
+              </a:lnSpc>
+            </a:pPr>
             <a:endParaRPr b="0" lang="en-GB" sz="1800" strike="noStrike" u="none">
               <a:solidFill>
                 <a:srgbClr val="000000"/>
@@ -3242,20 +3649,21 @@
               <a:effectLst/>
               <a:uFillTx/>
               <a:latin typeface="Arial"/>
-            </a:endParaRPr>
-          </a:p>
-        </p:txBody>
-      </p:sp>
-      <p:sp>
-        <p:nvSpPr>
-          <p:cNvPr id="20" name=""/>
+              <a:ea typeface="DejaVu Sans"/>
+            </a:endParaRPr>
+          </a:p>
+        </p:txBody>
+      </p:sp>
+      <p:sp>
+        <p:nvSpPr>
+          <p:cNvPr id="36" name=""/>
           <p:cNvSpPr/>
           <p:nvPr/>
         </p:nvSpPr>
         <p:spPr>
           <a:xfrm>
             <a:off x="1900800" y="5204880"/>
-            <a:ext cx="7465320" cy="7200"/>
+            <a:ext cx="7464960" cy="6840"/>
           </a:xfrm>
           <a:prstGeom prst="roundRect">
             <a:avLst>
@@ -3288,6 +3696,11 @@
             <a:noAutofit/>
           </a:bodyPr>
           <a:p>
+            <a:pPr>
+              <a:lnSpc>
+                <a:spcPct val="100000"/>
+              </a:lnSpc>
+            </a:pPr>
             <a:endParaRPr b="0" lang="en-GB" sz="1800" strike="noStrike" u="none">
               <a:solidFill>
                 <a:srgbClr val="ffffff"/>
@@ -3295,28 +3708,29 @@
               <a:effectLst/>
               <a:uFillTx/>
               <a:latin typeface="Arial"/>
-            </a:endParaRPr>
-          </a:p>
-        </p:txBody>
-      </p:sp>
-      <p:sp>
-        <p:nvSpPr>
-          <p:cNvPr id="21" name=""/>
+              <a:ea typeface="DejaVu Sans"/>
+            </a:endParaRPr>
+          </a:p>
+        </p:txBody>
+      </p:sp>
+      <p:sp>
+        <p:nvSpPr>
+          <p:cNvPr id="37" name=""/>
           <p:cNvSpPr/>
           <p:nvPr/>
         </p:nvSpPr>
         <p:spPr>
           <a:xfrm>
             <a:off x="9259920" y="4917240"/>
-            <a:ext cx="7200" cy="349560"/>
+            <a:ext cx="6840" cy="349200"/>
           </a:xfrm>
           <a:custGeom>
             <a:avLst/>
             <a:gdLst>
-              <a:gd name="textAreaLeft" fmla="*/ 1080 w 7200"/>
-              <a:gd name="textAreaRight" fmla="*/ 6120 w 7200"/>
-              <a:gd name="textAreaTop" fmla="*/ 1080 h 349560"/>
-              <a:gd name="textAreaBottom" fmla="*/ 348480 h 349560"/>
+              <a:gd name="textAreaLeft" fmla="*/ 1080 w 6840"/>
+              <a:gd name="textAreaRight" fmla="*/ 6120 w 6840"/>
+              <a:gd name="textAreaTop" fmla="*/ 1080 h 349200"/>
+              <a:gd name="textAreaBottom" fmla="*/ 348480 h 349200"/>
             </a:gdLst>
             <a:ahLst/>
             <a:cxnLst/>
@@ -3361,6 +3775,11 @@
             <a:noAutofit/>
           </a:bodyPr>
           <a:p>
+            <a:pPr>
+              <a:lnSpc>
+                <a:spcPct val="100000"/>
+              </a:lnSpc>
+            </a:pPr>
             <a:endParaRPr b="0" lang="en-GB" sz="1800" strike="noStrike" u="none">
               <a:solidFill>
                 <a:srgbClr val="000000"/>
@@ -3368,6 +3787,7 @@
               <a:effectLst/>
               <a:uFillTx/>
               <a:latin typeface="Arial"/>
+              <a:ea typeface="DejaVu Sans"/>
             </a:endParaRPr>
           </a:p>
         </p:txBody>
@@ -3403,7 +3823,7 @@
       </p:grpSpPr>
       <p:sp>
         <p:nvSpPr>
-          <p:cNvPr id="27" name="PlaceHolder 1"/>
+          <p:cNvPr id="38" name="PlaceHolder 1"/>
           <p:cNvSpPr>
             <a:spLocks noGrp="1"/>
           </p:cNvSpPr>
@@ -3414,7 +3834,7 @@
         <p:spPr>
           <a:xfrm>
             <a:off x="144000" y="72000"/>
-            <a:ext cx="9540000" cy="648000"/>
+            <a:ext cx="9539640" cy="647640"/>
           </a:xfrm>
           <a:prstGeom prst="rect">
             <a:avLst/>
@@ -3430,7 +3850,13 @@
           </a:bodyPr>
           <a:p>
             <a:pPr indent="0">
+              <a:lnSpc>
+                <a:spcPct val="100000"/>
+              </a:lnSpc>
               <a:buNone/>
+              <a:tabLst>
+                <a:tab algn="l" pos="0"/>
+              </a:tabLst>
             </a:pPr>
             <a:r>
               <a:rPr b="0" lang="en-GB" sz="4400" strike="noStrike" u="none">
@@ -3456,7 +3882,7 @@
       </p:sp>
       <p:sp>
         <p:nvSpPr>
-          <p:cNvPr id="28" name="PlaceHolder 2"/>
+          <p:cNvPr id="39" name="PlaceHolder 2"/>
           <p:cNvSpPr>
             <a:spLocks noGrp="1"/>
           </p:cNvSpPr>
@@ -3467,7 +3893,7 @@
         <p:spPr>
           <a:xfrm>
             <a:off x="504000" y="1326600"/>
-            <a:ext cx="9072000" cy="3288240"/>
+            <a:ext cx="9071640" cy="3287880"/>
           </a:xfrm>
           <a:prstGeom prst="rect">
             <a:avLst/>
@@ -3483,6 +3909,9 @@
           </a:bodyPr>
           <a:p>
             <a:pPr marL="432000" indent="-324000">
+              <a:lnSpc>
+                <a:spcPct val="100000"/>
+              </a:lnSpc>
               <a:spcBef>
                 <a:spcPts val="1417"/>
               </a:spcBef>
@@ -3515,6 +3944,9 @@
           </a:p>
           <a:p>
             <a:pPr lvl="1" marL="864000" indent="-324000">
+              <a:lnSpc>
+                <a:spcPct val="100000"/>
+              </a:lnSpc>
               <a:spcBef>
                 <a:spcPts val="1134"/>
               </a:spcBef>
@@ -3547,6 +3979,9 @@
           </a:p>
           <a:p>
             <a:pPr lvl="2" marL="1296000" indent="-288000">
+              <a:lnSpc>
+                <a:spcPct val="100000"/>
+              </a:lnSpc>
               <a:spcBef>
                 <a:spcPts val="850"/>
               </a:spcBef>
@@ -3579,6 +4014,9 @@
           </a:p>
           <a:p>
             <a:pPr lvl="3" marL="1728000" indent="-216000">
+              <a:lnSpc>
+                <a:spcPct val="100000"/>
+              </a:lnSpc>
               <a:spcBef>
                 <a:spcPts val="567"/>
               </a:spcBef>
@@ -3611,6 +4049,9 @@
           </a:p>
           <a:p>
             <a:pPr lvl="4" marL="2160000" indent="-216000">
+              <a:lnSpc>
+                <a:spcPct val="100000"/>
+              </a:lnSpc>
               <a:spcBef>
                 <a:spcPts val="283"/>
               </a:spcBef>
@@ -3643,6 +4084,9 @@
           </a:p>
           <a:p>
             <a:pPr lvl="5" marL="2592000" indent="-216000">
+              <a:lnSpc>
+                <a:spcPct val="100000"/>
+              </a:lnSpc>
               <a:spcBef>
                 <a:spcPts val="283"/>
               </a:spcBef>
@@ -3675,6 +4119,9 @@
           </a:p>
           <a:p>
             <a:pPr lvl="6" marL="3024000" indent="-216000">
+              <a:lnSpc>
+                <a:spcPct val="100000"/>
+              </a:lnSpc>
               <a:spcBef>
                 <a:spcPts val="283"/>
               </a:spcBef>
@@ -3709,7 +4156,7 @@
       </p:sp>
       <p:sp>
         <p:nvSpPr>
-          <p:cNvPr id="29" name="PlaceHolder 3"/>
+          <p:cNvPr id="40" name="PlaceHolder 3"/>
           <p:cNvSpPr>
             <a:spLocks noGrp="1"/>
           </p:cNvSpPr>
@@ -3720,7 +4167,7 @@
         <p:spPr>
           <a:xfrm>
             <a:off x="504000" y="5256000"/>
-            <a:ext cx="1656000" cy="410400"/>
+            <a:ext cx="1655640" cy="213840"/>
           </a:xfrm>
           <a:prstGeom prst="rect">
             <a:avLst/>
@@ -3736,7 +4183,13 @@
           </a:bodyPr>
           <a:lstStyle>
             <a:lvl1pPr indent="0">
+              <a:lnSpc>
+                <a:spcPct val="100000"/>
+              </a:lnSpc>
               <a:buNone/>
+              <a:tabLst>
+                <a:tab algn="l" pos="0"/>
+              </a:tabLst>
               <a:defRPr b="0" lang="en-GB" sz="1400" strike="noStrike" u="none">
                 <a:solidFill>
                   <a:srgbClr val="ffffff"/>
@@ -3749,7 +4202,13 @@
           </a:lstStyle>
           <a:p>
             <a:pPr indent="0">
+              <a:lnSpc>
+                <a:spcPct val="100000"/>
+              </a:lnSpc>
               <a:buNone/>
+              <a:tabLst>
+                <a:tab algn="l" pos="0"/>
+              </a:tabLst>
             </a:pPr>
             <a:r>
               <a:rPr b="0" lang="en-GB" sz="1400" strike="noStrike" u="none">
@@ -3768,14 +4227,14 @@
               </a:solidFill>
               <a:effectLst/>
               <a:uFillTx/>
-              <a:latin typeface="Arial"/>
-            </a:endParaRPr>
-          </a:p>
-        </p:txBody>
-      </p:sp>
-      <p:sp>
-        <p:nvSpPr>
-          <p:cNvPr id="30" name="PlaceHolder 4"/>
+              <a:latin typeface="Times New Roman"/>
+            </a:endParaRPr>
+          </a:p>
+        </p:txBody>
+      </p:sp>
+      <p:sp>
+        <p:nvSpPr>
+          <p:cNvPr id="41" name="PlaceHolder 4"/>
           <p:cNvSpPr>
             <a:spLocks noGrp="1"/>
           </p:cNvSpPr>
@@ -3786,7 +4245,7 @@
         <p:spPr>
           <a:xfrm>
             <a:off x="2520000" y="5256000"/>
-            <a:ext cx="4680000" cy="410400"/>
+            <a:ext cx="4679640" cy="213840"/>
           </a:xfrm>
           <a:prstGeom prst="rect">
             <a:avLst/>
@@ -3802,7 +4261,13 @@
           </a:bodyPr>
           <a:lstStyle>
             <a:lvl1pPr indent="0" algn="ctr">
+              <a:lnSpc>
+                <a:spcPct val="100000"/>
+              </a:lnSpc>
               <a:buNone/>
+              <a:tabLst>
+                <a:tab algn="l" pos="0"/>
+              </a:tabLst>
               <a:defRPr b="0" lang="en-GB" sz="1400" strike="noStrike" u="none">
                 <a:solidFill>
                   <a:srgbClr val="ffffff"/>
@@ -3815,7 +4280,13 @@
           </a:lstStyle>
           <a:p>
             <a:pPr indent="0" algn="ctr">
+              <a:lnSpc>
+                <a:spcPct val="100000"/>
+              </a:lnSpc>
               <a:buNone/>
+              <a:tabLst>
+                <a:tab algn="l" pos="0"/>
+              </a:tabLst>
             </a:pPr>
             <a:r>
               <a:rPr b="0" lang="en-GB" sz="1400" strike="noStrike" u="none">
@@ -3834,14 +4305,14 @@
               </a:solidFill>
               <a:effectLst/>
               <a:uFillTx/>
-              <a:latin typeface="Arial"/>
-            </a:endParaRPr>
-          </a:p>
-        </p:txBody>
-      </p:sp>
-      <p:sp>
-        <p:nvSpPr>
-          <p:cNvPr id="31" name="PlaceHolder 5"/>
+              <a:latin typeface="Times New Roman"/>
+            </a:endParaRPr>
+          </a:p>
+        </p:txBody>
+      </p:sp>
+      <p:sp>
+        <p:nvSpPr>
+          <p:cNvPr id="42" name="PlaceHolder 5"/>
           <p:cNvSpPr>
             <a:spLocks noGrp="1"/>
           </p:cNvSpPr>
@@ -3852,7 +4323,7 @@
         <p:spPr>
           <a:xfrm>
             <a:off x="7560000" y="5256000"/>
-            <a:ext cx="1620000" cy="410400"/>
+            <a:ext cx="1619640" cy="213840"/>
           </a:xfrm>
           <a:prstGeom prst="rect">
             <a:avLst/>
@@ -3868,7 +4339,13 @@
           </a:bodyPr>
           <a:lstStyle>
             <a:lvl1pPr indent="0" algn="r">
+              <a:lnSpc>
+                <a:spcPct val="100000"/>
+              </a:lnSpc>
               <a:buNone/>
+              <a:tabLst>
+                <a:tab algn="l" pos="0"/>
+              </a:tabLst>
               <a:defRPr b="0" lang="en-GB" sz="1400" strike="noStrike" u="none">
                 <a:solidFill>
                   <a:srgbClr val="ffffff"/>
@@ -3881,9 +4358,15 @@
           </a:lstStyle>
           <a:p>
             <a:pPr indent="0" algn="r">
+              <a:lnSpc>
+                <a:spcPct val="100000"/>
+              </a:lnSpc>
               <a:buNone/>
-            </a:pPr>
-            <a:fld id="{AE548727-199D-4AA7-9BF3-18168FDEE4EB}" type="slidenum">
+              <a:tabLst>
+                <a:tab algn="l" pos="0"/>
+              </a:tabLst>
+            </a:pPr>
+            <a:fld id="{EDA83B31-FCE3-4512-8C39-4728F5CC6F5E}" type="slidenum">
               <a:rPr b="0" lang="en-GB" sz="1400" strike="noStrike" u="none">
                 <a:solidFill>
                   <a:srgbClr val="ffffff"/>
@@ -3900,21 +4383,21 @@
               </a:solidFill>
               <a:effectLst/>
               <a:uFillTx/>
-              <a:latin typeface="Arial"/>
-            </a:endParaRPr>
-          </a:p>
-        </p:txBody>
-      </p:sp>
-      <p:sp>
-        <p:nvSpPr>
-          <p:cNvPr id="32" name=""/>
+              <a:latin typeface="Times New Roman"/>
+            </a:endParaRPr>
+          </a:p>
+        </p:txBody>
+      </p:sp>
+      <p:sp>
+        <p:nvSpPr>
+          <p:cNvPr id="43" name=""/>
           <p:cNvSpPr/>
           <p:nvPr/>
         </p:nvSpPr>
         <p:spPr>
           <a:xfrm>
             <a:off x="20880" y="607320"/>
-            <a:ext cx="6120000" cy="18000"/>
+            <a:ext cx="6119640" cy="17640"/>
           </a:xfrm>
           <a:prstGeom prst="roundRect">
             <a:avLst>
@@ -3947,6 +4430,11 @@
             <a:noAutofit/>
           </a:bodyPr>
           <a:p>
+            <a:pPr>
+              <a:lnSpc>
+                <a:spcPct val="100000"/>
+              </a:lnSpc>
+            </a:pPr>
             <a:endParaRPr b="0" lang="en-GB" sz="1800" strike="noStrike" u="none">
               <a:solidFill>
                 <a:srgbClr val="ffffff"/>
@@ -3954,20 +4442,21 @@
               <a:effectLst/>
               <a:uFillTx/>
               <a:latin typeface="Arial"/>
-            </a:endParaRPr>
-          </a:p>
-        </p:txBody>
-      </p:sp>
-      <p:sp>
-        <p:nvSpPr>
-          <p:cNvPr id="33" name=""/>
+              <a:ea typeface="DejaVu Sans"/>
+            </a:endParaRPr>
+          </a:p>
+        </p:txBody>
+      </p:sp>
+      <p:sp>
+        <p:nvSpPr>
+          <p:cNvPr id="44" name=""/>
           <p:cNvSpPr/>
           <p:nvPr/>
         </p:nvSpPr>
         <p:spPr>
           <a:xfrm>
             <a:off x="4430520" y="840960"/>
-            <a:ext cx="5673960" cy="7200"/>
+            <a:ext cx="5673600" cy="6840"/>
           </a:xfrm>
           <a:prstGeom prst="roundRect">
             <a:avLst>
@@ -4000,6 +4489,11 @@
             <a:noAutofit/>
           </a:bodyPr>
           <a:p>
+            <a:pPr>
+              <a:lnSpc>
+                <a:spcPct val="100000"/>
+              </a:lnSpc>
+            </a:pPr>
             <a:endParaRPr b="0" lang="en-GB" sz="1800" strike="noStrike" u="none">
               <a:solidFill>
                 <a:srgbClr val="ffffff"/>
@@ -4007,28 +4501,29 @@
               <a:effectLst/>
               <a:uFillTx/>
               <a:latin typeface="Arial"/>
-            </a:endParaRPr>
-          </a:p>
-        </p:txBody>
-      </p:sp>
-      <p:sp>
-        <p:nvSpPr>
-          <p:cNvPr id="34" name=""/>
+              <a:ea typeface="DejaVu Sans"/>
+            </a:endParaRPr>
+          </a:p>
+        </p:txBody>
+      </p:sp>
+      <p:sp>
+        <p:nvSpPr>
+          <p:cNvPr id="45" name=""/>
           <p:cNvSpPr/>
           <p:nvPr/>
         </p:nvSpPr>
         <p:spPr>
           <a:xfrm>
             <a:off x="9819720" y="474480"/>
-            <a:ext cx="7200" cy="493200"/>
+            <a:ext cx="6840" cy="492840"/>
           </a:xfrm>
           <a:custGeom>
             <a:avLst/>
             <a:gdLst>
-              <a:gd name="textAreaLeft" fmla="*/ 1080 w 7200"/>
-              <a:gd name="textAreaRight" fmla="*/ 6120 w 7200"/>
-              <a:gd name="textAreaTop" fmla="*/ 1080 h 493200"/>
-              <a:gd name="textAreaBottom" fmla="*/ 492120 h 493200"/>
+              <a:gd name="textAreaLeft" fmla="*/ 1080 w 6840"/>
+              <a:gd name="textAreaRight" fmla="*/ 6120 w 6840"/>
+              <a:gd name="textAreaTop" fmla="*/ 1080 h 492840"/>
+              <a:gd name="textAreaBottom" fmla="*/ 492120 h 492840"/>
             </a:gdLst>
             <a:ahLst/>
             <a:cxnLst/>
@@ -4073,6 +4568,11 @@
             <a:noAutofit/>
           </a:bodyPr>
           <a:p>
+            <a:pPr>
+              <a:lnSpc>
+                <a:spcPct val="100000"/>
+              </a:lnSpc>
+            </a:pPr>
             <a:endParaRPr b="0" lang="en-GB" sz="1800" strike="noStrike" u="none">
               <a:solidFill>
                 <a:srgbClr val="000000"/>
@@ -4080,20 +4580,21 @@
               <a:effectLst/>
               <a:uFillTx/>
               <a:latin typeface="Arial"/>
-            </a:endParaRPr>
-          </a:p>
-        </p:txBody>
-      </p:sp>
-      <p:sp>
-        <p:nvSpPr>
-          <p:cNvPr id="35" name=""/>
+              <a:ea typeface="DejaVu Sans"/>
+            </a:endParaRPr>
+          </a:p>
+        </p:txBody>
+      </p:sp>
+      <p:sp>
+        <p:nvSpPr>
+          <p:cNvPr id="46" name=""/>
           <p:cNvSpPr/>
           <p:nvPr/>
         </p:nvSpPr>
         <p:spPr>
           <a:xfrm>
             <a:off x="5644080" y="5194800"/>
-            <a:ext cx="3722040" cy="7200"/>
+            <a:ext cx="3721680" cy="6840"/>
           </a:xfrm>
           <a:prstGeom prst="roundRect">
             <a:avLst>
@@ -4126,6 +4627,11 @@
             <a:noAutofit/>
           </a:bodyPr>
           <a:p>
+            <a:pPr>
+              <a:lnSpc>
+                <a:spcPct val="100000"/>
+              </a:lnSpc>
+            </a:pPr>
             <a:endParaRPr b="0" lang="en-GB" sz="1800" strike="noStrike" u="none">
               <a:solidFill>
                 <a:srgbClr val="ffffff"/>
@@ -4133,28 +4639,29 @@
               <a:effectLst/>
               <a:uFillTx/>
               <a:latin typeface="Arial"/>
-            </a:endParaRPr>
-          </a:p>
-        </p:txBody>
-      </p:sp>
-      <p:sp>
-        <p:nvSpPr>
-          <p:cNvPr id="36" name=""/>
+              <a:ea typeface="DejaVu Sans"/>
+            </a:endParaRPr>
+          </a:p>
+        </p:txBody>
+      </p:sp>
+      <p:sp>
+        <p:nvSpPr>
+          <p:cNvPr id="47" name=""/>
           <p:cNvSpPr/>
           <p:nvPr/>
         </p:nvSpPr>
         <p:spPr>
           <a:xfrm>
             <a:off x="9259920" y="4917240"/>
-            <a:ext cx="7200" cy="349560"/>
+            <a:ext cx="6840" cy="349200"/>
           </a:xfrm>
           <a:custGeom>
             <a:avLst/>
             <a:gdLst>
-              <a:gd name="textAreaLeft" fmla="*/ 1080 w 7200"/>
-              <a:gd name="textAreaRight" fmla="*/ 6120 w 7200"/>
-              <a:gd name="textAreaTop" fmla="*/ 1080 h 349560"/>
-              <a:gd name="textAreaBottom" fmla="*/ 348480 h 349560"/>
+              <a:gd name="textAreaLeft" fmla="*/ 1080 w 6840"/>
+              <a:gd name="textAreaRight" fmla="*/ 6120 w 6840"/>
+              <a:gd name="textAreaTop" fmla="*/ 1080 h 349200"/>
+              <a:gd name="textAreaBottom" fmla="*/ 348480 h 349200"/>
             </a:gdLst>
             <a:ahLst/>
             <a:cxnLst/>
@@ -4199,6 +4706,11 @@
             <a:noAutofit/>
           </a:bodyPr>
           <a:p>
+            <a:pPr>
+              <a:lnSpc>
+                <a:spcPct val="100000"/>
+              </a:lnSpc>
+            </a:pPr>
             <a:endParaRPr b="0" lang="en-GB" sz="1800" strike="noStrike" u="none">
               <a:solidFill>
                 <a:srgbClr val="000000"/>
@@ -4206,20 +4718,21 @@
               <a:effectLst/>
               <a:uFillTx/>
               <a:latin typeface="Arial"/>
-            </a:endParaRPr>
-          </a:p>
-        </p:txBody>
-      </p:sp>
-      <p:sp>
-        <p:nvSpPr>
-          <p:cNvPr id="37" name=""/>
+              <a:ea typeface="DejaVu Sans"/>
+            </a:endParaRPr>
+          </a:p>
+        </p:txBody>
+      </p:sp>
+      <p:sp>
+        <p:nvSpPr>
+          <p:cNvPr id="48" name=""/>
           <p:cNvSpPr/>
           <p:nvPr/>
         </p:nvSpPr>
         <p:spPr>
           <a:xfrm>
             <a:off x="974160" y="5194440"/>
-            <a:ext cx="3722040" cy="7200"/>
+            <a:ext cx="3721680" cy="6840"/>
           </a:xfrm>
           <a:prstGeom prst="roundRect">
             <a:avLst>
@@ -4252,6 +4765,11 @@
             <a:noAutofit/>
           </a:bodyPr>
           <a:p>
+            <a:pPr>
+              <a:lnSpc>
+                <a:spcPct val="100000"/>
+              </a:lnSpc>
+            </a:pPr>
             <a:endParaRPr b="0" lang="en-GB" sz="1800" strike="noStrike" u="none">
               <a:solidFill>
                 <a:srgbClr val="ffffff"/>
@@ -4259,28 +4777,29 @@
               <a:effectLst/>
               <a:uFillTx/>
               <a:latin typeface="Arial"/>
-            </a:endParaRPr>
-          </a:p>
-        </p:txBody>
-      </p:sp>
-      <p:sp>
-        <p:nvSpPr>
-          <p:cNvPr id="38" name=""/>
+              <a:ea typeface="DejaVu Sans"/>
+            </a:endParaRPr>
+          </a:p>
+        </p:txBody>
+      </p:sp>
+      <p:sp>
+        <p:nvSpPr>
+          <p:cNvPr id="49" name=""/>
           <p:cNvSpPr/>
           <p:nvPr/>
         </p:nvSpPr>
         <p:spPr>
           <a:xfrm>
             <a:off x="4590000" y="4914000"/>
-            <a:ext cx="7200" cy="349560"/>
+            <a:ext cx="6840" cy="349200"/>
           </a:xfrm>
           <a:custGeom>
             <a:avLst/>
             <a:gdLst>
-              <a:gd name="textAreaLeft" fmla="*/ 1080 w 7200"/>
-              <a:gd name="textAreaRight" fmla="*/ 6120 w 7200"/>
-              <a:gd name="textAreaTop" fmla="*/ 1080 h 349560"/>
-              <a:gd name="textAreaBottom" fmla="*/ 348480 h 349560"/>
+              <a:gd name="textAreaLeft" fmla="*/ 1080 w 6840"/>
+              <a:gd name="textAreaRight" fmla="*/ 6120 w 6840"/>
+              <a:gd name="textAreaTop" fmla="*/ 1080 h 349200"/>
+              <a:gd name="textAreaBottom" fmla="*/ 348480 h 349200"/>
             </a:gdLst>
             <a:ahLst/>
             <a:cxnLst/>
@@ -4325,6 +4844,11 @@
             <a:noAutofit/>
           </a:bodyPr>
           <a:p>
+            <a:pPr>
+              <a:lnSpc>
+                <a:spcPct val="100000"/>
+              </a:lnSpc>
+            </a:pPr>
             <a:endParaRPr b="0" lang="en-GB" sz="1800" strike="noStrike" u="none">
               <a:solidFill>
                 <a:srgbClr val="000000"/>
@@ -4332,28 +4856,29 @@
               <a:effectLst/>
               <a:uFillTx/>
               <a:latin typeface="Arial"/>
-            </a:endParaRPr>
-          </a:p>
-        </p:txBody>
-      </p:sp>
-      <p:sp>
-        <p:nvSpPr>
-          <p:cNvPr id="39" name=""/>
+              <a:ea typeface="DejaVu Sans"/>
+            </a:endParaRPr>
+          </a:p>
+        </p:txBody>
+      </p:sp>
+      <p:sp>
+        <p:nvSpPr>
+          <p:cNvPr id="50" name=""/>
           <p:cNvSpPr/>
           <p:nvPr/>
         </p:nvSpPr>
         <p:spPr>
           <a:xfrm>
             <a:off x="5055480" y="1037160"/>
-            <a:ext cx="10800" cy="3700800"/>
+            <a:ext cx="10440" cy="3700440"/>
           </a:xfrm>
           <a:custGeom>
             <a:avLst/>
             <a:gdLst>
-              <a:gd name="textAreaLeft" fmla="*/ 1440 w 10800"/>
-              <a:gd name="textAreaRight" fmla="*/ 9360 w 10800"/>
-              <a:gd name="textAreaTop" fmla="*/ 1440 h 3700800"/>
-              <a:gd name="textAreaBottom" fmla="*/ 3699360 h 3700800"/>
+              <a:gd name="textAreaLeft" fmla="*/ 1440 w 10440"/>
+              <a:gd name="textAreaRight" fmla="*/ 9360 w 10440"/>
+              <a:gd name="textAreaTop" fmla="*/ 1440 h 3700440"/>
+              <a:gd name="textAreaBottom" fmla="*/ 3699360 h 3700440"/>
             </a:gdLst>
             <a:ahLst/>
             <a:cxnLst/>
@@ -4409,6 +4934,11 @@
             <a:noAutofit/>
           </a:bodyPr>
           <a:p>
+            <a:pPr>
+              <a:lnSpc>
+                <a:spcPct val="100000"/>
+              </a:lnSpc>
+            </a:pPr>
             <a:endParaRPr b="0" lang="en-GB" sz="1800" strike="noStrike" u="none">
               <a:solidFill>
                 <a:srgbClr val="ffffff"/>
@@ -4416,6 +4946,7 @@
               <a:effectLst/>
               <a:uFillTx/>
               <a:latin typeface="Arial"/>
+              <a:ea typeface="DejaVu Sans"/>
             </a:endParaRPr>
           </a:p>
         </p:txBody>
@@ -4451,7 +4982,7 @@
       </p:grpSpPr>
       <p:sp>
         <p:nvSpPr>
-          <p:cNvPr id="50" name="PlaceHolder 1"/>
+          <p:cNvPr id="51" name="PlaceHolder 1"/>
           <p:cNvSpPr>
             <a:spLocks noGrp="1"/>
           </p:cNvSpPr>
@@ -4462,7 +4993,7 @@
         <p:spPr>
           <a:xfrm>
             <a:off x="144000" y="72000"/>
-            <a:ext cx="9540000" cy="648000"/>
+            <a:ext cx="9539640" cy="647640"/>
           </a:xfrm>
           <a:prstGeom prst="rect">
             <a:avLst/>
@@ -4478,7 +5009,13 @@
           </a:bodyPr>
           <a:p>
             <a:pPr indent="0">
+              <a:lnSpc>
+                <a:spcPct val="100000"/>
+              </a:lnSpc>
               <a:buNone/>
+              <a:tabLst>
+                <a:tab algn="l" pos="0"/>
+              </a:tabLst>
             </a:pPr>
             <a:r>
               <a:rPr b="0" lang="en-GB" sz="4400" strike="noStrike" u="none">
@@ -4504,7 +5041,7 @@
       </p:sp>
       <p:sp>
         <p:nvSpPr>
-          <p:cNvPr id="51" name="PlaceHolder 2"/>
+          <p:cNvPr id="52" name="PlaceHolder 2"/>
           <p:cNvSpPr>
             <a:spLocks noGrp="1"/>
           </p:cNvSpPr>
@@ -4515,7 +5052,7 @@
         <p:spPr>
           <a:xfrm>
             <a:off x="504000" y="1326600"/>
-            <a:ext cx="9072000" cy="3288240"/>
+            <a:ext cx="9071640" cy="3287880"/>
           </a:xfrm>
           <a:prstGeom prst="rect">
             <a:avLst/>
@@ -4531,6 +5068,9 @@
           </a:bodyPr>
           <a:p>
             <a:pPr marL="432000" indent="-324000">
+              <a:lnSpc>
+                <a:spcPct val="100000"/>
+              </a:lnSpc>
               <a:spcBef>
                 <a:spcPts val="1417"/>
               </a:spcBef>
@@ -4563,6 +5103,9 @@
           </a:p>
           <a:p>
             <a:pPr lvl="1" marL="864000" indent="-324000">
+              <a:lnSpc>
+                <a:spcPct val="100000"/>
+              </a:lnSpc>
               <a:spcBef>
                 <a:spcPts val="1134"/>
               </a:spcBef>
@@ -4595,6 +5138,9 @@
           </a:p>
           <a:p>
             <a:pPr lvl="2" marL="1296000" indent="-288000">
+              <a:lnSpc>
+                <a:spcPct val="100000"/>
+              </a:lnSpc>
               <a:spcBef>
                 <a:spcPts val="850"/>
               </a:spcBef>
@@ -4627,6 +5173,9 @@
           </a:p>
           <a:p>
             <a:pPr lvl="3" marL="1728000" indent="-216000">
+              <a:lnSpc>
+                <a:spcPct val="100000"/>
+              </a:lnSpc>
               <a:spcBef>
                 <a:spcPts val="567"/>
               </a:spcBef>
@@ -4659,6 +5208,9 @@
           </a:p>
           <a:p>
             <a:pPr lvl="4" marL="2160000" indent="-216000">
+              <a:lnSpc>
+                <a:spcPct val="100000"/>
+              </a:lnSpc>
               <a:spcBef>
                 <a:spcPts val="283"/>
               </a:spcBef>
@@ -4691,6 +5243,9 @@
           </a:p>
           <a:p>
             <a:pPr lvl="5" marL="2592000" indent="-216000">
+              <a:lnSpc>
+                <a:spcPct val="100000"/>
+              </a:lnSpc>
               <a:spcBef>
                 <a:spcPts val="283"/>
               </a:spcBef>
@@ -4723,6 +5278,9 @@
           </a:p>
           <a:p>
             <a:pPr lvl="6" marL="3024000" indent="-216000">
+              <a:lnSpc>
+                <a:spcPct val="100000"/>
+              </a:lnSpc>
               <a:spcBef>
                 <a:spcPts val="283"/>
               </a:spcBef>
@@ -4757,18 +5315,18 @@
       </p:sp>
       <p:sp>
         <p:nvSpPr>
-          <p:cNvPr id="52" name="PlaceHolder 3"/>
+          <p:cNvPr id="53" name="PlaceHolder 3"/>
           <p:cNvSpPr>
             <a:spLocks noGrp="1"/>
           </p:cNvSpPr>
           <p:nvPr>
-            <p:ph type="dt" idx="13"/>
+            <p:ph type="dt" idx="10"/>
           </p:nvPr>
         </p:nvSpPr>
         <p:spPr>
           <a:xfrm>
             <a:off x="504000" y="5256000"/>
-            <a:ext cx="1656000" cy="410400"/>
+            <a:ext cx="1655640" cy="213840"/>
           </a:xfrm>
           <a:prstGeom prst="rect">
             <a:avLst/>
@@ -4784,7 +5342,13 @@
           </a:bodyPr>
           <a:lstStyle>
             <a:lvl1pPr indent="0">
+              <a:lnSpc>
+                <a:spcPct val="100000"/>
+              </a:lnSpc>
               <a:buNone/>
+              <a:tabLst>
+                <a:tab algn="l" pos="0"/>
+              </a:tabLst>
               <a:defRPr b="0" lang="en-GB" sz="1400" strike="noStrike" u="none">
                 <a:solidFill>
                   <a:srgbClr val="ffffff"/>
@@ -4797,7 +5361,13 @@
           </a:lstStyle>
           <a:p>
             <a:pPr indent="0">
+              <a:lnSpc>
+                <a:spcPct val="100000"/>
+              </a:lnSpc>
               <a:buNone/>
+              <a:tabLst>
+                <a:tab algn="l" pos="0"/>
+              </a:tabLst>
             </a:pPr>
             <a:r>
               <a:rPr b="0" lang="en-GB" sz="1400" strike="noStrike" u="none">
@@ -4816,25 +5386,25 @@
               </a:solidFill>
               <a:effectLst/>
               <a:uFillTx/>
-              <a:latin typeface="Arial"/>
-            </a:endParaRPr>
-          </a:p>
-        </p:txBody>
-      </p:sp>
-      <p:sp>
-        <p:nvSpPr>
-          <p:cNvPr id="53" name="PlaceHolder 4"/>
+              <a:latin typeface="Times New Roman"/>
+            </a:endParaRPr>
+          </a:p>
+        </p:txBody>
+      </p:sp>
+      <p:sp>
+        <p:nvSpPr>
+          <p:cNvPr id="54" name="PlaceHolder 4"/>
           <p:cNvSpPr>
             <a:spLocks noGrp="1"/>
           </p:cNvSpPr>
           <p:nvPr>
-            <p:ph type="ftr" idx="14"/>
+            <p:ph type="ftr" idx="11"/>
           </p:nvPr>
         </p:nvSpPr>
         <p:spPr>
           <a:xfrm>
             <a:off x="2520000" y="5256000"/>
-            <a:ext cx="4680000" cy="410400"/>
+            <a:ext cx="4679640" cy="213840"/>
           </a:xfrm>
           <a:prstGeom prst="rect">
             <a:avLst/>
@@ -4850,7 +5420,13 @@
           </a:bodyPr>
           <a:lstStyle>
             <a:lvl1pPr indent="0" algn="ctr">
+              <a:lnSpc>
+                <a:spcPct val="100000"/>
+              </a:lnSpc>
               <a:buNone/>
+              <a:tabLst>
+                <a:tab algn="l" pos="0"/>
+              </a:tabLst>
               <a:defRPr b="0" lang="en-GB" sz="1400" strike="noStrike" u="none">
                 <a:solidFill>
                   <a:srgbClr val="ffffff"/>
@@ -4863,7 +5439,13 @@
           </a:lstStyle>
           <a:p>
             <a:pPr indent="0" algn="ctr">
+              <a:lnSpc>
+                <a:spcPct val="100000"/>
+              </a:lnSpc>
               <a:buNone/>
+              <a:tabLst>
+                <a:tab algn="l" pos="0"/>
+              </a:tabLst>
             </a:pPr>
             <a:r>
               <a:rPr b="0" lang="en-GB" sz="1400" strike="noStrike" u="none">
@@ -4882,25 +5464,25 @@
               </a:solidFill>
               <a:effectLst/>
               <a:uFillTx/>
-              <a:latin typeface="Arial"/>
-            </a:endParaRPr>
-          </a:p>
-        </p:txBody>
-      </p:sp>
-      <p:sp>
-        <p:nvSpPr>
-          <p:cNvPr id="54" name="PlaceHolder 5"/>
+              <a:latin typeface="Times New Roman"/>
+            </a:endParaRPr>
+          </a:p>
+        </p:txBody>
+      </p:sp>
+      <p:sp>
+        <p:nvSpPr>
+          <p:cNvPr id="55" name="PlaceHolder 5"/>
           <p:cNvSpPr>
             <a:spLocks noGrp="1"/>
           </p:cNvSpPr>
           <p:nvPr>
-            <p:ph type="sldNum" idx="15"/>
+            <p:ph type="sldNum" idx="12"/>
           </p:nvPr>
         </p:nvSpPr>
         <p:spPr>
           <a:xfrm>
             <a:off x="7560000" y="5256000"/>
-            <a:ext cx="1620000" cy="410400"/>
+            <a:ext cx="1619640" cy="213840"/>
           </a:xfrm>
           <a:prstGeom prst="rect">
             <a:avLst/>
@@ -4916,7 +5498,13 @@
           </a:bodyPr>
           <a:lstStyle>
             <a:lvl1pPr indent="0" algn="r">
+              <a:lnSpc>
+                <a:spcPct val="100000"/>
+              </a:lnSpc>
               <a:buNone/>
+              <a:tabLst>
+                <a:tab algn="l" pos="0"/>
+              </a:tabLst>
               <a:defRPr b="0" lang="en-GB" sz="1400" strike="noStrike" u="none">
                 <a:solidFill>
                   <a:srgbClr val="ffffff"/>
@@ -4929,9 +5517,15 @@
           </a:lstStyle>
           <a:p>
             <a:pPr indent="0" algn="r">
+              <a:lnSpc>
+                <a:spcPct val="100000"/>
+              </a:lnSpc>
               <a:buNone/>
-            </a:pPr>
-            <a:fld id="{184CDD6D-C13C-4C0D-9ECD-BAACEF2FECED}" type="slidenum">
+              <a:tabLst>
+                <a:tab algn="l" pos="0"/>
+              </a:tabLst>
+            </a:pPr>
+            <a:fld id="{5435471E-2382-448C-91AD-24228A91EA72}" type="slidenum">
               <a:rPr b="0" lang="en-GB" sz="1400" strike="noStrike" u="none">
                 <a:solidFill>
                   <a:srgbClr val="ffffff"/>
@@ -4948,21 +5542,21 @@
               </a:solidFill>
               <a:effectLst/>
               <a:uFillTx/>
-              <a:latin typeface="Arial"/>
-            </a:endParaRPr>
-          </a:p>
-        </p:txBody>
-      </p:sp>
-      <p:sp>
-        <p:nvSpPr>
-          <p:cNvPr id="45" name=""/>
+              <a:latin typeface="Times New Roman"/>
+            </a:endParaRPr>
+          </a:p>
+        </p:txBody>
+      </p:sp>
+      <p:sp>
+        <p:nvSpPr>
+          <p:cNvPr id="56" name=""/>
           <p:cNvSpPr/>
           <p:nvPr/>
         </p:nvSpPr>
         <p:spPr>
           <a:xfrm>
             <a:off x="20880" y="607320"/>
-            <a:ext cx="6120000" cy="18000"/>
+            <a:ext cx="6119640" cy="17640"/>
           </a:xfrm>
           <a:prstGeom prst="roundRect">
             <a:avLst>
@@ -4995,6 +5589,11 @@
             <a:noAutofit/>
           </a:bodyPr>
           <a:p>
+            <a:pPr>
+              <a:lnSpc>
+                <a:spcPct val="100000"/>
+              </a:lnSpc>
+            </a:pPr>
             <a:endParaRPr b="0" lang="en-GB" sz="1800" strike="noStrike" u="none">
               <a:solidFill>
                 <a:srgbClr val="ffffff"/>
@@ -5002,20 +5601,21 @@
               <a:effectLst/>
               <a:uFillTx/>
               <a:latin typeface="Arial"/>
-            </a:endParaRPr>
-          </a:p>
-        </p:txBody>
-      </p:sp>
-      <p:sp>
-        <p:nvSpPr>
-          <p:cNvPr id="46" name=""/>
+              <a:ea typeface="DejaVu Sans"/>
+            </a:endParaRPr>
+          </a:p>
+        </p:txBody>
+      </p:sp>
+      <p:sp>
+        <p:nvSpPr>
+          <p:cNvPr id="57" name=""/>
           <p:cNvSpPr/>
           <p:nvPr/>
         </p:nvSpPr>
         <p:spPr>
           <a:xfrm>
             <a:off x="4430520" y="840960"/>
-            <a:ext cx="5673960" cy="7200"/>
+            <a:ext cx="5673600" cy="6840"/>
           </a:xfrm>
           <a:prstGeom prst="roundRect">
             <a:avLst>
@@ -5048,6 +5648,11 @@
             <a:noAutofit/>
           </a:bodyPr>
           <a:p>
+            <a:pPr>
+              <a:lnSpc>
+                <a:spcPct val="100000"/>
+              </a:lnSpc>
+            </a:pPr>
             <a:endParaRPr b="0" lang="en-GB" sz="1800" strike="noStrike" u="none">
               <a:solidFill>
                 <a:srgbClr val="ffffff"/>
@@ -5055,28 +5660,29 @@
               <a:effectLst/>
               <a:uFillTx/>
               <a:latin typeface="Arial"/>
-            </a:endParaRPr>
-          </a:p>
-        </p:txBody>
-      </p:sp>
-      <p:sp>
-        <p:nvSpPr>
-          <p:cNvPr id="47" name=""/>
+              <a:ea typeface="DejaVu Sans"/>
+            </a:endParaRPr>
+          </a:p>
+        </p:txBody>
+      </p:sp>
+      <p:sp>
+        <p:nvSpPr>
+          <p:cNvPr id="58" name=""/>
           <p:cNvSpPr/>
           <p:nvPr/>
         </p:nvSpPr>
         <p:spPr>
           <a:xfrm>
             <a:off x="9819720" y="474480"/>
-            <a:ext cx="7200" cy="493200"/>
+            <a:ext cx="6840" cy="492840"/>
           </a:xfrm>
           <a:custGeom>
             <a:avLst/>
             <a:gdLst>
-              <a:gd name="textAreaLeft" fmla="*/ 1080 w 7200"/>
-              <a:gd name="textAreaRight" fmla="*/ 6120 w 7200"/>
-              <a:gd name="textAreaTop" fmla="*/ 1080 h 493200"/>
-              <a:gd name="textAreaBottom" fmla="*/ 492120 h 493200"/>
+              <a:gd name="textAreaLeft" fmla="*/ 1080 w 6840"/>
+              <a:gd name="textAreaRight" fmla="*/ 6120 w 6840"/>
+              <a:gd name="textAreaTop" fmla="*/ 1080 h 492840"/>
+              <a:gd name="textAreaBottom" fmla="*/ 492120 h 492840"/>
             </a:gdLst>
             <a:ahLst/>
             <a:cxnLst/>
@@ -5121,6 +5727,11 @@
             <a:noAutofit/>
           </a:bodyPr>
           <a:p>
+            <a:pPr>
+              <a:lnSpc>
+                <a:spcPct val="100000"/>
+              </a:lnSpc>
+            </a:pPr>
             <a:endParaRPr b="0" lang="en-GB" sz="1800" strike="noStrike" u="none">
               <a:solidFill>
                 <a:srgbClr val="000000"/>
@@ -5128,20 +5739,21 @@
               <a:effectLst/>
               <a:uFillTx/>
               <a:latin typeface="Arial"/>
-            </a:endParaRPr>
-          </a:p>
-        </p:txBody>
-      </p:sp>
-      <p:sp>
-        <p:nvSpPr>
-          <p:cNvPr id="48" name=""/>
+              <a:ea typeface="DejaVu Sans"/>
+            </a:endParaRPr>
+          </a:p>
+        </p:txBody>
+      </p:sp>
+      <p:sp>
+        <p:nvSpPr>
+          <p:cNvPr id="59" name=""/>
           <p:cNvSpPr/>
           <p:nvPr/>
         </p:nvSpPr>
         <p:spPr>
           <a:xfrm>
             <a:off x="1900800" y="5204880"/>
-            <a:ext cx="7465320" cy="7200"/>
+            <a:ext cx="7464960" cy="6840"/>
           </a:xfrm>
           <a:prstGeom prst="roundRect">
             <a:avLst>
@@ -5174,6 +5786,11 @@
             <a:noAutofit/>
           </a:bodyPr>
           <a:p>
+            <a:pPr>
+              <a:lnSpc>
+                <a:spcPct val="100000"/>
+              </a:lnSpc>
+            </a:pPr>
             <a:endParaRPr b="0" lang="en-GB" sz="1800" strike="noStrike" u="none">
               <a:solidFill>
                 <a:srgbClr val="ffffff"/>
@@ -5181,28 +5798,29 @@
               <a:effectLst/>
               <a:uFillTx/>
               <a:latin typeface="Arial"/>
-            </a:endParaRPr>
-          </a:p>
-        </p:txBody>
-      </p:sp>
-      <p:sp>
-        <p:nvSpPr>
-          <p:cNvPr id="49" name=""/>
+              <a:ea typeface="DejaVu Sans"/>
+            </a:endParaRPr>
+          </a:p>
+        </p:txBody>
+      </p:sp>
+      <p:sp>
+        <p:nvSpPr>
+          <p:cNvPr id="60" name=""/>
           <p:cNvSpPr/>
           <p:nvPr/>
         </p:nvSpPr>
         <p:spPr>
           <a:xfrm>
             <a:off x="9259920" y="4917240"/>
-            <a:ext cx="7200" cy="349560"/>
+            <a:ext cx="6840" cy="349200"/>
           </a:xfrm>
           <a:custGeom>
             <a:avLst/>
             <a:gdLst>
-              <a:gd name="textAreaLeft" fmla="*/ 1080 w 7200"/>
-              <a:gd name="textAreaRight" fmla="*/ 6120 w 7200"/>
-              <a:gd name="textAreaTop" fmla="*/ 1080 h 349560"/>
-              <a:gd name="textAreaBottom" fmla="*/ 348480 h 349560"/>
+              <a:gd name="textAreaLeft" fmla="*/ 1080 w 6840"/>
+              <a:gd name="textAreaRight" fmla="*/ 6120 w 6840"/>
+              <a:gd name="textAreaTop" fmla="*/ 1080 h 349200"/>
+              <a:gd name="textAreaBottom" fmla="*/ 348480 h 349200"/>
             </a:gdLst>
             <a:ahLst/>
             <a:cxnLst/>
@@ -5247,6 +5865,11 @@
             <a:noAutofit/>
           </a:bodyPr>
           <a:p>
+            <a:pPr>
+              <a:lnSpc>
+                <a:spcPct val="100000"/>
+              </a:lnSpc>
+            </a:pPr>
             <a:endParaRPr b="0" lang="en-GB" sz="1800" strike="noStrike" u="none">
               <a:solidFill>
                 <a:srgbClr val="000000"/>
@@ -5254,6 +5877,7 @@
               <a:effectLst/>
               <a:uFillTx/>
               <a:latin typeface="Arial"/>
+              <a:ea typeface="DejaVu Sans"/>
             </a:endParaRPr>
           </a:p>
         </p:txBody>
@@ -5265,7 +5889,7 @@
 
 <file path=ppt/slideLayouts/slideLayout8.xml><?xml version="1.0" encoding="utf-8"?>
 <p:sldLayout xmlns:a="http://schemas.openxmlformats.org/drawingml/2006/main" xmlns:p="http://schemas.openxmlformats.org/presentationml/2006/main" xmlns:r="http://schemas.openxmlformats.org/officeDocument/2006/relationships" xmlns:p14="http://schemas.microsoft.com/office/powerpoint/2010/main" xmlns:p15="http://schemas.microsoft.com/office/powerpoint/2012/main" xmlns:mc="http://schemas.openxmlformats.org/markup-compatibility/2006" type="tx" preserve="1">
-  <p:cSld name="One Column_">
+  <p:cSld name="Default 3">
     <p:bg>
       <p:bgPr>
         <a:solidFill>
@@ -5289,7 +5913,7 @@
       </p:grpSpPr>
       <p:sp>
         <p:nvSpPr>
-          <p:cNvPr id="40" name="PlaceHolder 1"/>
+          <p:cNvPr id="61" name="PlaceHolder 1"/>
           <p:cNvSpPr>
             <a:spLocks noGrp="1"/>
           </p:cNvSpPr>
@@ -5300,7 +5924,7 @@
         <p:spPr>
           <a:xfrm>
             <a:off x="144000" y="72000"/>
-            <a:ext cx="9540000" cy="648000"/>
+            <a:ext cx="9539640" cy="647640"/>
           </a:xfrm>
           <a:prstGeom prst="rect">
             <a:avLst/>
@@ -5316,7 +5940,13 @@
           </a:bodyPr>
           <a:p>
             <a:pPr indent="0">
+              <a:lnSpc>
+                <a:spcPct val="100000"/>
+              </a:lnSpc>
               <a:buNone/>
+              <a:tabLst>
+                <a:tab algn="l" pos="0"/>
+              </a:tabLst>
             </a:pPr>
             <a:r>
               <a:rPr b="0" lang="en-GB" sz="4400" strike="noStrike" u="none">
@@ -5342,7 +5972,7 @@
       </p:sp>
       <p:sp>
         <p:nvSpPr>
-          <p:cNvPr id="41" name="PlaceHolder 2"/>
+          <p:cNvPr id="62" name="PlaceHolder 2"/>
           <p:cNvSpPr>
             <a:spLocks noGrp="1"/>
           </p:cNvSpPr>
@@ -5353,7 +5983,7 @@
         <p:spPr>
           <a:xfrm>
             <a:off x="504000" y="1326600"/>
-            <a:ext cx="9072000" cy="3288240"/>
+            <a:ext cx="9071640" cy="3287880"/>
           </a:xfrm>
           <a:prstGeom prst="rect">
             <a:avLst/>
@@ -5369,6 +5999,9 @@
           </a:bodyPr>
           <a:p>
             <a:pPr marL="432000" indent="-324000">
+              <a:lnSpc>
+                <a:spcPct val="100000"/>
+              </a:lnSpc>
               <a:spcBef>
                 <a:spcPts val="1417"/>
               </a:spcBef>
@@ -5401,6 +6034,9 @@
           </a:p>
           <a:p>
             <a:pPr lvl="1" marL="864000" indent="-324000">
+              <a:lnSpc>
+                <a:spcPct val="100000"/>
+              </a:lnSpc>
               <a:spcBef>
                 <a:spcPts val="1134"/>
               </a:spcBef>
@@ -5433,6 +6069,9 @@
           </a:p>
           <a:p>
             <a:pPr lvl="2" marL="1296000" indent="-288000">
+              <a:lnSpc>
+                <a:spcPct val="100000"/>
+              </a:lnSpc>
               <a:spcBef>
                 <a:spcPts val="850"/>
               </a:spcBef>
@@ -5465,6 +6104,9 @@
           </a:p>
           <a:p>
             <a:pPr lvl="3" marL="1728000" indent="-216000">
+              <a:lnSpc>
+                <a:spcPct val="100000"/>
+              </a:lnSpc>
               <a:spcBef>
                 <a:spcPts val="567"/>
               </a:spcBef>
@@ -5497,6 +6139,9 @@
           </a:p>
           <a:p>
             <a:pPr lvl="4" marL="2160000" indent="-216000">
+              <a:lnSpc>
+                <a:spcPct val="100000"/>
+              </a:lnSpc>
               <a:spcBef>
                 <a:spcPts val="283"/>
               </a:spcBef>
@@ -5529,6 +6174,9 @@
           </a:p>
           <a:p>
             <a:pPr lvl="5" marL="2592000" indent="-216000">
+              <a:lnSpc>
+                <a:spcPct val="100000"/>
+              </a:lnSpc>
               <a:spcBef>
                 <a:spcPts val="283"/>
               </a:spcBef>
@@ -5561,6 +6209,9 @@
           </a:p>
           <a:p>
             <a:pPr lvl="6" marL="3024000" indent="-216000">
+              <a:lnSpc>
+                <a:spcPct val="100000"/>
+              </a:lnSpc>
               <a:spcBef>
                 <a:spcPts val="283"/>
               </a:spcBef>
@@ -5595,18 +6246,18 @@
       </p:sp>
       <p:sp>
         <p:nvSpPr>
-          <p:cNvPr id="42" name="PlaceHolder 3"/>
+          <p:cNvPr id="63" name="PlaceHolder 3"/>
           <p:cNvSpPr>
             <a:spLocks noGrp="1"/>
           </p:cNvSpPr>
           <p:nvPr>
-            <p:ph type="dt" idx="10"/>
+            <p:ph type="dt" idx="13"/>
           </p:nvPr>
         </p:nvSpPr>
         <p:spPr>
           <a:xfrm>
             <a:off x="504000" y="5256000"/>
-            <a:ext cx="1656000" cy="410400"/>
+            <a:ext cx="1655640" cy="213840"/>
           </a:xfrm>
           <a:prstGeom prst="rect">
             <a:avLst/>
@@ -5622,7 +6273,13 @@
           </a:bodyPr>
           <a:lstStyle>
             <a:lvl1pPr indent="0">
+              <a:lnSpc>
+                <a:spcPct val="100000"/>
+              </a:lnSpc>
               <a:buNone/>
+              <a:tabLst>
+                <a:tab algn="l" pos="0"/>
+              </a:tabLst>
               <a:defRPr b="0" lang="en-GB" sz="1400" strike="noStrike" u="none">
                 <a:solidFill>
                   <a:srgbClr val="ffffff"/>
@@ -5635,7 +6292,13 @@
           </a:lstStyle>
           <a:p>
             <a:pPr indent="0">
+              <a:lnSpc>
+                <a:spcPct val="100000"/>
+              </a:lnSpc>
               <a:buNone/>
+              <a:tabLst>
+                <a:tab algn="l" pos="0"/>
+              </a:tabLst>
             </a:pPr>
             <a:r>
               <a:rPr b="0" lang="en-GB" sz="1400" strike="noStrike" u="none">
@@ -5654,25 +6317,25 @@
               </a:solidFill>
               <a:effectLst/>
               <a:uFillTx/>
-              <a:latin typeface="Arial"/>
-            </a:endParaRPr>
-          </a:p>
-        </p:txBody>
-      </p:sp>
-      <p:sp>
-        <p:nvSpPr>
-          <p:cNvPr id="43" name="PlaceHolder 4"/>
+              <a:latin typeface="Times New Roman"/>
+            </a:endParaRPr>
+          </a:p>
+        </p:txBody>
+      </p:sp>
+      <p:sp>
+        <p:nvSpPr>
+          <p:cNvPr id="64" name="PlaceHolder 4"/>
           <p:cNvSpPr>
             <a:spLocks noGrp="1"/>
           </p:cNvSpPr>
           <p:nvPr>
-            <p:ph type="ftr" idx="11"/>
+            <p:ph type="ftr" idx="14"/>
           </p:nvPr>
         </p:nvSpPr>
         <p:spPr>
           <a:xfrm>
             <a:off x="2520000" y="5256000"/>
-            <a:ext cx="4680000" cy="410400"/>
+            <a:ext cx="4679640" cy="213840"/>
           </a:xfrm>
           <a:prstGeom prst="rect">
             <a:avLst/>
@@ -5688,7 +6351,13 @@
           </a:bodyPr>
           <a:lstStyle>
             <a:lvl1pPr indent="0" algn="ctr">
+              <a:lnSpc>
+                <a:spcPct val="100000"/>
+              </a:lnSpc>
               <a:buNone/>
+              <a:tabLst>
+                <a:tab algn="l" pos="0"/>
+              </a:tabLst>
               <a:defRPr b="0" lang="en-GB" sz="1400" strike="noStrike" u="none">
                 <a:solidFill>
                   <a:srgbClr val="ffffff"/>
@@ -5701,7 +6370,13 @@
           </a:lstStyle>
           <a:p>
             <a:pPr indent="0" algn="ctr">
+              <a:lnSpc>
+                <a:spcPct val="100000"/>
+              </a:lnSpc>
               <a:buNone/>
+              <a:tabLst>
+                <a:tab algn="l" pos="0"/>
+              </a:tabLst>
             </a:pPr>
             <a:r>
               <a:rPr b="0" lang="en-GB" sz="1400" strike="noStrike" u="none">
@@ -5720,25 +6395,25 @@
               </a:solidFill>
               <a:effectLst/>
               <a:uFillTx/>
-              <a:latin typeface="Arial"/>
-            </a:endParaRPr>
-          </a:p>
-        </p:txBody>
-      </p:sp>
-      <p:sp>
-        <p:nvSpPr>
-          <p:cNvPr id="44" name="PlaceHolder 5"/>
+              <a:latin typeface="Times New Roman"/>
+            </a:endParaRPr>
+          </a:p>
+        </p:txBody>
+      </p:sp>
+      <p:sp>
+        <p:nvSpPr>
+          <p:cNvPr id="65" name="PlaceHolder 5"/>
           <p:cNvSpPr>
             <a:spLocks noGrp="1"/>
           </p:cNvSpPr>
           <p:nvPr>
-            <p:ph type="sldNum" idx="12"/>
+            <p:ph type="sldNum" idx="15"/>
           </p:nvPr>
         </p:nvSpPr>
         <p:spPr>
           <a:xfrm>
             <a:off x="7560000" y="5256000"/>
-            <a:ext cx="1620000" cy="410400"/>
+            <a:ext cx="1619640" cy="213840"/>
           </a:xfrm>
           <a:prstGeom prst="rect">
             <a:avLst/>
@@ -5754,7 +6429,13 @@
           </a:bodyPr>
           <a:lstStyle>
             <a:lvl1pPr indent="0" algn="r">
+              <a:lnSpc>
+                <a:spcPct val="100000"/>
+              </a:lnSpc>
               <a:buNone/>
+              <a:tabLst>
+                <a:tab algn="l" pos="0"/>
+              </a:tabLst>
               <a:defRPr b="0" lang="en-GB" sz="1400" strike="noStrike" u="none">
                 <a:solidFill>
                   <a:srgbClr val="ffffff"/>
@@ -5767,9 +6448,15 @@
           </a:lstStyle>
           <a:p>
             <a:pPr indent="0" algn="r">
+              <a:lnSpc>
+                <a:spcPct val="100000"/>
+              </a:lnSpc>
               <a:buNone/>
-            </a:pPr>
-            <a:fld id="{DB22EB63-9F7F-4317-8C99-FC7CB868277C}" type="slidenum">
+              <a:tabLst>
+                <a:tab algn="l" pos="0"/>
+              </a:tabLst>
+            </a:pPr>
+            <a:fld id="{3F8ADC32-CCBF-4243-A1A2-CC497416DCDA}" type="slidenum">
               <a:rPr b="0" lang="en-GB" sz="1400" strike="noStrike" u="none">
                 <a:solidFill>
                   <a:srgbClr val="ffffff"/>
@@ -5786,21 +6473,21 @@
               </a:solidFill>
               <a:effectLst/>
               <a:uFillTx/>
-              <a:latin typeface="Arial"/>
-            </a:endParaRPr>
-          </a:p>
-        </p:txBody>
-      </p:sp>
-      <p:sp>
-        <p:nvSpPr>
-          <p:cNvPr id="45" name=""/>
+              <a:latin typeface="Times New Roman"/>
+            </a:endParaRPr>
+          </a:p>
+        </p:txBody>
+      </p:sp>
+      <p:sp>
+        <p:nvSpPr>
+          <p:cNvPr id="66" name=""/>
           <p:cNvSpPr/>
           <p:nvPr/>
         </p:nvSpPr>
         <p:spPr>
           <a:xfrm>
             <a:off x="20880" y="607320"/>
-            <a:ext cx="6120000" cy="18000"/>
+            <a:ext cx="6119640" cy="17640"/>
           </a:xfrm>
           <a:prstGeom prst="roundRect">
             <a:avLst>
@@ -5833,6 +6520,11 @@
             <a:noAutofit/>
           </a:bodyPr>
           <a:p>
+            <a:pPr>
+              <a:lnSpc>
+                <a:spcPct val="100000"/>
+              </a:lnSpc>
+            </a:pPr>
             <a:endParaRPr b="0" lang="en-GB" sz="1800" strike="noStrike" u="none">
               <a:solidFill>
                 <a:srgbClr val="ffffff"/>
@@ -5840,20 +6532,21 @@
               <a:effectLst/>
               <a:uFillTx/>
               <a:latin typeface="Arial"/>
-            </a:endParaRPr>
-          </a:p>
-        </p:txBody>
-      </p:sp>
-      <p:sp>
-        <p:nvSpPr>
-          <p:cNvPr id="46" name=""/>
+              <a:ea typeface="DejaVu Sans"/>
+            </a:endParaRPr>
+          </a:p>
+        </p:txBody>
+      </p:sp>
+      <p:sp>
+        <p:nvSpPr>
+          <p:cNvPr id="67" name=""/>
           <p:cNvSpPr/>
           <p:nvPr/>
         </p:nvSpPr>
         <p:spPr>
           <a:xfrm>
             <a:off x="4430520" y="840960"/>
-            <a:ext cx="5673960" cy="7200"/>
+            <a:ext cx="5673600" cy="6840"/>
           </a:xfrm>
           <a:prstGeom prst="roundRect">
             <a:avLst>
@@ -5886,6 +6579,11 @@
             <a:noAutofit/>
           </a:bodyPr>
           <a:p>
+            <a:pPr>
+              <a:lnSpc>
+                <a:spcPct val="100000"/>
+              </a:lnSpc>
+            </a:pPr>
             <a:endParaRPr b="0" lang="en-GB" sz="1800" strike="noStrike" u="none">
               <a:solidFill>
                 <a:srgbClr val="ffffff"/>
@@ -5893,28 +6591,29 @@
               <a:effectLst/>
               <a:uFillTx/>
               <a:latin typeface="Arial"/>
-            </a:endParaRPr>
-          </a:p>
-        </p:txBody>
-      </p:sp>
-      <p:sp>
-        <p:nvSpPr>
-          <p:cNvPr id="47" name=""/>
+              <a:ea typeface="DejaVu Sans"/>
+            </a:endParaRPr>
+          </a:p>
+        </p:txBody>
+      </p:sp>
+      <p:sp>
+        <p:nvSpPr>
+          <p:cNvPr id="68" name=""/>
           <p:cNvSpPr/>
           <p:nvPr/>
         </p:nvSpPr>
         <p:spPr>
           <a:xfrm>
             <a:off x="9819720" y="474480"/>
-            <a:ext cx="7200" cy="493200"/>
+            <a:ext cx="6840" cy="492840"/>
           </a:xfrm>
           <a:custGeom>
             <a:avLst/>
             <a:gdLst>
-              <a:gd name="textAreaLeft" fmla="*/ 1080 w 7200"/>
-              <a:gd name="textAreaRight" fmla="*/ 6120 w 7200"/>
-              <a:gd name="textAreaTop" fmla="*/ 1080 h 493200"/>
-              <a:gd name="textAreaBottom" fmla="*/ 492120 h 493200"/>
+              <a:gd name="textAreaLeft" fmla="*/ 1080 w 6840"/>
+              <a:gd name="textAreaRight" fmla="*/ 6120 w 6840"/>
+              <a:gd name="textAreaTop" fmla="*/ 1080 h 492840"/>
+              <a:gd name="textAreaBottom" fmla="*/ 492120 h 492840"/>
             </a:gdLst>
             <a:ahLst/>
             <a:cxnLst/>
@@ -5959,6 +6658,11 @@
             <a:noAutofit/>
           </a:bodyPr>
           <a:p>
+            <a:pPr>
+              <a:lnSpc>
+                <a:spcPct val="100000"/>
+              </a:lnSpc>
+            </a:pPr>
             <a:endParaRPr b="0" lang="en-GB" sz="1800" strike="noStrike" u="none">
               <a:solidFill>
                 <a:srgbClr val="000000"/>
@@ -5966,20 +6670,21 @@
               <a:effectLst/>
               <a:uFillTx/>
               <a:latin typeface="Arial"/>
-            </a:endParaRPr>
-          </a:p>
-        </p:txBody>
-      </p:sp>
-      <p:sp>
-        <p:nvSpPr>
-          <p:cNvPr id="48" name=""/>
+              <a:ea typeface="DejaVu Sans"/>
+            </a:endParaRPr>
+          </a:p>
+        </p:txBody>
+      </p:sp>
+      <p:sp>
+        <p:nvSpPr>
+          <p:cNvPr id="69" name=""/>
           <p:cNvSpPr/>
           <p:nvPr/>
         </p:nvSpPr>
         <p:spPr>
           <a:xfrm>
             <a:off x="1900800" y="5204880"/>
-            <a:ext cx="7465320" cy="7200"/>
+            <a:ext cx="7464960" cy="6840"/>
           </a:xfrm>
           <a:prstGeom prst="roundRect">
             <a:avLst>
@@ -6012,6 +6717,11 @@
             <a:noAutofit/>
           </a:bodyPr>
           <a:p>
+            <a:pPr>
+              <a:lnSpc>
+                <a:spcPct val="100000"/>
+              </a:lnSpc>
+            </a:pPr>
             <a:endParaRPr b="0" lang="en-GB" sz="1800" strike="noStrike" u="none">
               <a:solidFill>
                 <a:srgbClr val="ffffff"/>
@@ -6019,28 +6729,29 @@
               <a:effectLst/>
               <a:uFillTx/>
               <a:latin typeface="Arial"/>
-            </a:endParaRPr>
-          </a:p>
-        </p:txBody>
-      </p:sp>
-      <p:sp>
-        <p:nvSpPr>
-          <p:cNvPr id="49" name=""/>
+              <a:ea typeface="DejaVu Sans"/>
+            </a:endParaRPr>
+          </a:p>
+        </p:txBody>
+      </p:sp>
+      <p:sp>
+        <p:nvSpPr>
+          <p:cNvPr id="70" name=""/>
           <p:cNvSpPr/>
           <p:nvPr/>
         </p:nvSpPr>
         <p:spPr>
           <a:xfrm>
             <a:off x="9259920" y="4917240"/>
-            <a:ext cx="7200" cy="349560"/>
+            <a:ext cx="6840" cy="349200"/>
           </a:xfrm>
           <a:custGeom>
             <a:avLst/>
             <a:gdLst>
-              <a:gd name="textAreaLeft" fmla="*/ 1080 w 7200"/>
-              <a:gd name="textAreaRight" fmla="*/ 6120 w 7200"/>
-              <a:gd name="textAreaTop" fmla="*/ 1080 h 349560"/>
-              <a:gd name="textAreaBottom" fmla="*/ 348480 h 349560"/>
+              <a:gd name="textAreaLeft" fmla="*/ 1080 w 6840"/>
+              <a:gd name="textAreaRight" fmla="*/ 6120 w 6840"/>
+              <a:gd name="textAreaTop" fmla="*/ 1080 h 349200"/>
+              <a:gd name="textAreaBottom" fmla="*/ 348480 h 349200"/>
             </a:gdLst>
             <a:ahLst/>
             <a:cxnLst/>
@@ -6085,6 +6796,11 @@
             <a:noAutofit/>
           </a:bodyPr>
           <a:p>
+            <a:pPr>
+              <a:lnSpc>
+                <a:spcPct val="100000"/>
+              </a:lnSpc>
+            </a:pPr>
             <a:endParaRPr b="0" lang="en-GB" sz="1800" strike="noStrike" u="none">
               <a:solidFill>
                 <a:srgbClr val="000000"/>
@@ -6092,6 +6808,7 @@
               <a:effectLst/>
               <a:uFillTx/>
               <a:latin typeface="Arial"/>
+              <a:ea typeface="DejaVu Sans"/>
             </a:endParaRPr>
           </a:p>
         </p:txBody>
@@ -6153,7 +6870,7 @@
       </p:grpSpPr>
       <p:sp>
         <p:nvSpPr>
-          <p:cNvPr id="55" name="PlaceHolder 1"/>
+          <p:cNvPr id="71" name="PlaceHolder 1"/>
           <p:cNvSpPr>
             <a:spLocks noGrp="1"/>
           </p:cNvSpPr>
@@ -6163,8 +6880,8 @@
         </p:nvSpPr>
         <p:spPr>
           <a:xfrm>
-            <a:off x="144000" y="3888000"/>
-            <a:ext cx="9000000" cy="658440"/>
+            <a:off x="144000" y="3887640"/>
+            <a:ext cx="8999640" cy="658800"/>
           </a:xfrm>
           <a:prstGeom prst="rect">
             <a:avLst/>
@@ -6180,7 +6897,13 @@
           </a:bodyPr>
           <a:p>
             <a:pPr indent="0">
+              <a:lnSpc>
+                <a:spcPct val="100000"/>
+              </a:lnSpc>
               <a:buNone/>
+              <a:tabLst>
+                <a:tab algn="l" pos="0"/>
+              </a:tabLst>
             </a:pPr>
             <a:r>
               <a:rPr b="0" lang="en-GB" sz="4400" strike="noStrike" u="none">
@@ -6208,17 +6931,17 @@
   </p:cSld>
   <mc:AlternateContent>
     <mc:Choice Requires="p14">
-      <p:transition spd="slow" p14:dur="2000"/>
+      <p:transition spd="slow" advTm="30000" p14:dur="2000"/>
     </mc:Choice>
     <mc:Fallback>
-      <p:transition spd="slow"/>
+      <p:transition spd="slow" advTm="30000"/>
     </mc:Fallback>
   </mc:AlternateContent>
 </p:sld>
 </file>
 
 <file path=ppt/slides/slide10.xml><?xml version="1.0" encoding="utf-8"?>
-<p:sld xmlns:a="http://schemas.openxmlformats.org/drawingml/2006/main" xmlns:p="http://schemas.openxmlformats.org/presentationml/2006/main" xmlns:r="http://schemas.openxmlformats.org/officeDocument/2006/relationships" xmlns:p14="http://schemas.microsoft.com/office/powerpoint/2010/main" xmlns:p15="http://schemas.microsoft.com/office/powerpoint/2012/main" xmlns:mc="http://schemas.openxmlformats.org/markup-compatibility/2006">
+<p:sld xmlns:a="http://schemas.openxmlformats.org/drawingml/2006/main" xmlns:p="http://schemas.openxmlformats.org/presentationml/2006/main" xmlns:r="http://schemas.openxmlformats.org/officeDocument/2006/relationships" xmlns:p14="http://schemas.microsoft.com/office/powerpoint/2010/main" xmlns:p15="http://schemas.microsoft.com/office/powerpoint/2012/main" xmlns:mc="http://schemas.openxmlformats.org/markup-compatibility/2006" show="0">
   <p:cSld>
     <p:spTree>
       <p:nvGrpSpPr>
@@ -6236,7 +6959,7 @@
       </p:grpSpPr>
       <p:sp>
         <p:nvSpPr>
-          <p:cNvPr id="72" name="PlaceHolder 1"/>
+          <p:cNvPr id="88" name="PlaceHolder 1"/>
           <p:cNvSpPr>
             <a:spLocks noGrp="1"/>
           </p:cNvSpPr>
@@ -6246,8 +6969,8 @@
         </p:nvSpPr>
         <p:spPr>
           <a:xfrm>
-            <a:off x="144000" y="72000"/>
-            <a:ext cx="9540000" cy="648000"/>
+            <a:off x="144000" y="71640"/>
+            <a:ext cx="9539640" cy="648360"/>
           </a:xfrm>
           <a:prstGeom prst="rect">
             <a:avLst/>
@@ -6263,7 +6986,13 @@
           </a:bodyPr>
           <a:p>
             <a:pPr indent="0">
+              <a:lnSpc>
+                <a:spcPct val="100000"/>
+              </a:lnSpc>
               <a:buNone/>
+              <a:tabLst>
+                <a:tab algn="l" pos="0"/>
+              </a:tabLst>
             </a:pPr>
             <a:r>
               <a:rPr b="0" lang="en-GB" sz="4400" strike="noStrike" u="none">
@@ -6289,7 +7018,7 @@
       </p:sp>
       <p:sp>
         <p:nvSpPr>
-          <p:cNvPr id="73" name="PlaceHolder 2"/>
+          <p:cNvPr id="89" name="PlaceHolder 2"/>
           <p:cNvSpPr>
             <a:spLocks noGrp="1"/>
           </p:cNvSpPr>
@@ -6300,7 +7029,7 @@
         <p:spPr>
           <a:xfrm>
             <a:off x="504000" y="1326600"/>
-            <a:ext cx="4428000" cy="3288240"/>
+            <a:ext cx="4427640" cy="3287880"/>
           </a:xfrm>
           <a:prstGeom prst="rect">
             <a:avLst/>
@@ -6321,20 +7050,20 @@
               </a:spcBef>
               <a:buNone/>
             </a:pPr>
-            <a:endParaRPr b="0" lang="en-GB" sz="3200" strike="noStrike" u="none">
-              <a:solidFill>
-                <a:srgbClr val="ffffff"/>
-              </a:solidFill>
-              <a:effectLst/>
-              <a:uFillTx/>
-              <a:latin typeface="Arial"/>
-            </a:endParaRPr>
-          </a:p>
-        </p:txBody>
-      </p:sp>
-      <p:sp>
-        <p:nvSpPr>
-          <p:cNvPr id="74" name="PlaceHolder 3"/>
+            <a:endParaRPr b="0" lang="en-GB" sz="1800" strike="noStrike" u="none">
+              <a:solidFill>
+                <a:srgbClr val="ffffff"/>
+              </a:solidFill>
+              <a:effectLst/>
+              <a:uFillTx/>
+              <a:latin typeface="Arial"/>
+            </a:endParaRPr>
+          </a:p>
+        </p:txBody>
+      </p:sp>
+      <p:sp>
+        <p:nvSpPr>
+          <p:cNvPr id="90" name="PlaceHolder 3"/>
           <p:cNvSpPr>
             <a:spLocks noGrp="1"/>
           </p:cNvSpPr>
@@ -6345,7 +7074,7 @@
         <p:spPr>
           <a:xfrm>
             <a:off x="5148000" y="1326600"/>
-            <a:ext cx="4428000" cy="3288240"/>
+            <a:ext cx="4427640" cy="3287880"/>
           </a:xfrm>
           <a:prstGeom prst="rect">
             <a:avLst/>
@@ -6366,7 +7095,7 @@
               </a:spcBef>
               <a:buNone/>
             </a:pPr>
-            <a:endParaRPr b="0" lang="en-GB" sz="3200" strike="noStrike" u="none">
+            <a:endParaRPr b="0" lang="en-GB" sz="1800" strike="noStrike" u="none">
               <a:solidFill>
                 <a:srgbClr val="ffffff"/>
               </a:solidFill>
@@ -6381,10 +7110,10 @@
   </p:cSld>
   <mc:AlternateContent>
     <mc:Choice Requires="p14">
-      <p:transition spd="slow" p14:dur="2000"/>
+      <p:transition spd="slow" advTm="30000" p14:dur="2000"/>
     </mc:Choice>
     <mc:Fallback>
-      <p:transition spd="slow"/>
+      <p:transition spd="slow" advTm="30000"/>
     </mc:Fallback>
   </mc:AlternateContent>
 </p:sld>
@@ -6409,7 +7138,7 @@
       </p:grpSpPr>
       <p:sp>
         <p:nvSpPr>
-          <p:cNvPr id="56" name="PlaceHolder 1"/>
+          <p:cNvPr id="72" name="PlaceHolder 1"/>
           <p:cNvSpPr>
             <a:spLocks noGrp="1"/>
           </p:cNvSpPr>
@@ -6419,8 +7148,8 @@
         </p:nvSpPr>
         <p:spPr>
           <a:xfrm>
-            <a:off x="144000" y="72000"/>
-            <a:ext cx="9540000" cy="648000"/>
+            <a:off x="144000" y="71640"/>
+            <a:ext cx="9539640" cy="648360"/>
           </a:xfrm>
           <a:prstGeom prst="rect">
             <a:avLst/>
@@ -6436,7 +7165,13 @@
           </a:bodyPr>
           <a:p>
             <a:pPr indent="0">
+              <a:lnSpc>
+                <a:spcPct val="100000"/>
+              </a:lnSpc>
               <a:buNone/>
+              <a:tabLst>
+                <a:tab algn="l" pos="0"/>
+              </a:tabLst>
             </a:pPr>
             <a:r>
               <a:rPr b="0" lang="en-GB" sz="4400" strike="noStrike" u="none">
@@ -6462,7 +7197,7 @@
       </p:sp>
       <p:sp>
         <p:nvSpPr>
-          <p:cNvPr id="57" name="PlaceHolder 2"/>
+          <p:cNvPr id="73" name="PlaceHolder 2"/>
           <p:cNvSpPr>
             <a:spLocks noGrp="1"/>
           </p:cNvSpPr>
@@ -6473,7 +7208,7 @@
         <p:spPr>
           <a:xfrm>
             <a:off x="504000" y="1326600"/>
-            <a:ext cx="9072000" cy="3288240"/>
+            <a:ext cx="9071640" cy="3287880"/>
           </a:xfrm>
           <a:prstGeom prst="rect">
             <a:avLst/>
@@ -6489,6 +7224,9 @@
           </a:bodyPr>
           <a:p>
             <a:pPr marL="432000" indent="-324000">
+              <a:lnSpc>
+                <a:spcPct val="100000"/>
+              </a:lnSpc>
               <a:spcBef>
                 <a:spcPts val="1191"/>
               </a:spcBef>
@@ -6523,6 +7261,9 @@
           </a:p>
           <a:p>
             <a:pPr marL="432000" indent="-324000">
+              <a:lnSpc>
+                <a:spcPct val="100000"/>
+              </a:lnSpc>
               <a:spcBef>
                 <a:spcPts val="1191"/>
               </a:spcBef>
@@ -6557,6 +7298,9 @@
           </a:p>
           <a:p>
             <a:pPr marL="432000" indent="-324000">
+              <a:lnSpc>
+                <a:spcPct val="100000"/>
+              </a:lnSpc>
               <a:spcBef>
                 <a:spcPts val="1191"/>
               </a:spcBef>
@@ -6595,10 +7339,10 @@
   </p:cSld>
   <mc:AlternateContent>
     <mc:Choice Requires="p14">
-      <p:transition spd="slow" p14:dur="2000"/>
+      <p:transition spd="slow" advTm="30000" p14:dur="2000"/>
     </mc:Choice>
     <mc:Fallback>
-      <p:transition spd="slow"/>
+      <p:transition spd="slow" advTm="30000"/>
     </mc:Fallback>
   </mc:AlternateContent>
 </p:sld>
@@ -6623,7 +7367,7 @@
       </p:grpSpPr>
       <p:sp>
         <p:nvSpPr>
-          <p:cNvPr id="58" name="PlaceHolder 1"/>
+          <p:cNvPr id="74" name="PlaceHolder 1"/>
           <p:cNvSpPr>
             <a:spLocks noGrp="1"/>
           </p:cNvSpPr>
@@ -6633,8 +7377,8 @@
         </p:nvSpPr>
         <p:spPr>
           <a:xfrm>
-            <a:off x="144000" y="72000"/>
-            <a:ext cx="9540000" cy="648000"/>
+            <a:off x="144000" y="71640"/>
+            <a:ext cx="9539640" cy="648360"/>
           </a:xfrm>
           <a:prstGeom prst="rect">
             <a:avLst/>
@@ -6650,7 +7394,13 @@
           </a:bodyPr>
           <a:p>
             <a:pPr indent="0">
+              <a:lnSpc>
+                <a:spcPct val="100000"/>
+              </a:lnSpc>
               <a:buNone/>
+              <a:tabLst>
+                <a:tab algn="l" pos="0"/>
+              </a:tabLst>
             </a:pPr>
             <a:r>
               <a:rPr b="0" lang="en-GB" sz="4400" strike="noStrike" u="none">
@@ -6676,7 +7426,7 @@
       </p:sp>
       <p:sp>
         <p:nvSpPr>
-          <p:cNvPr id="59" name="PlaceHolder 2"/>
+          <p:cNvPr id="75" name="PlaceHolder 2"/>
           <p:cNvSpPr>
             <a:spLocks noGrp="1"/>
           </p:cNvSpPr>
@@ -6687,7 +7437,7 @@
         <p:spPr>
           <a:xfrm>
             <a:off x="504000" y="1326600"/>
-            <a:ext cx="9072000" cy="3288240"/>
+            <a:ext cx="9071640" cy="3287880"/>
           </a:xfrm>
           <a:prstGeom prst="rect">
             <a:avLst/>
@@ -6703,6 +7453,9 @@
           </a:bodyPr>
           <a:p>
             <a:pPr indent="0">
+              <a:lnSpc>
+                <a:spcPct val="100000"/>
+              </a:lnSpc>
               <a:spcBef>
                 <a:spcPts val="1191"/>
               </a:spcBef>
@@ -6710,6 +7463,9 @@
                 <a:spcPts val="992"/>
               </a:spcAft>
               <a:buNone/>
+              <a:tabLst>
+                <a:tab algn="l" pos="0"/>
+              </a:tabLst>
             </a:pPr>
             <a:r>
               <a:rPr b="0" lang="en-GB" sz="3200" strike="noStrike" u="none">
@@ -6737,10 +7493,10 @@
   </p:cSld>
   <mc:AlternateContent>
     <mc:Choice Requires="p14">
-      <p:transition spd="slow" p14:dur="2000"/>
+      <p:transition spd="slow" advTm="30000" p14:dur="2000"/>
     </mc:Choice>
     <mc:Fallback>
-      <p:transition spd="slow"/>
+      <p:transition spd="slow" advTm="30000"/>
     </mc:Fallback>
   </mc:AlternateContent>
 </p:sld>
@@ -6765,7 +7521,7 @@
       </p:grpSpPr>
       <p:sp>
         <p:nvSpPr>
-          <p:cNvPr id="60" name="PlaceHolder 1"/>
+          <p:cNvPr id="76" name="PlaceHolder 1"/>
           <p:cNvSpPr>
             <a:spLocks noGrp="1"/>
           </p:cNvSpPr>
@@ -6775,8 +7531,8 @@
         </p:nvSpPr>
         <p:spPr>
           <a:xfrm>
-            <a:off x="144000" y="72000"/>
-            <a:ext cx="9540000" cy="648000"/>
+            <a:off x="144000" y="71640"/>
+            <a:ext cx="9539640" cy="648360"/>
           </a:xfrm>
           <a:prstGeom prst="rect">
             <a:avLst/>
@@ -6792,7 +7548,13 @@
           </a:bodyPr>
           <a:p>
             <a:pPr indent="0">
+              <a:lnSpc>
+                <a:spcPct val="100000"/>
+              </a:lnSpc>
               <a:buNone/>
+              <a:tabLst>
+                <a:tab algn="l" pos="0"/>
+              </a:tabLst>
             </a:pPr>
             <a:r>
               <a:rPr b="0" lang="en-GB" sz="4400" strike="noStrike" u="none">
@@ -6818,7 +7580,7 @@
       </p:sp>
       <p:sp>
         <p:nvSpPr>
-          <p:cNvPr id="61" name="PlaceHolder 2"/>
+          <p:cNvPr id="77" name="PlaceHolder 2"/>
           <p:cNvSpPr>
             <a:spLocks noGrp="1"/>
           </p:cNvSpPr>
@@ -6829,7 +7591,7 @@
         <p:spPr>
           <a:xfrm>
             <a:off x="504000" y="1326600"/>
-            <a:ext cx="9072000" cy="3288240"/>
+            <a:ext cx="9071640" cy="3287880"/>
           </a:xfrm>
           <a:prstGeom prst="rect">
             <a:avLst/>
@@ -6845,6 +7607,9 @@
           </a:bodyPr>
           <a:p>
             <a:pPr indent="0">
+              <a:lnSpc>
+                <a:spcPct val="100000"/>
+              </a:lnSpc>
               <a:spcBef>
                 <a:spcPts val="1191"/>
               </a:spcBef>
@@ -6852,6 +7617,9 @@
                 <a:spcPts val="992"/>
               </a:spcAft>
               <a:buNone/>
+              <a:tabLst>
+                <a:tab algn="l" pos="0"/>
+              </a:tabLst>
             </a:pPr>
             <a:r>
               <a:rPr b="0" lang="en-GB" sz="3200" strike="noStrike" u="none">
@@ -6879,10 +7647,10 @@
   </p:cSld>
   <mc:AlternateContent>
     <mc:Choice Requires="p14">
-      <p:transition spd="slow" p14:dur="2000"/>
+      <p:transition spd="slow" advTm="30000" p14:dur="2000"/>
     </mc:Choice>
     <mc:Fallback>
-      <p:transition spd="slow"/>
+      <p:transition spd="slow" advTm="30000"/>
     </mc:Fallback>
   </mc:AlternateContent>
 </p:sld>
@@ -6907,7 +7675,7 @@
       </p:grpSpPr>
       <p:sp>
         <p:nvSpPr>
-          <p:cNvPr id="62" name="PlaceHolder 1"/>
+          <p:cNvPr id="78" name="PlaceHolder 1"/>
           <p:cNvSpPr>
             <a:spLocks noGrp="1"/>
           </p:cNvSpPr>
@@ -6917,8 +7685,8 @@
         </p:nvSpPr>
         <p:spPr>
           <a:xfrm>
-            <a:off x="144000" y="72000"/>
-            <a:ext cx="9540000" cy="648000"/>
+            <a:off x="144000" y="71640"/>
+            <a:ext cx="9539640" cy="648360"/>
           </a:xfrm>
           <a:prstGeom prst="rect">
             <a:avLst/>
@@ -6934,7 +7702,13 @@
           </a:bodyPr>
           <a:p>
             <a:pPr indent="0">
+              <a:lnSpc>
+                <a:spcPct val="100000"/>
+              </a:lnSpc>
               <a:buNone/>
+              <a:tabLst>
+                <a:tab algn="l" pos="0"/>
+              </a:tabLst>
             </a:pPr>
             <a:r>
               <a:rPr b="0" lang="en-GB" sz="4400" strike="noStrike" u="none">
@@ -6960,7 +7734,7 @@
       </p:sp>
       <p:sp>
         <p:nvSpPr>
-          <p:cNvPr id="63" name="PlaceHolder 2"/>
+          <p:cNvPr id="79" name="PlaceHolder 2"/>
           <p:cNvSpPr>
             <a:spLocks noGrp="1"/>
           </p:cNvSpPr>
@@ -6971,7 +7745,7 @@
         <p:spPr>
           <a:xfrm>
             <a:off x="504000" y="1326600"/>
-            <a:ext cx="9072000" cy="3288240"/>
+            <a:ext cx="9071640" cy="3287880"/>
           </a:xfrm>
           <a:prstGeom prst="rect">
             <a:avLst/>
@@ -6987,6 +7761,9 @@
           </a:bodyPr>
           <a:p>
             <a:pPr indent="0">
+              <a:lnSpc>
+                <a:spcPct val="100000"/>
+              </a:lnSpc>
               <a:spcBef>
                 <a:spcPts val="1191"/>
               </a:spcBef>
@@ -6994,6 +7771,9 @@
                 <a:spcPts val="992"/>
               </a:spcAft>
               <a:buNone/>
+              <a:tabLst>
+                <a:tab algn="l" pos="0"/>
+              </a:tabLst>
             </a:pPr>
             <a:r>
               <a:rPr b="0" lang="en-GB" sz="3200" strike="noStrike" u="none">
@@ -7021,10 +7801,10 @@
   </p:cSld>
   <mc:AlternateContent>
     <mc:Choice Requires="p14">
-      <p:transition spd="slow" p14:dur="2000"/>
+      <p:transition spd="slow" advTm="30000" p14:dur="2000"/>
     </mc:Choice>
     <mc:Fallback>
-      <p:transition spd="slow"/>
+      <p:transition spd="slow" advTm="30000"/>
     </mc:Fallback>
   </mc:AlternateContent>
 </p:sld>
@@ -7049,7 +7829,7 @@
       </p:grpSpPr>
       <p:sp>
         <p:nvSpPr>
-          <p:cNvPr id="64" name="PlaceHolder 1"/>
+          <p:cNvPr id="80" name="PlaceHolder 1"/>
           <p:cNvSpPr>
             <a:spLocks noGrp="1"/>
           </p:cNvSpPr>
@@ -7059,8 +7839,8 @@
         </p:nvSpPr>
         <p:spPr>
           <a:xfrm>
-            <a:off x="144000" y="72000"/>
-            <a:ext cx="9540000" cy="648000"/>
+            <a:off x="144000" y="71640"/>
+            <a:ext cx="9539640" cy="648360"/>
           </a:xfrm>
           <a:prstGeom prst="rect">
             <a:avLst/>
@@ -7076,7 +7856,13 @@
           </a:bodyPr>
           <a:p>
             <a:pPr indent="0">
+              <a:lnSpc>
+                <a:spcPct val="100000"/>
+              </a:lnSpc>
               <a:buNone/>
+              <a:tabLst>
+                <a:tab algn="l" pos="0"/>
+              </a:tabLst>
             </a:pPr>
             <a:r>
               <a:rPr b="0" lang="en-GB" sz="4400" strike="noStrike" u="none">
@@ -7102,7 +7888,7 @@
       </p:sp>
       <p:sp>
         <p:nvSpPr>
-          <p:cNvPr id="65" name="PlaceHolder 2"/>
+          <p:cNvPr id="81" name="PlaceHolder 2"/>
           <p:cNvSpPr>
             <a:spLocks noGrp="1"/>
           </p:cNvSpPr>
@@ -7113,7 +7899,7 @@
         <p:spPr>
           <a:xfrm>
             <a:off x="504000" y="1326600"/>
-            <a:ext cx="9072000" cy="3288240"/>
+            <a:ext cx="9071640" cy="3287880"/>
           </a:xfrm>
           <a:prstGeom prst="rect">
             <a:avLst/>
@@ -7129,6 +7915,9 @@
           </a:bodyPr>
           <a:p>
             <a:pPr indent="0">
+              <a:lnSpc>
+                <a:spcPct val="100000"/>
+              </a:lnSpc>
               <a:spcBef>
                 <a:spcPts val="1191"/>
               </a:spcBef>
@@ -7136,6 +7925,9 @@
                 <a:spcPts val="992"/>
               </a:spcAft>
               <a:buNone/>
+              <a:tabLst>
+                <a:tab algn="l" pos="0"/>
+              </a:tabLst>
             </a:pPr>
             <a:r>
               <a:rPr b="0" lang="en-GB" sz="3200" strike="noStrike" u="none">
@@ -7163,10 +7955,10 @@
   </p:cSld>
   <mc:AlternateContent>
     <mc:Choice Requires="p14">
-      <p:transition spd="slow" p14:dur="2000"/>
+      <p:transition spd="slow" advTm="30000" p14:dur="2000"/>
     </mc:Choice>
     <mc:Fallback>
-      <p:transition spd="slow"/>
+      <p:transition spd="slow" advTm="30000"/>
     </mc:Fallback>
   </mc:AlternateContent>
 </p:sld>
@@ -7191,7 +7983,7 @@
       </p:grpSpPr>
       <p:sp>
         <p:nvSpPr>
-          <p:cNvPr id="66" name="PlaceHolder 1"/>
+          <p:cNvPr id="82" name="PlaceHolder 1"/>
           <p:cNvSpPr>
             <a:spLocks noGrp="1"/>
           </p:cNvSpPr>
@@ -7201,8 +7993,8 @@
         </p:nvSpPr>
         <p:spPr>
           <a:xfrm>
-            <a:off x="144000" y="72000"/>
-            <a:ext cx="9540000" cy="648000"/>
+            <a:off x="144000" y="71640"/>
+            <a:ext cx="9539640" cy="648360"/>
           </a:xfrm>
           <a:prstGeom prst="rect">
             <a:avLst/>
@@ -7218,7 +8010,13 @@
           </a:bodyPr>
           <a:p>
             <a:pPr indent="0">
+              <a:lnSpc>
+                <a:spcPct val="100000"/>
+              </a:lnSpc>
               <a:buNone/>
+              <a:tabLst>
+                <a:tab algn="l" pos="0"/>
+              </a:tabLst>
             </a:pPr>
             <a:r>
               <a:rPr b="0" lang="en-GB" sz="4400" strike="noStrike" u="none">
@@ -7244,7 +8042,7 @@
       </p:sp>
       <p:sp>
         <p:nvSpPr>
-          <p:cNvPr id="67" name="PlaceHolder 2"/>
+          <p:cNvPr id="83" name="PlaceHolder 2"/>
           <p:cNvSpPr>
             <a:spLocks noGrp="1"/>
           </p:cNvSpPr>
@@ -7255,7 +8053,7 @@
         <p:spPr>
           <a:xfrm>
             <a:off x="504000" y="1326600"/>
-            <a:ext cx="9072000" cy="3288240"/>
+            <a:ext cx="9071640" cy="3287880"/>
           </a:xfrm>
           <a:prstGeom prst="rect">
             <a:avLst/>
@@ -7271,6 +8069,9 @@
           </a:bodyPr>
           <a:p>
             <a:pPr indent="0">
+              <a:lnSpc>
+                <a:spcPct val="100000"/>
+              </a:lnSpc>
               <a:spcBef>
                 <a:spcPts val="1191"/>
               </a:spcBef>
@@ -7278,6 +8079,9 @@
                 <a:spcPts val="992"/>
               </a:spcAft>
               <a:buNone/>
+              <a:tabLst>
+                <a:tab algn="l" pos="0"/>
+              </a:tabLst>
             </a:pPr>
             <a:r>
               <a:rPr b="0" lang="en-GB" sz="3200" strike="noStrike" u="none">
@@ -7305,10 +8109,10 @@
   </p:cSld>
   <mc:AlternateContent>
     <mc:Choice Requires="p14">
-      <p:transition spd="slow" p14:dur="2000"/>
+      <p:transition spd="slow" advTm="30000" p14:dur="2000"/>
     </mc:Choice>
     <mc:Fallback>
-      <p:transition spd="slow"/>
+      <p:transition spd="slow" advTm="30000"/>
     </mc:Fallback>
   </mc:AlternateContent>
 </p:sld>
@@ -7333,7 +8137,7 @@
       </p:grpSpPr>
       <p:sp>
         <p:nvSpPr>
-          <p:cNvPr id="68" name="PlaceHolder 1"/>
+          <p:cNvPr id="84" name="PlaceHolder 1"/>
           <p:cNvSpPr>
             <a:spLocks noGrp="1"/>
           </p:cNvSpPr>
@@ -7343,8 +8147,8 @@
         </p:nvSpPr>
         <p:spPr>
           <a:xfrm>
-            <a:off x="144000" y="72000"/>
-            <a:ext cx="9540000" cy="648000"/>
+            <a:off x="144000" y="71640"/>
+            <a:ext cx="9539640" cy="648360"/>
           </a:xfrm>
           <a:prstGeom prst="rect">
             <a:avLst/>
@@ -7360,7 +8164,13 @@
           </a:bodyPr>
           <a:p>
             <a:pPr indent="0">
+              <a:lnSpc>
+                <a:spcPct val="100000"/>
+              </a:lnSpc>
               <a:buNone/>
+              <a:tabLst>
+                <a:tab algn="l" pos="0"/>
+              </a:tabLst>
             </a:pPr>
             <a:r>
               <a:rPr b="0" lang="en-GB" sz="4400" strike="noStrike" u="none">
@@ -7386,7 +8196,7 @@
       </p:sp>
       <p:sp>
         <p:nvSpPr>
-          <p:cNvPr id="69" name="PlaceHolder 2"/>
+          <p:cNvPr id="85" name="PlaceHolder 2"/>
           <p:cNvSpPr>
             <a:spLocks noGrp="1"/>
           </p:cNvSpPr>
@@ -7397,7 +8207,7 @@
         <p:spPr>
           <a:xfrm>
             <a:off x="504000" y="1326600"/>
-            <a:ext cx="9072000" cy="3288240"/>
+            <a:ext cx="9071640" cy="3287880"/>
           </a:xfrm>
           <a:prstGeom prst="rect">
             <a:avLst/>
@@ -7413,6 +8223,9 @@
           </a:bodyPr>
           <a:p>
             <a:pPr indent="0">
+              <a:lnSpc>
+                <a:spcPct val="100000"/>
+              </a:lnSpc>
               <a:spcBef>
                 <a:spcPts val="1191"/>
               </a:spcBef>
@@ -7420,6 +8233,9 @@
                 <a:spcPts val="992"/>
               </a:spcAft>
               <a:buNone/>
+              <a:tabLst>
+                <a:tab algn="l" pos="0"/>
+              </a:tabLst>
             </a:pPr>
             <a:r>
               <a:rPr b="0" lang="en-GB" sz="3200" strike="noStrike" u="none">
@@ -7447,10 +8263,10 @@
   </p:cSld>
   <mc:AlternateContent>
     <mc:Choice Requires="p14">
-      <p:transition spd="slow" p14:dur="2000"/>
+      <p:transition spd="slow" advTm="30000" p14:dur="2000"/>
     </mc:Choice>
     <mc:Fallback>
-      <p:transition spd="slow"/>
+      <p:transition spd="slow" advTm="30000"/>
     </mc:Fallback>
   </mc:AlternateContent>
 </p:sld>
@@ -7475,7 +8291,7 @@
       </p:grpSpPr>
       <p:sp>
         <p:nvSpPr>
-          <p:cNvPr id="70" name="PlaceHolder 1"/>
+          <p:cNvPr id="86" name="PlaceHolder 1"/>
           <p:cNvSpPr>
             <a:spLocks noGrp="1"/>
           </p:cNvSpPr>
@@ -7485,8 +8301,8 @@
         </p:nvSpPr>
         <p:spPr>
           <a:xfrm>
-            <a:off x="144000" y="72000"/>
-            <a:ext cx="9540000" cy="648000"/>
+            <a:off x="144000" y="71640"/>
+            <a:ext cx="9539640" cy="648360"/>
           </a:xfrm>
           <a:prstGeom prst="rect">
             <a:avLst/>
@@ -7502,7 +8318,13 @@
           </a:bodyPr>
           <a:p>
             <a:pPr indent="0">
+              <a:lnSpc>
+                <a:spcPct val="100000"/>
+              </a:lnSpc>
               <a:buNone/>
+              <a:tabLst>
+                <a:tab algn="l" pos="0"/>
+              </a:tabLst>
             </a:pPr>
             <a:r>
               <a:rPr b="0" lang="en-GB" sz="4400" strike="noStrike" u="none">
@@ -7528,7 +8350,7 @@
       </p:sp>
       <p:sp>
         <p:nvSpPr>
-          <p:cNvPr id="71" name="PlaceHolder 2"/>
+          <p:cNvPr id="87" name="PlaceHolder 2"/>
           <p:cNvSpPr>
             <a:spLocks noGrp="1"/>
           </p:cNvSpPr>
@@ -7539,7 +8361,7 @@
         <p:spPr>
           <a:xfrm>
             <a:off x="504000" y="1326600"/>
-            <a:ext cx="9072000" cy="3288240"/>
+            <a:ext cx="9071640" cy="3287880"/>
           </a:xfrm>
           <a:prstGeom prst="rect">
             <a:avLst/>
@@ -7555,6 +8377,9 @@
           </a:bodyPr>
           <a:p>
             <a:pPr indent="0">
+              <a:lnSpc>
+                <a:spcPct val="100000"/>
+              </a:lnSpc>
               <a:spcBef>
                 <a:spcPts val="1191"/>
               </a:spcBef>
@@ -7562,6 +8387,9 @@
                 <a:spcPts val="992"/>
               </a:spcAft>
               <a:buNone/>
+              <a:tabLst>
+                <a:tab algn="l" pos="0"/>
+              </a:tabLst>
             </a:pPr>
             <a:r>
               <a:rPr b="0" lang="en-GB" sz="3200" strike="noStrike" u="none">
@@ -7589,10 +8417,10 @@
   </p:cSld>
   <mc:AlternateContent>
     <mc:Choice Requires="p14">
-      <p:transition spd="slow" p14:dur="2000"/>
+      <p:transition spd="slow" advTm="30000" p14:dur="2000"/>
     </mc:Choice>
     <mc:Fallback>
-      <p:transition spd="slow"/>
+      <p:transition spd="slow" advTm="30000"/>
     </mc:Fallback>
   </mc:AlternateContent>
 </p:sld>

--- a/topic-02/Developer Stories.pptx
+++ b/topic-02/Developer Stories.pptx
@@ -15,6 +15,7 @@
     <p:sldId id="263" r:id="rId10"/>
     <p:sldId id="264" r:id="rId11"/>
     <p:sldId id="265" r:id="rId12"/>
+    <p:sldId id="266" r:id="rId13"/>
   </p:sldIdLst>
   <p:sldSz cx="10080625" cy="5670550"/>
   <p:notesSz cx="7559675" cy="10691813"/>
@@ -58,7 +59,7 @@
         <p:spPr>
           <a:xfrm>
             <a:off x="144000" y="3888000"/>
-            <a:ext cx="8999640" cy="658080"/>
+            <a:ext cx="8999280" cy="657720"/>
           </a:xfrm>
           <a:prstGeom prst="rect">
             <a:avLst/>
@@ -117,7 +118,7 @@
         <p:spPr>
           <a:xfrm>
             <a:off x="1584000" y="648000"/>
-            <a:ext cx="6479640" cy="2598480"/>
+            <a:ext cx="6479280" cy="2598120"/>
           </a:xfrm>
           <a:prstGeom prst="rect">
             <a:avLst/>
@@ -155,18 +156,7 @@
                 <a:uFillTx/>
                 <a:latin typeface="Arial"/>
               </a:rPr>
-              <a:t>Click to edit the outline </a:t>
-            </a:r>
-            <a:r>
-              <a:rPr b="0" lang="en-GB" sz="3200" strike="noStrike" u="none">
-                <a:solidFill>
-                  <a:srgbClr val="ffffff"/>
-                </a:solidFill>
-                <a:effectLst/>
-                <a:uFillTx/>
-                <a:latin typeface="Arial"/>
-              </a:rPr>
-              <a:t>text format</a:t>
+              <a:t>Click to edit the outline text format</a:t>
             </a:r>
             <a:endParaRPr b="0" lang="en-GB" sz="3200" strike="noStrike" u="none">
               <a:solidFill>
@@ -341,18 +331,7 @@
                 <a:uFillTx/>
                 <a:latin typeface="Arial"/>
               </a:rPr>
-              <a:t>Sixth Outline </a:t>
-            </a:r>
-            <a:r>
-              <a:rPr b="0" lang="en-GB" sz="2000" strike="noStrike" u="none">
-                <a:solidFill>
-                  <a:srgbClr val="ffffff"/>
-                </a:solidFill>
-                <a:effectLst/>
-                <a:uFillTx/>
-                <a:latin typeface="Arial"/>
-              </a:rPr>
-              <a:t>Level</a:t>
+              <a:t>Sixth Outline Level</a:t>
             </a:r>
             <a:endParaRPr b="0" lang="en-GB" sz="2000" strike="noStrike" u="none">
               <a:solidFill>
@@ -387,18 +366,7 @@
                 <a:uFillTx/>
                 <a:latin typeface="Arial"/>
               </a:rPr>
-              <a:t>Seventh </a:t>
-            </a:r>
-            <a:r>
-              <a:rPr b="0" lang="en-GB" sz="2000" strike="noStrike" u="none">
-                <a:solidFill>
-                  <a:srgbClr val="ffffff"/>
-                </a:solidFill>
-                <a:effectLst/>
-                <a:uFillTx/>
-                <a:latin typeface="Arial"/>
-              </a:rPr>
-              <a:t>Outline Level</a:t>
+              <a:t>Seventh Outline Level</a:t>
             </a:r>
             <a:endParaRPr b="0" lang="en-GB" sz="2000" strike="noStrike" u="none">
               <a:solidFill>
@@ -420,7 +388,7 @@
         <p:spPr>
           <a:xfrm>
             <a:off x="4104000" y="4896000"/>
-            <a:ext cx="5759640" cy="345960"/>
+            <a:ext cx="5759280" cy="345600"/>
           </a:xfrm>
           <a:prstGeom prst="rect">
             <a:avLst/>
@@ -446,7 +414,7 @@
                 <a:spcPct val="100000"/>
               </a:lnSpc>
             </a:pPr>
-            <a:fld id="{6C31E959-FEF8-4E6D-8B17-7AE37865B01B}" type="author">
+            <a:fld id="{F2FFE571-B4F7-40EC-88D3-7C525C8D13D8}" type="author">
               <a:rPr b="0" lang="en-GB" sz="1800" strike="noStrike" u="none">
                 <a:solidFill>
                   <a:srgbClr val="ffffff"/>
@@ -454,6 +422,7 @@
                 <a:effectLst/>
                 <a:uFillTx/>
                 <a:latin typeface="Arial"/>
+                <a:ea typeface="DejaVu Sans"/>
               </a:rPr>
               <a:t> </a:t>
             </a:fld>
@@ -477,7 +446,7 @@
         <p:spPr>
           <a:xfrm>
             <a:off x="25920" y="4628880"/>
-            <a:ext cx="6119640" cy="17640"/>
+            <a:ext cx="6119280" cy="17280"/>
           </a:xfrm>
           <a:prstGeom prst="roundRect">
             <a:avLst>
@@ -536,7 +505,7 @@
         <p:spPr>
           <a:xfrm>
             <a:off x="3859200" y="5324400"/>
-            <a:ext cx="6239880" cy="6840"/>
+            <a:ext cx="6239520" cy="6480"/>
           </a:xfrm>
           <a:prstGeom prst="roundRect">
             <a:avLst>
@@ -595,15 +564,15 @@
         <p:spPr>
           <a:xfrm>
             <a:off x="4044960" y="4944960"/>
-            <a:ext cx="6840" cy="487080"/>
+            <a:ext cx="6480" cy="486720"/>
           </a:xfrm>
           <a:custGeom>
             <a:avLst/>
             <a:gdLst>
-              <a:gd name="textAreaLeft" fmla="*/ 1080 w 6840"/>
-              <a:gd name="textAreaRight" fmla="*/ 6120 w 6840"/>
-              <a:gd name="textAreaTop" fmla="*/ 1080 h 487080"/>
-              <a:gd name="textAreaBottom" fmla="*/ 486360 h 487080"/>
+              <a:gd name="textAreaLeft" fmla="*/ 1080 w 6480"/>
+              <a:gd name="textAreaRight" fmla="*/ 6120 w 6480"/>
+              <a:gd name="textAreaTop" fmla="*/ 1080 h 486720"/>
+              <a:gd name="textAreaBottom" fmla="*/ 486360 h 486720"/>
             </a:gdLst>
             <a:ahLst/>
             <a:cxnLst/>
@@ -707,7 +676,7 @@
         <p:spPr>
           <a:xfrm>
             <a:off x="144000" y="3888000"/>
-            <a:ext cx="8999640" cy="658080"/>
+            <a:ext cx="8999280" cy="657720"/>
           </a:xfrm>
           <a:prstGeom prst="rect">
             <a:avLst/>
@@ -766,7 +735,7 @@
         <p:spPr>
           <a:xfrm>
             <a:off x="1584000" y="648000"/>
-            <a:ext cx="6479640" cy="2598480"/>
+            <a:ext cx="6479280" cy="2598120"/>
           </a:xfrm>
           <a:prstGeom prst="rect">
             <a:avLst/>
@@ -804,18 +773,7 @@
                 <a:uFillTx/>
                 <a:latin typeface="Arial"/>
               </a:rPr>
-              <a:t>Click to edit the outline </a:t>
-            </a:r>
-            <a:r>
-              <a:rPr b="0" lang="en-GB" sz="3200" strike="noStrike" u="none">
-                <a:solidFill>
-                  <a:srgbClr val="ffffff"/>
-                </a:solidFill>
-                <a:effectLst/>
-                <a:uFillTx/>
-                <a:latin typeface="Arial"/>
-              </a:rPr>
-              <a:t>text format</a:t>
+              <a:t>Click to edit the outline text format</a:t>
             </a:r>
             <a:endParaRPr b="0" lang="en-GB" sz="3200" strike="noStrike" u="none">
               <a:solidFill>
@@ -990,18 +948,7 @@
                 <a:uFillTx/>
                 <a:latin typeface="Arial"/>
               </a:rPr>
-              <a:t>Sixth Outline </a:t>
-            </a:r>
-            <a:r>
-              <a:rPr b="0" lang="en-GB" sz="2000" strike="noStrike" u="none">
-                <a:solidFill>
-                  <a:srgbClr val="ffffff"/>
-                </a:solidFill>
-                <a:effectLst/>
-                <a:uFillTx/>
-                <a:latin typeface="Arial"/>
-              </a:rPr>
-              <a:t>Level</a:t>
+              <a:t>Sixth Outline Level</a:t>
             </a:r>
             <a:endParaRPr b="0" lang="en-GB" sz="2000" strike="noStrike" u="none">
               <a:solidFill>
@@ -1036,18 +983,7 @@
                 <a:uFillTx/>
                 <a:latin typeface="Arial"/>
               </a:rPr>
-              <a:t>Seventh </a:t>
-            </a:r>
-            <a:r>
-              <a:rPr b="0" lang="en-GB" sz="2000" strike="noStrike" u="none">
-                <a:solidFill>
-                  <a:srgbClr val="ffffff"/>
-                </a:solidFill>
-                <a:effectLst/>
-                <a:uFillTx/>
-                <a:latin typeface="Arial"/>
-              </a:rPr>
-              <a:t>Outline Level</a:t>
+              <a:t>Seventh Outline Level</a:t>
             </a:r>
             <a:endParaRPr b="0" lang="en-GB" sz="2000" strike="noStrike" u="none">
               <a:solidFill>
@@ -1069,7 +1005,7 @@
         <p:spPr>
           <a:xfrm>
             <a:off x="4104000" y="4896000"/>
-            <a:ext cx="5759640" cy="345960"/>
+            <a:ext cx="5759280" cy="345600"/>
           </a:xfrm>
           <a:prstGeom prst="rect">
             <a:avLst/>
@@ -1095,7 +1031,7 @@
                 <a:spcPct val="100000"/>
               </a:lnSpc>
             </a:pPr>
-            <a:fld id="{DA1A5D17-44E9-4F4B-BB27-086F1176783D}" type="author">
+            <a:fld id="{570D1F82-4CC7-47FD-887F-9D9C493A98BA}" type="author">
               <a:rPr b="0" lang="en-GB" sz="1800" strike="noStrike" u="none">
                 <a:solidFill>
                   <a:srgbClr val="ffffff"/>
@@ -1103,6 +1039,7 @@
                 <a:effectLst/>
                 <a:uFillTx/>
                 <a:latin typeface="Arial"/>
+                <a:ea typeface="DejaVu Sans"/>
               </a:rPr>
               <a:t> </a:t>
             </a:fld>
@@ -1126,7 +1063,7 @@
         <p:spPr>
           <a:xfrm>
             <a:off x="25920" y="4628880"/>
-            <a:ext cx="6119640" cy="17640"/>
+            <a:ext cx="6119280" cy="17280"/>
           </a:xfrm>
           <a:prstGeom prst="roundRect">
             <a:avLst>
@@ -1185,7 +1122,7 @@
         <p:spPr>
           <a:xfrm>
             <a:off x="3859200" y="5324400"/>
-            <a:ext cx="6239880" cy="6840"/>
+            <a:ext cx="6239520" cy="6480"/>
           </a:xfrm>
           <a:prstGeom prst="roundRect">
             <a:avLst>
@@ -1244,15 +1181,15 @@
         <p:spPr>
           <a:xfrm>
             <a:off x="4044960" y="4944960"/>
-            <a:ext cx="6840" cy="487080"/>
+            <a:ext cx="6480" cy="486720"/>
           </a:xfrm>
           <a:custGeom>
             <a:avLst/>
             <a:gdLst>
-              <a:gd name="textAreaLeft" fmla="*/ 1080 w 6840"/>
-              <a:gd name="textAreaRight" fmla="*/ 6120 w 6840"/>
-              <a:gd name="textAreaTop" fmla="*/ 1080 h 487080"/>
-              <a:gd name="textAreaBottom" fmla="*/ 486360 h 487080"/>
+              <a:gd name="textAreaLeft" fmla="*/ 1080 w 6480"/>
+              <a:gd name="textAreaRight" fmla="*/ 6120 w 6480"/>
+              <a:gd name="textAreaTop" fmla="*/ 1080 h 486720"/>
+              <a:gd name="textAreaBottom" fmla="*/ 486360 h 486720"/>
             </a:gdLst>
             <a:ahLst/>
             <a:cxnLst/>
@@ -1356,7 +1293,7 @@
         <p:spPr>
           <a:xfrm>
             <a:off x="144000" y="3888000"/>
-            <a:ext cx="8999640" cy="658080"/>
+            <a:ext cx="8999280" cy="657720"/>
           </a:xfrm>
           <a:prstGeom prst="rect">
             <a:avLst/>
@@ -1415,7 +1352,7 @@
         <p:spPr>
           <a:xfrm>
             <a:off x="1584000" y="648000"/>
-            <a:ext cx="6479640" cy="2598480"/>
+            <a:ext cx="6479280" cy="2598120"/>
           </a:xfrm>
           <a:prstGeom prst="rect">
             <a:avLst/>
@@ -1685,7 +1622,7 @@
         <p:spPr>
           <a:xfrm>
             <a:off x="4104000" y="4896000"/>
-            <a:ext cx="5759640" cy="345960"/>
+            <a:ext cx="5759280" cy="345600"/>
           </a:xfrm>
           <a:prstGeom prst="rect">
             <a:avLst/>
@@ -1711,7 +1648,7 @@
                 <a:spcPct val="100000"/>
               </a:lnSpc>
             </a:pPr>
-            <a:fld id="{7842A837-94EC-4DA5-AEAD-5DB1299FAA3C}" type="author">
+            <a:fld id="{4752D72F-52B0-46E1-835C-9C603595B729}" type="author">
               <a:rPr b="0" lang="en-GB" sz="1800" strike="noStrike" u="none">
                 <a:solidFill>
                   <a:srgbClr val="ffffff"/>
@@ -1719,6 +1656,7 @@
                 <a:effectLst/>
                 <a:uFillTx/>
                 <a:latin typeface="Arial"/>
+                <a:ea typeface="DejaVu Sans"/>
               </a:rPr>
               <a:t> </a:t>
             </a:fld>
@@ -1742,7 +1680,7 @@
         <p:spPr>
           <a:xfrm>
             <a:off x="25920" y="4628880"/>
-            <a:ext cx="6119640" cy="17640"/>
+            <a:ext cx="6119280" cy="17280"/>
           </a:xfrm>
           <a:prstGeom prst="roundRect">
             <a:avLst>
@@ -1801,7 +1739,7 @@
         <p:spPr>
           <a:xfrm>
             <a:off x="3859200" y="5324400"/>
-            <a:ext cx="6239880" cy="6840"/>
+            <a:ext cx="6239520" cy="6480"/>
           </a:xfrm>
           <a:prstGeom prst="roundRect">
             <a:avLst>
@@ -1860,15 +1798,15 @@
         <p:spPr>
           <a:xfrm>
             <a:off x="4044960" y="4944960"/>
-            <a:ext cx="6840" cy="487080"/>
+            <a:ext cx="6480" cy="486720"/>
           </a:xfrm>
           <a:custGeom>
             <a:avLst/>
             <a:gdLst>
-              <a:gd name="textAreaLeft" fmla="*/ 1080 w 6840"/>
-              <a:gd name="textAreaRight" fmla="*/ 6120 w 6840"/>
-              <a:gd name="textAreaTop" fmla="*/ 1080 h 487080"/>
-              <a:gd name="textAreaBottom" fmla="*/ 486360 h 487080"/>
+              <a:gd name="textAreaLeft" fmla="*/ 1080 w 6480"/>
+              <a:gd name="textAreaRight" fmla="*/ 6120 w 6480"/>
+              <a:gd name="textAreaTop" fmla="*/ 1080 h 486720"/>
+              <a:gd name="textAreaBottom" fmla="*/ 486360 h 486720"/>
             </a:gdLst>
             <a:ahLst/>
             <a:cxnLst/>
@@ -1972,7 +1910,7 @@
         <p:spPr>
           <a:xfrm>
             <a:off x="144000" y="72000"/>
-            <a:ext cx="9539640" cy="647640"/>
+            <a:ext cx="9539280" cy="647280"/>
           </a:xfrm>
           <a:prstGeom prst="rect">
             <a:avLst/>
@@ -2031,7 +1969,7 @@
         <p:spPr>
           <a:xfrm>
             <a:off x="504000" y="1326600"/>
-            <a:ext cx="9071640" cy="3287880"/>
+            <a:ext cx="9071280" cy="3287520"/>
           </a:xfrm>
           <a:prstGeom prst="rect">
             <a:avLst/>
@@ -2305,7 +2243,7 @@
         <p:spPr>
           <a:xfrm>
             <a:off x="504000" y="5256000"/>
-            <a:ext cx="1655640" cy="213840"/>
+            <a:ext cx="1655280" cy="213840"/>
           </a:xfrm>
           <a:prstGeom prst="rect">
             <a:avLst/>
@@ -2383,7 +2321,7 @@
         <p:spPr>
           <a:xfrm>
             <a:off x="2520000" y="5256000"/>
-            <a:ext cx="4679640" cy="213840"/>
+            <a:ext cx="4679280" cy="213840"/>
           </a:xfrm>
           <a:prstGeom prst="rect">
             <a:avLst/>
@@ -2461,7 +2399,7 @@
         <p:spPr>
           <a:xfrm>
             <a:off x="7560000" y="5256000"/>
-            <a:ext cx="1619640" cy="213840"/>
+            <a:ext cx="1619280" cy="213840"/>
           </a:xfrm>
           <a:prstGeom prst="rect">
             <a:avLst/>
@@ -2504,7 +2442,7 @@
                 <a:tab algn="l" pos="0"/>
               </a:tabLst>
             </a:pPr>
-            <a:fld id="{18ABA42A-4E39-4B57-BFB2-C050033B2BA8}" type="slidenum">
+            <a:fld id="{F1237D81-614C-47A7-B3FC-060F1C2062C6}" type="slidenum">
               <a:rPr b="0" lang="en-GB" sz="1400" strike="noStrike" u="none">
                 <a:solidFill>
                   <a:srgbClr val="ffffff"/>
@@ -2535,7 +2473,7 @@
         <p:spPr>
           <a:xfrm>
             <a:off x="20880" y="607320"/>
-            <a:ext cx="6119640" cy="17640"/>
+            <a:ext cx="6119280" cy="17280"/>
           </a:xfrm>
           <a:prstGeom prst="roundRect">
             <a:avLst>
@@ -2594,7 +2532,7 @@
         <p:spPr>
           <a:xfrm>
             <a:off x="4430520" y="840960"/>
-            <a:ext cx="5673600" cy="6840"/>
+            <a:ext cx="5673240" cy="6480"/>
           </a:xfrm>
           <a:prstGeom prst="roundRect">
             <a:avLst>
@@ -2653,15 +2591,15 @@
         <p:spPr>
           <a:xfrm>
             <a:off x="9819720" y="474480"/>
-            <a:ext cx="6840" cy="492840"/>
+            <a:ext cx="6480" cy="492480"/>
           </a:xfrm>
           <a:custGeom>
             <a:avLst/>
             <a:gdLst>
-              <a:gd name="textAreaLeft" fmla="*/ 1080 w 6840"/>
-              <a:gd name="textAreaRight" fmla="*/ 6120 w 6840"/>
-              <a:gd name="textAreaTop" fmla="*/ 1080 h 492840"/>
-              <a:gd name="textAreaBottom" fmla="*/ 492120 h 492840"/>
+              <a:gd name="textAreaLeft" fmla="*/ 1080 w 6480"/>
+              <a:gd name="textAreaRight" fmla="*/ 6120 w 6480"/>
+              <a:gd name="textAreaTop" fmla="*/ 1080 h 492480"/>
+              <a:gd name="textAreaBottom" fmla="*/ 492120 h 492480"/>
             </a:gdLst>
             <a:ahLst/>
             <a:cxnLst/>
@@ -2732,7 +2670,7 @@
         <p:spPr>
           <a:xfrm>
             <a:off x="1900800" y="5204880"/>
-            <a:ext cx="7464960" cy="6840"/>
+            <a:ext cx="7464600" cy="6480"/>
           </a:xfrm>
           <a:prstGeom prst="roundRect">
             <a:avLst>
@@ -2791,15 +2729,15 @@
         <p:spPr>
           <a:xfrm>
             <a:off x="9259920" y="4917240"/>
-            <a:ext cx="6840" cy="349200"/>
+            <a:ext cx="6480" cy="348840"/>
           </a:xfrm>
           <a:custGeom>
             <a:avLst/>
             <a:gdLst>
-              <a:gd name="textAreaLeft" fmla="*/ 1080 w 6840"/>
-              <a:gd name="textAreaRight" fmla="*/ 6120 w 6840"/>
-              <a:gd name="textAreaTop" fmla="*/ 1080 h 349200"/>
-              <a:gd name="textAreaBottom" fmla="*/ 348480 h 349200"/>
+              <a:gd name="textAreaLeft" fmla="*/ 1080 w 6480"/>
+              <a:gd name="textAreaRight" fmla="*/ 6120 w 6480"/>
+              <a:gd name="textAreaTop" fmla="*/ 1080 h 348840"/>
+              <a:gd name="textAreaBottom" fmla="*/ 348480 h 348840"/>
             </a:gdLst>
             <a:ahLst/>
             <a:cxnLst/>
@@ -2903,7 +2841,7 @@
         <p:spPr>
           <a:xfrm>
             <a:off x="144000" y="72000"/>
-            <a:ext cx="9539640" cy="647640"/>
+            <a:ext cx="9539280" cy="647280"/>
           </a:xfrm>
           <a:prstGeom prst="rect">
             <a:avLst/>
@@ -2962,7 +2900,7 @@
         <p:spPr>
           <a:xfrm>
             <a:off x="504000" y="1326600"/>
-            <a:ext cx="9071640" cy="3287880"/>
+            <a:ext cx="9071280" cy="3287520"/>
           </a:xfrm>
           <a:prstGeom prst="rect">
             <a:avLst/>
@@ -3236,7 +3174,7 @@
         <p:spPr>
           <a:xfrm>
             <a:off x="504000" y="5256000"/>
-            <a:ext cx="1655640" cy="213840"/>
+            <a:ext cx="1655280" cy="213840"/>
           </a:xfrm>
           <a:prstGeom prst="rect">
             <a:avLst/>
@@ -3314,7 +3252,7 @@
         <p:spPr>
           <a:xfrm>
             <a:off x="2520000" y="5256000"/>
-            <a:ext cx="4679640" cy="213840"/>
+            <a:ext cx="4679280" cy="213840"/>
           </a:xfrm>
           <a:prstGeom prst="rect">
             <a:avLst/>
@@ -3392,7 +3330,7 @@
         <p:spPr>
           <a:xfrm>
             <a:off x="7560000" y="5256000"/>
-            <a:ext cx="1619640" cy="213840"/>
+            <a:ext cx="1619280" cy="213840"/>
           </a:xfrm>
           <a:prstGeom prst="rect">
             <a:avLst/>
@@ -3435,7 +3373,7 @@
                 <a:tab algn="l" pos="0"/>
               </a:tabLst>
             </a:pPr>
-            <a:fld id="{2CAAFCBF-488F-43BD-A028-9FEF18265FC1}" type="slidenum">
+            <a:fld id="{ED2DB1D6-4586-4AA2-B4D0-D6CA901A2D4F}" type="slidenum">
               <a:rPr b="0" lang="en-GB" sz="1400" strike="noStrike" u="none">
                 <a:solidFill>
                   <a:srgbClr val="ffffff"/>
@@ -3466,7 +3404,7 @@
         <p:spPr>
           <a:xfrm>
             <a:off x="20880" y="607320"/>
-            <a:ext cx="6119640" cy="17640"/>
+            <a:ext cx="6119280" cy="17280"/>
           </a:xfrm>
           <a:prstGeom prst="roundRect">
             <a:avLst>
@@ -3525,7 +3463,7 @@
         <p:spPr>
           <a:xfrm>
             <a:off x="4430520" y="840960"/>
-            <a:ext cx="5673600" cy="6840"/>
+            <a:ext cx="5673240" cy="6480"/>
           </a:xfrm>
           <a:prstGeom prst="roundRect">
             <a:avLst>
@@ -3584,15 +3522,15 @@
         <p:spPr>
           <a:xfrm>
             <a:off x="9819720" y="474480"/>
-            <a:ext cx="6840" cy="492840"/>
+            <a:ext cx="6480" cy="492480"/>
           </a:xfrm>
           <a:custGeom>
             <a:avLst/>
             <a:gdLst>
-              <a:gd name="textAreaLeft" fmla="*/ 1080 w 6840"/>
-              <a:gd name="textAreaRight" fmla="*/ 6120 w 6840"/>
-              <a:gd name="textAreaTop" fmla="*/ 1080 h 492840"/>
-              <a:gd name="textAreaBottom" fmla="*/ 492120 h 492840"/>
+              <a:gd name="textAreaLeft" fmla="*/ 1080 w 6480"/>
+              <a:gd name="textAreaRight" fmla="*/ 6120 w 6480"/>
+              <a:gd name="textAreaTop" fmla="*/ 1080 h 492480"/>
+              <a:gd name="textAreaBottom" fmla="*/ 492120 h 492480"/>
             </a:gdLst>
             <a:ahLst/>
             <a:cxnLst/>
@@ -3663,7 +3601,7 @@
         <p:spPr>
           <a:xfrm>
             <a:off x="1900800" y="5204880"/>
-            <a:ext cx="7464960" cy="6840"/>
+            <a:ext cx="7464600" cy="6480"/>
           </a:xfrm>
           <a:prstGeom prst="roundRect">
             <a:avLst>
@@ -3722,15 +3660,15 @@
         <p:spPr>
           <a:xfrm>
             <a:off x="9259920" y="4917240"/>
-            <a:ext cx="6840" cy="349200"/>
+            <a:ext cx="6480" cy="348840"/>
           </a:xfrm>
           <a:custGeom>
             <a:avLst/>
             <a:gdLst>
-              <a:gd name="textAreaLeft" fmla="*/ 1080 w 6840"/>
-              <a:gd name="textAreaRight" fmla="*/ 6120 w 6840"/>
-              <a:gd name="textAreaTop" fmla="*/ 1080 h 349200"/>
-              <a:gd name="textAreaBottom" fmla="*/ 348480 h 349200"/>
+              <a:gd name="textAreaLeft" fmla="*/ 1080 w 6480"/>
+              <a:gd name="textAreaRight" fmla="*/ 6120 w 6480"/>
+              <a:gd name="textAreaTop" fmla="*/ 1080 h 348840"/>
+              <a:gd name="textAreaBottom" fmla="*/ 348480 h 348840"/>
             </a:gdLst>
             <a:ahLst/>
             <a:cxnLst/>
@@ -3834,7 +3772,7 @@
         <p:spPr>
           <a:xfrm>
             <a:off x="144000" y="72000"/>
-            <a:ext cx="9539640" cy="647640"/>
+            <a:ext cx="9539280" cy="647280"/>
           </a:xfrm>
           <a:prstGeom prst="rect">
             <a:avLst/>
@@ -3893,7 +3831,7 @@
         <p:spPr>
           <a:xfrm>
             <a:off x="504000" y="1326600"/>
-            <a:ext cx="9071640" cy="3287880"/>
+            <a:ext cx="9071280" cy="3287520"/>
           </a:xfrm>
           <a:prstGeom prst="rect">
             <a:avLst/>
@@ -4167,7 +4105,7 @@
         <p:spPr>
           <a:xfrm>
             <a:off x="504000" y="5256000"/>
-            <a:ext cx="1655640" cy="213840"/>
+            <a:ext cx="1655280" cy="213840"/>
           </a:xfrm>
           <a:prstGeom prst="rect">
             <a:avLst/>
@@ -4245,7 +4183,7 @@
         <p:spPr>
           <a:xfrm>
             <a:off x="2520000" y="5256000"/>
-            <a:ext cx="4679640" cy="213840"/>
+            <a:ext cx="4679280" cy="213840"/>
           </a:xfrm>
           <a:prstGeom prst="rect">
             <a:avLst/>
@@ -4323,7 +4261,7 @@
         <p:spPr>
           <a:xfrm>
             <a:off x="7560000" y="5256000"/>
-            <a:ext cx="1619640" cy="213840"/>
+            <a:ext cx="1619280" cy="213840"/>
           </a:xfrm>
           <a:prstGeom prst="rect">
             <a:avLst/>
@@ -4366,7 +4304,7 @@
                 <a:tab algn="l" pos="0"/>
               </a:tabLst>
             </a:pPr>
-            <a:fld id="{EDA83B31-FCE3-4512-8C39-4728F5CC6F5E}" type="slidenum">
+            <a:fld id="{E057A80D-17F6-47AD-840F-69924835743A}" type="slidenum">
               <a:rPr b="0" lang="en-GB" sz="1400" strike="noStrike" u="none">
                 <a:solidFill>
                   <a:srgbClr val="ffffff"/>
@@ -4397,7 +4335,7 @@
         <p:spPr>
           <a:xfrm>
             <a:off x="20880" y="607320"/>
-            <a:ext cx="6119640" cy="17640"/>
+            <a:ext cx="6119280" cy="17280"/>
           </a:xfrm>
           <a:prstGeom prst="roundRect">
             <a:avLst>
@@ -4456,7 +4394,7 @@
         <p:spPr>
           <a:xfrm>
             <a:off x="4430520" y="840960"/>
-            <a:ext cx="5673600" cy="6840"/>
+            <a:ext cx="5673240" cy="6480"/>
           </a:xfrm>
           <a:prstGeom prst="roundRect">
             <a:avLst>
@@ -4515,15 +4453,15 @@
         <p:spPr>
           <a:xfrm>
             <a:off x="9819720" y="474480"/>
-            <a:ext cx="6840" cy="492840"/>
+            <a:ext cx="6480" cy="492480"/>
           </a:xfrm>
           <a:custGeom>
             <a:avLst/>
             <a:gdLst>
-              <a:gd name="textAreaLeft" fmla="*/ 1080 w 6840"/>
-              <a:gd name="textAreaRight" fmla="*/ 6120 w 6840"/>
-              <a:gd name="textAreaTop" fmla="*/ 1080 h 492840"/>
-              <a:gd name="textAreaBottom" fmla="*/ 492120 h 492840"/>
+              <a:gd name="textAreaLeft" fmla="*/ 1080 w 6480"/>
+              <a:gd name="textAreaRight" fmla="*/ 6120 w 6480"/>
+              <a:gd name="textAreaTop" fmla="*/ 1080 h 492480"/>
+              <a:gd name="textAreaBottom" fmla="*/ 492120 h 492480"/>
             </a:gdLst>
             <a:ahLst/>
             <a:cxnLst/>
@@ -4594,7 +4532,7 @@
         <p:spPr>
           <a:xfrm>
             <a:off x="5644080" y="5194800"/>
-            <a:ext cx="3721680" cy="6840"/>
+            <a:ext cx="3721320" cy="6480"/>
           </a:xfrm>
           <a:prstGeom prst="roundRect">
             <a:avLst>
@@ -4653,15 +4591,15 @@
         <p:spPr>
           <a:xfrm>
             <a:off x="9259920" y="4917240"/>
-            <a:ext cx="6840" cy="349200"/>
+            <a:ext cx="6480" cy="348840"/>
           </a:xfrm>
           <a:custGeom>
             <a:avLst/>
             <a:gdLst>
-              <a:gd name="textAreaLeft" fmla="*/ 1080 w 6840"/>
-              <a:gd name="textAreaRight" fmla="*/ 6120 w 6840"/>
-              <a:gd name="textAreaTop" fmla="*/ 1080 h 349200"/>
-              <a:gd name="textAreaBottom" fmla="*/ 348480 h 349200"/>
+              <a:gd name="textAreaLeft" fmla="*/ 1080 w 6480"/>
+              <a:gd name="textAreaRight" fmla="*/ 6120 w 6480"/>
+              <a:gd name="textAreaTop" fmla="*/ 1080 h 348840"/>
+              <a:gd name="textAreaBottom" fmla="*/ 348480 h 348840"/>
             </a:gdLst>
             <a:ahLst/>
             <a:cxnLst/>
@@ -4732,7 +4670,7 @@
         <p:spPr>
           <a:xfrm>
             <a:off x="974160" y="5194440"/>
-            <a:ext cx="3721680" cy="6840"/>
+            <a:ext cx="3721320" cy="6480"/>
           </a:xfrm>
           <a:prstGeom prst="roundRect">
             <a:avLst>
@@ -4791,15 +4729,15 @@
         <p:spPr>
           <a:xfrm>
             <a:off x="4590000" y="4914000"/>
-            <a:ext cx="6840" cy="349200"/>
+            <a:ext cx="6480" cy="348840"/>
           </a:xfrm>
           <a:custGeom>
             <a:avLst/>
             <a:gdLst>
-              <a:gd name="textAreaLeft" fmla="*/ 1080 w 6840"/>
-              <a:gd name="textAreaRight" fmla="*/ 6120 w 6840"/>
-              <a:gd name="textAreaTop" fmla="*/ 1080 h 349200"/>
-              <a:gd name="textAreaBottom" fmla="*/ 348480 h 349200"/>
+              <a:gd name="textAreaLeft" fmla="*/ 1080 w 6480"/>
+              <a:gd name="textAreaRight" fmla="*/ 6120 w 6480"/>
+              <a:gd name="textAreaTop" fmla="*/ 1080 h 348840"/>
+              <a:gd name="textAreaBottom" fmla="*/ 348480 h 348840"/>
             </a:gdLst>
             <a:ahLst/>
             <a:cxnLst/>
@@ -4870,15 +4808,15 @@
         <p:spPr>
           <a:xfrm>
             <a:off x="5055480" y="1037160"/>
-            <a:ext cx="10440" cy="3700440"/>
+            <a:ext cx="10080" cy="3700080"/>
           </a:xfrm>
           <a:custGeom>
             <a:avLst/>
             <a:gdLst>
-              <a:gd name="textAreaLeft" fmla="*/ 1440 w 10440"/>
-              <a:gd name="textAreaRight" fmla="*/ 9360 w 10440"/>
-              <a:gd name="textAreaTop" fmla="*/ 1440 h 3700440"/>
-              <a:gd name="textAreaBottom" fmla="*/ 3699360 h 3700440"/>
+              <a:gd name="textAreaLeft" fmla="*/ 1440 w 10080"/>
+              <a:gd name="textAreaRight" fmla="*/ 9360 w 10080"/>
+              <a:gd name="textAreaTop" fmla="*/ 1440 h 3700080"/>
+              <a:gd name="textAreaBottom" fmla="*/ 3699360 h 3700080"/>
             </a:gdLst>
             <a:ahLst/>
             <a:cxnLst/>
@@ -4993,7 +4931,7 @@
         <p:spPr>
           <a:xfrm>
             <a:off x="144000" y="72000"/>
-            <a:ext cx="9539640" cy="647640"/>
+            <a:ext cx="9539280" cy="647280"/>
           </a:xfrm>
           <a:prstGeom prst="rect">
             <a:avLst/>
@@ -5052,7 +4990,7 @@
         <p:spPr>
           <a:xfrm>
             <a:off x="504000" y="1326600"/>
-            <a:ext cx="9071640" cy="3287880"/>
+            <a:ext cx="9071280" cy="3287520"/>
           </a:xfrm>
           <a:prstGeom prst="rect">
             <a:avLst/>
@@ -5326,7 +5264,7 @@
         <p:spPr>
           <a:xfrm>
             <a:off x="504000" y="5256000"/>
-            <a:ext cx="1655640" cy="213840"/>
+            <a:ext cx="1655280" cy="213840"/>
           </a:xfrm>
           <a:prstGeom prst="rect">
             <a:avLst/>
@@ -5404,7 +5342,7 @@
         <p:spPr>
           <a:xfrm>
             <a:off x="2520000" y="5256000"/>
-            <a:ext cx="4679640" cy="213840"/>
+            <a:ext cx="4679280" cy="213840"/>
           </a:xfrm>
           <a:prstGeom prst="rect">
             <a:avLst/>
@@ -5482,7 +5420,7 @@
         <p:spPr>
           <a:xfrm>
             <a:off x="7560000" y="5256000"/>
-            <a:ext cx="1619640" cy="213840"/>
+            <a:ext cx="1619280" cy="213840"/>
           </a:xfrm>
           <a:prstGeom prst="rect">
             <a:avLst/>
@@ -5525,7 +5463,7 @@
                 <a:tab algn="l" pos="0"/>
               </a:tabLst>
             </a:pPr>
-            <a:fld id="{5435471E-2382-448C-91AD-24228A91EA72}" type="slidenum">
+            <a:fld id="{9E60BDC7-21A7-4B84-B8C6-C5B3C1ED36C1}" type="slidenum">
               <a:rPr b="0" lang="en-GB" sz="1400" strike="noStrike" u="none">
                 <a:solidFill>
                   <a:srgbClr val="ffffff"/>
@@ -5556,7 +5494,7 @@
         <p:spPr>
           <a:xfrm>
             <a:off x="20880" y="607320"/>
-            <a:ext cx="6119640" cy="17640"/>
+            <a:ext cx="6119280" cy="17280"/>
           </a:xfrm>
           <a:prstGeom prst="roundRect">
             <a:avLst>
@@ -5615,7 +5553,7 @@
         <p:spPr>
           <a:xfrm>
             <a:off x="4430520" y="840960"/>
-            <a:ext cx="5673600" cy="6840"/>
+            <a:ext cx="5673240" cy="6480"/>
           </a:xfrm>
           <a:prstGeom prst="roundRect">
             <a:avLst>
@@ -5674,15 +5612,15 @@
         <p:spPr>
           <a:xfrm>
             <a:off x="9819720" y="474480"/>
-            <a:ext cx="6840" cy="492840"/>
+            <a:ext cx="6480" cy="492480"/>
           </a:xfrm>
           <a:custGeom>
             <a:avLst/>
             <a:gdLst>
-              <a:gd name="textAreaLeft" fmla="*/ 1080 w 6840"/>
-              <a:gd name="textAreaRight" fmla="*/ 6120 w 6840"/>
-              <a:gd name="textAreaTop" fmla="*/ 1080 h 492840"/>
-              <a:gd name="textAreaBottom" fmla="*/ 492120 h 492840"/>
+              <a:gd name="textAreaLeft" fmla="*/ 1080 w 6480"/>
+              <a:gd name="textAreaRight" fmla="*/ 6120 w 6480"/>
+              <a:gd name="textAreaTop" fmla="*/ 1080 h 492480"/>
+              <a:gd name="textAreaBottom" fmla="*/ 492120 h 492480"/>
             </a:gdLst>
             <a:ahLst/>
             <a:cxnLst/>
@@ -5753,7 +5691,7 @@
         <p:spPr>
           <a:xfrm>
             <a:off x="1900800" y="5204880"/>
-            <a:ext cx="7464960" cy="6840"/>
+            <a:ext cx="7464600" cy="6480"/>
           </a:xfrm>
           <a:prstGeom prst="roundRect">
             <a:avLst>
@@ -5812,15 +5750,15 @@
         <p:spPr>
           <a:xfrm>
             <a:off x="9259920" y="4917240"/>
-            <a:ext cx="6840" cy="349200"/>
+            <a:ext cx="6480" cy="348840"/>
           </a:xfrm>
           <a:custGeom>
             <a:avLst/>
             <a:gdLst>
-              <a:gd name="textAreaLeft" fmla="*/ 1080 w 6840"/>
-              <a:gd name="textAreaRight" fmla="*/ 6120 w 6840"/>
-              <a:gd name="textAreaTop" fmla="*/ 1080 h 349200"/>
-              <a:gd name="textAreaBottom" fmla="*/ 348480 h 349200"/>
+              <a:gd name="textAreaLeft" fmla="*/ 1080 w 6480"/>
+              <a:gd name="textAreaRight" fmla="*/ 6120 w 6480"/>
+              <a:gd name="textAreaTop" fmla="*/ 1080 h 348840"/>
+              <a:gd name="textAreaBottom" fmla="*/ 348480 h 348840"/>
             </a:gdLst>
             <a:ahLst/>
             <a:cxnLst/>
@@ -5924,7 +5862,7 @@
         <p:spPr>
           <a:xfrm>
             <a:off x="144000" y="72000"/>
-            <a:ext cx="9539640" cy="647640"/>
+            <a:ext cx="9539280" cy="647280"/>
           </a:xfrm>
           <a:prstGeom prst="rect">
             <a:avLst/>
@@ -5983,7 +5921,7 @@
         <p:spPr>
           <a:xfrm>
             <a:off x="504000" y="1326600"/>
-            <a:ext cx="9071640" cy="3287880"/>
+            <a:ext cx="9071280" cy="3287520"/>
           </a:xfrm>
           <a:prstGeom prst="rect">
             <a:avLst/>
@@ -6257,7 +6195,7 @@
         <p:spPr>
           <a:xfrm>
             <a:off x="504000" y="5256000"/>
-            <a:ext cx="1655640" cy="213840"/>
+            <a:ext cx="1655280" cy="213840"/>
           </a:xfrm>
           <a:prstGeom prst="rect">
             <a:avLst/>
@@ -6335,7 +6273,7 @@
         <p:spPr>
           <a:xfrm>
             <a:off x="2520000" y="5256000"/>
-            <a:ext cx="4679640" cy="213840"/>
+            <a:ext cx="4679280" cy="213840"/>
           </a:xfrm>
           <a:prstGeom prst="rect">
             <a:avLst/>
@@ -6413,7 +6351,7 @@
         <p:spPr>
           <a:xfrm>
             <a:off x="7560000" y="5256000"/>
-            <a:ext cx="1619640" cy="213840"/>
+            <a:ext cx="1619280" cy="213840"/>
           </a:xfrm>
           <a:prstGeom prst="rect">
             <a:avLst/>
@@ -6456,7 +6394,7 @@
                 <a:tab algn="l" pos="0"/>
               </a:tabLst>
             </a:pPr>
-            <a:fld id="{3F8ADC32-CCBF-4243-A1A2-CC497416DCDA}" type="slidenum">
+            <a:fld id="{05E917C7-1AAE-49F9-8AE3-1E9BAA162C8A}" type="slidenum">
               <a:rPr b="0" lang="en-GB" sz="1400" strike="noStrike" u="none">
                 <a:solidFill>
                   <a:srgbClr val="ffffff"/>
@@ -6487,7 +6425,7 @@
         <p:spPr>
           <a:xfrm>
             <a:off x="20880" y="607320"/>
-            <a:ext cx="6119640" cy="17640"/>
+            <a:ext cx="6119280" cy="17280"/>
           </a:xfrm>
           <a:prstGeom prst="roundRect">
             <a:avLst>
@@ -6546,7 +6484,7 @@
         <p:spPr>
           <a:xfrm>
             <a:off x="4430520" y="840960"/>
-            <a:ext cx="5673600" cy="6840"/>
+            <a:ext cx="5673240" cy="6480"/>
           </a:xfrm>
           <a:prstGeom prst="roundRect">
             <a:avLst>
@@ -6605,15 +6543,15 @@
         <p:spPr>
           <a:xfrm>
             <a:off x="9819720" y="474480"/>
-            <a:ext cx="6840" cy="492840"/>
+            <a:ext cx="6480" cy="492480"/>
           </a:xfrm>
           <a:custGeom>
             <a:avLst/>
             <a:gdLst>
-              <a:gd name="textAreaLeft" fmla="*/ 1080 w 6840"/>
-              <a:gd name="textAreaRight" fmla="*/ 6120 w 6840"/>
-              <a:gd name="textAreaTop" fmla="*/ 1080 h 492840"/>
-              <a:gd name="textAreaBottom" fmla="*/ 492120 h 492840"/>
+              <a:gd name="textAreaLeft" fmla="*/ 1080 w 6480"/>
+              <a:gd name="textAreaRight" fmla="*/ 6120 w 6480"/>
+              <a:gd name="textAreaTop" fmla="*/ 1080 h 492480"/>
+              <a:gd name="textAreaBottom" fmla="*/ 492120 h 492480"/>
             </a:gdLst>
             <a:ahLst/>
             <a:cxnLst/>
@@ -6684,7 +6622,7 @@
         <p:spPr>
           <a:xfrm>
             <a:off x="1900800" y="5204880"/>
-            <a:ext cx="7464960" cy="6840"/>
+            <a:ext cx="7464600" cy="6480"/>
           </a:xfrm>
           <a:prstGeom prst="roundRect">
             <a:avLst>
@@ -6743,15 +6681,15 @@
         <p:spPr>
           <a:xfrm>
             <a:off x="9259920" y="4917240"/>
-            <a:ext cx="6840" cy="349200"/>
+            <a:ext cx="6480" cy="348840"/>
           </a:xfrm>
           <a:custGeom>
             <a:avLst/>
             <a:gdLst>
-              <a:gd name="textAreaLeft" fmla="*/ 1080 w 6840"/>
-              <a:gd name="textAreaRight" fmla="*/ 6120 w 6840"/>
-              <a:gd name="textAreaTop" fmla="*/ 1080 h 349200"/>
-              <a:gd name="textAreaBottom" fmla="*/ 348480 h 349200"/>
+              <a:gd name="textAreaLeft" fmla="*/ 1080 w 6480"/>
+              <a:gd name="textAreaRight" fmla="*/ 6120 w 6480"/>
+              <a:gd name="textAreaTop" fmla="*/ 1080 h 348840"/>
+              <a:gd name="textAreaBottom" fmla="*/ 348480 h 348840"/>
             </a:gdLst>
             <a:ahLst/>
             <a:cxnLst/>
@@ -6880,8 +6818,8 @@
         </p:nvSpPr>
         <p:spPr>
           <a:xfrm>
-            <a:off x="144000" y="3887640"/>
-            <a:ext cx="8999640" cy="658800"/>
+            <a:off x="144000" y="3887280"/>
+            <a:ext cx="8999280" cy="659160"/>
           </a:xfrm>
           <a:prstGeom prst="rect">
             <a:avLst/>
@@ -6969,8 +6907,8 @@
         </p:nvSpPr>
         <p:spPr>
           <a:xfrm>
-            <a:off x="144000" y="71640"/>
-            <a:ext cx="9539640" cy="648360"/>
+            <a:off x="144000" y="71280"/>
+            <a:ext cx="9539280" cy="648720"/>
           </a:xfrm>
           <a:prstGeom prst="rect">
             <a:avLst/>
@@ -7003,7 +6941,7 @@
                 <a:uFillTx/>
                 <a:latin typeface="Arial"/>
               </a:rPr>
-              <a:t>Conclusions</a:t>
+              <a:t>7.</a:t>
             </a:r>
             <a:endParaRPr b="0" lang="en-GB" sz="4400" strike="noStrike" u="none">
               <a:solidFill>
@@ -7029,7 +6967,7 @@
         <p:spPr>
           <a:xfrm>
             <a:off x="504000" y="1326600"/>
-            <a:ext cx="4427640" cy="3287880"/>
+            <a:ext cx="9071280" cy="3287520"/>
           </a:xfrm>
           <a:prstGeom prst="rect">
             <a:avLst/>
@@ -7045,57 +6983,32 @@
           </a:bodyPr>
           <a:p>
             <a:pPr indent="0">
+              <a:lnSpc>
+                <a:spcPct val="100000"/>
+              </a:lnSpc>
               <a:spcBef>
-                <a:spcPts val="1417"/>
+                <a:spcPts val="1191"/>
               </a:spcBef>
+              <a:spcAft>
+                <a:spcPts val="992"/>
+              </a:spcAft>
               <a:buNone/>
-            </a:pPr>
-            <a:endParaRPr b="0" lang="en-GB" sz="1800" strike="noStrike" u="none">
-              <a:solidFill>
-                <a:srgbClr val="ffffff"/>
-              </a:solidFill>
-              <a:effectLst/>
-              <a:uFillTx/>
-              <a:latin typeface="Arial"/>
-            </a:endParaRPr>
-          </a:p>
-        </p:txBody>
-      </p:sp>
-      <p:sp>
-        <p:nvSpPr>
-          <p:cNvPr id="90" name="PlaceHolder 3"/>
-          <p:cNvSpPr>
-            <a:spLocks noGrp="1"/>
-          </p:cNvSpPr>
-          <p:nvPr>
-            <p:ph/>
-          </p:nvPr>
-        </p:nvSpPr>
-        <p:spPr>
-          <a:xfrm>
-            <a:off x="5148000" y="1326600"/>
-            <a:ext cx="4427640" cy="3287880"/>
-          </a:xfrm>
-          <a:prstGeom prst="rect">
-            <a:avLst/>
-          </a:prstGeom>
-          <a:noFill/>
-          <a:ln w="0">
-            <a:noFill/>
-          </a:ln>
-        </p:spPr>
-        <p:txBody>
-          <a:bodyPr lIns="0" rIns="0" tIns="0" bIns="0" anchor="t">
-            <a:normAutofit/>
-          </a:bodyPr>
-          <a:p>
-            <a:pPr indent="0">
-              <a:spcBef>
-                <a:spcPts val="1417"/>
-              </a:spcBef>
-              <a:buNone/>
-            </a:pPr>
-            <a:endParaRPr b="0" lang="en-GB" sz="1800" strike="noStrike" u="none">
+              <a:tabLst>
+                <a:tab algn="l" pos="0"/>
+              </a:tabLst>
+            </a:pPr>
+            <a:r>
+              <a:rPr b="0" lang="en-GB" sz="3200" strike="noStrike" u="none">
+                <a:solidFill>
+                  <a:srgbClr val="ffffff"/>
+                </a:solidFill>
+                <a:effectLst/>
+                <a:uFillTx/>
+                <a:latin typeface="Arial"/>
+              </a:rPr>
+              <a:t>As an operations engineer the automation of the deployment ensures that the latest builds of the app are pushed live quickly and efficiently to the end user.</a:t>
+            </a:r>
+            <a:endParaRPr b="0" lang="en-GB" sz="3200" strike="noStrike" u="none">
               <a:solidFill>
                 <a:srgbClr val="ffffff"/>
               </a:solidFill>
@@ -7114,6 +7027,396 @@
     </mc:Choice>
     <mc:Fallback>
       <p:transition spd="slow" advTm="30000"/>
+    </mc:Fallback>
+  </mc:AlternateContent>
+</p:sld>
+</file>
+
+<file path=ppt/slides/slide11.xml><?xml version="1.0" encoding="utf-8"?>
+<p:sld xmlns:a="http://schemas.openxmlformats.org/drawingml/2006/main" xmlns:p="http://schemas.openxmlformats.org/presentationml/2006/main" xmlns:r="http://schemas.openxmlformats.org/officeDocument/2006/relationships" xmlns:p14="http://schemas.microsoft.com/office/powerpoint/2010/main" xmlns:p15="http://schemas.microsoft.com/office/powerpoint/2012/main" xmlns:mc="http://schemas.openxmlformats.org/markup-compatibility/2006">
+  <p:cSld>
+    <p:spTree>
+      <p:nvGrpSpPr>
+        <p:cNvPr id="1" name=""/>
+        <p:cNvGrpSpPr/>
+        <p:nvPr/>
+      </p:nvGrpSpPr>
+      <p:grpSpPr>
+        <a:xfrm>
+          <a:off x="0" y="0"/>
+          <a:ext cx="0" cy="0"/>
+          <a:chOff x="0" y="0"/>
+          <a:chExt cx="0" cy="0"/>
+        </a:xfrm>
+      </p:grpSpPr>
+      <p:sp>
+        <p:nvSpPr>
+          <p:cNvPr id="90" name="PlaceHolder 1"/>
+          <p:cNvSpPr>
+            <a:spLocks noGrp="1"/>
+          </p:cNvSpPr>
+          <p:nvPr>
+            <p:ph type="title"/>
+          </p:nvPr>
+        </p:nvSpPr>
+        <p:spPr>
+          <a:xfrm>
+            <a:off x="144000" y="60480"/>
+            <a:ext cx="9539280" cy="670680"/>
+          </a:xfrm>
+          <a:prstGeom prst="rect">
+            <a:avLst/>
+          </a:prstGeom>
+          <a:noFill/>
+          <a:ln w="0">
+            <a:noFill/>
+          </a:ln>
+        </p:spPr>
+        <p:txBody>
+          <a:bodyPr lIns="0" rIns="0" tIns="0" bIns="0" anchor="ctr">
+            <a:spAutoFit/>
+          </a:bodyPr>
+          <a:p>
+            <a:pPr indent="0">
+              <a:lnSpc>
+                <a:spcPct val="100000"/>
+              </a:lnSpc>
+              <a:buNone/>
+              <a:tabLst>
+                <a:tab algn="l" pos="0"/>
+              </a:tabLst>
+            </a:pPr>
+            <a:r>
+              <a:rPr b="0" lang="en-GB" sz="4400" strike="noStrike" u="none">
+                <a:solidFill>
+                  <a:srgbClr val="ffffff"/>
+                </a:solidFill>
+                <a:effectLst/>
+                <a:uFillTx/>
+                <a:latin typeface="Arial"/>
+              </a:rPr>
+              <a:t>DevOps - Conclusions</a:t>
+            </a:r>
+            <a:endParaRPr b="0" lang="en-GB" sz="4400" strike="noStrike" u="none">
+              <a:solidFill>
+                <a:srgbClr val="ffffff"/>
+              </a:solidFill>
+              <a:effectLst/>
+              <a:uFillTx/>
+              <a:latin typeface="Arial"/>
+            </a:endParaRPr>
+          </a:p>
+        </p:txBody>
+      </p:sp>
+      <p:sp>
+        <p:nvSpPr>
+          <p:cNvPr id="91" name="PlaceHolder 2"/>
+          <p:cNvSpPr>
+            <a:spLocks noGrp="1"/>
+          </p:cNvSpPr>
+          <p:nvPr>
+            <p:ph/>
+          </p:nvPr>
+        </p:nvSpPr>
+        <p:spPr>
+          <a:xfrm>
+            <a:off x="360000" y="1326600"/>
+            <a:ext cx="4427280" cy="3287520"/>
+          </a:xfrm>
+          <a:prstGeom prst="rect">
+            <a:avLst/>
+          </a:prstGeom>
+          <a:noFill/>
+          <a:ln w="0">
+            <a:noFill/>
+          </a:ln>
+        </p:spPr>
+        <p:txBody>
+          <a:bodyPr lIns="0" rIns="0" tIns="0" bIns="0" anchor="t">
+            <a:normAutofit/>
+          </a:bodyPr>
+          <a:p>
+            <a:pPr indent="0">
+              <a:spcBef>
+                <a:spcPts val="1417"/>
+              </a:spcBef>
+              <a:buNone/>
+            </a:pPr>
+            <a:r>
+              <a:rPr b="0" lang="en-GB" sz="3200" strike="noStrike" u="none">
+                <a:solidFill>
+                  <a:srgbClr val="ffffff"/>
+                </a:solidFill>
+                <a:effectLst/>
+                <a:uFillTx/>
+                <a:latin typeface="Arial"/>
+              </a:rPr>
+              <a:t>Pros:</a:t>
+            </a:r>
+            <a:endParaRPr b="0" lang="en-GB" sz="3200" strike="noStrike" u="none">
+              <a:solidFill>
+                <a:srgbClr val="ffffff"/>
+              </a:solidFill>
+              <a:effectLst/>
+              <a:uFillTx/>
+              <a:latin typeface="Arial"/>
+            </a:endParaRPr>
+          </a:p>
+          <a:p>
+            <a:pPr indent="0">
+              <a:spcBef>
+                <a:spcPts val="1417"/>
+              </a:spcBef>
+              <a:buNone/>
+            </a:pPr>
+            <a:r>
+              <a:rPr b="0" lang="en-GB" sz="3200" strike="noStrike" u="none">
+                <a:solidFill>
+                  <a:srgbClr val="ffffff"/>
+                </a:solidFill>
+                <a:effectLst/>
+                <a:uFillTx/>
+                <a:latin typeface="Arial"/>
+              </a:rPr>
+              <a:t>Increased Reliability</a:t>
+            </a:r>
+            <a:endParaRPr b="0" lang="en-GB" sz="3200" strike="noStrike" u="none">
+              <a:solidFill>
+                <a:srgbClr val="ffffff"/>
+              </a:solidFill>
+              <a:effectLst/>
+              <a:uFillTx/>
+              <a:latin typeface="Arial"/>
+            </a:endParaRPr>
+          </a:p>
+          <a:p>
+            <a:pPr indent="0">
+              <a:spcBef>
+                <a:spcPts val="1417"/>
+              </a:spcBef>
+              <a:buNone/>
+            </a:pPr>
+            <a:r>
+              <a:rPr b="0" lang="en-GB" sz="3200" strike="noStrike" u="none">
+                <a:solidFill>
+                  <a:srgbClr val="ffffff"/>
+                </a:solidFill>
+                <a:effectLst/>
+                <a:uFillTx/>
+                <a:latin typeface="Arial"/>
+              </a:rPr>
+              <a:t>Shortened deployment timeframes</a:t>
+            </a:r>
+            <a:endParaRPr b="0" lang="en-GB" sz="3200" strike="noStrike" u="none">
+              <a:solidFill>
+                <a:srgbClr val="ffffff"/>
+              </a:solidFill>
+              <a:effectLst/>
+              <a:uFillTx/>
+              <a:latin typeface="Arial"/>
+            </a:endParaRPr>
+          </a:p>
+          <a:p>
+            <a:pPr indent="0">
+              <a:spcBef>
+                <a:spcPts val="1417"/>
+              </a:spcBef>
+              <a:buNone/>
+            </a:pPr>
+            <a:r>
+              <a:rPr b="0" lang="en-GB" sz="3200" strike="noStrike" u="none">
+                <a:solidFill>
+                  <a:srgbClr val="ffffff"/>
+                </a:solidFill>
+                <a:effectLst/>
+                <a:uFillTx/>
+                <a:latin typeface="Arial"/>
+              </a:rPr>
+              <a:t>Better descision making</a:t>
+            </a:r>
+            <a:endParaRPr b="0" lang="en-GB" sz="3200" strike="noStrike" u="none">
+              <a:solidFill>
+                <a:srgbClr val="ffffff"/>
+              </a:solidFill>
+              <a:effectLst/>
+              <a:uFillTx/>
+              <a:latin typeface="Arial"/>
+            </a:endParaRPr>
+          </a:p>
+        </p:txBody>
+      </p:sp>
+      <p:sp>
+        <p:nvSpPr>
+          <p:cNvPr id="92" name="PlaceHolder 3"/>
+          <p:cNvSpPr>
+            <a:spLocks noGrp="1"/>
+          </p:cNvSpPr>
+          <p:nvPr>
+            <p:ph/>
+          </p:nvPr>
+        </p:nvSpPr>
+        <p:spPr>
+          <a:xfrm>
+            <a:off x="5400000" y="1326600"/>
+            <a:ext cx="4427280" cy="3287520"/>
+          </a:xfrm>
+          <a:prstGeom prst="rect">
+            <a:avLst/>
+          </a:prstGeom>
+          <a:noFill/>
+          <a:ln w="0">
+            <a:noFill/>
+          </a:ln>
+        </p:spPr>
+        <p:txBody>
+          <a:bodyPr lIns="0" rIns="0" tIns="0" bIns="0" anchor="t">
+            <a:normAutofit/>
+          </a:bodyPr>
+          <a:p>
+            <a:pPr indent="0">
+              <a:spcBef>
+                <a:spcPts val="1417"/>
+              </a:spcBef>
+              <a:buNone/>
+            </a:pPr>
+            <a:r>
+              <a:rPr b="0" lang="en-GB" sz="3200" strike="noStrike" u="none">
+                <a:solidFill>
+                  <a:srgbClr val="ffffff"/>
+                </a:solidFill>
+                <a:effectLst/>
+                <a:uFillTx/>
+                <a:latin typeface="Arial"/>
+              </a:rPr>
+              <a:t>Cons:</a:t>
+            </a:r>
+            <a:endParaRPr b="0" lang="en-GB" sz="3200" strike="noStrike" u="none">
+              <a:solidFill>
+                <a:srgbClr val="ffffff"/>
+              </a:solidFill>
+              <a:effectLst/>
+              <a:uFillTx/>
+              <a:latin typeface="Arial"/>
+            </a:endParaRPr>
+          </a:p>
+          <a:p>
+            <a:pPr indent="0">
+              <a:spcBef>
+                <a:spcPts val="1417"/>
+              </a:spcBef>
+              <a:buNone/>
+            </a:pPr>
+            <a:r>
+              <a:rPr b="0" lang="en-GB" sz="3200" strike="noStrike" u="none">
+                <a:solidFill>
+                  <a:srgbClr val="ffffff"/>
+                </a:solidFill>
+                <a:effectLst/>
+                <a:uFillTx/>
+                <a:latin typeface="Arial"/>
+              </a:rPr>
+              <a:t>Resistance to change</a:t>
+            </a:r>
+            <a:endParaRPr b="0" lang="en-GB" sz="3200" strike="noStrike" u="none">
+              <a:solidFill>
+                <a:srgbClr val="ffffff"/>
+              </a:solidFill>
+              <a:effectLst/>
+              <a:uFillTx/>
+              <a:latin typeface="Arial"/>
+            </a:endParaRPr>
+          </a:p>
+          <a:p>
+            <a:pPr indent="0">
+              <a:spcBef>
+                <a:spcPts val="1417"/>
+              </a:spcBef>
+              <a:buNone/>
+            </a:pPr>
+            <a:r>
+              <a:rPr b="0" lang="en-GB" sz="3200" strike="noStrike" u="none">
+                <a:solidFill>
+                  <a:srgbClr val="ffffff"/>
+                </a:solidFill>
+                <a:effectLst/>
+                <a:uFillTx/>
+                <a:latin typeface="Arial"/>
+              </a:rPr>
+              <a:t>Management support</a:t>
+            </a:r>
+            <a:endParaRPr b="0" lang="en-GB" sz="3200" strike="noStrike" u="none">
+              <a:solidFill>
+                <a:srgbClr val="ffffff"/>
+              </a:solidFill>
+              <a:effectLst/>
+              <a:uFillTx/>
+              <a:latin typeface="Arial"/>
+            </a:endParaRPr>
+          </a:p>
+          <a:p>
+            <a:pPr indent="0">
+              <a:spcBef>
+                <a:spcPts val="1417"/>
+              </a:spcBef>
+              <a:buNone/>
+            </a:pPr>
+            <a:r>
+              <a:rPr b="0" lang="en-GB" sz="3200" strike="noStrike" u="none">
+                <a:solidFill>
+                  <a:srgbClr val="ffffff"/>
+                </a:solidFill>
+                <a:effectLst/>
+                <a:uFillTx/>
+                <a:latin typeface="Arial"/>
+              </a:rPr>
+              <a:t>Regulation</a:t>
+            </a:r>
+            <a:endParaRPr b="0" lang="en-GB" sz="3200" strike="noStrike" u="none">
+              <a:solidFill>
+                <a:srgbClr val="ffffff"/>
+              </a:solidFill>
+              <a:effectLst/>
+              <a:uFillTx/>
+              <a:latin typeface="Arial"/>
+            </a:endParaRPr>
+          </a:p>
+          <a:p>
+            <a:pPr indent="0">
+              <a:spcBef>
+                <a:spcPts val="1417"/>
+              </a:spcBef>
+              <a:buNone/>
+            </a:pPr>
+            <a:r>
+              <a:rPr b="0" lang="en-GB" sz="3200" strike="noStrike" u="none">
+                <a:solidFill>
+                  <a:srgbClr val="ffffff"/>
+                </a:solidFill>
+                <a:effectLst/>
+                <a:uFillTx/>
+                <a:latin typeface="Arial"/>
+              </a:rPr>
+              <a:t>Business size</a:t>
+            </a:r>
+            <a:endParaRPr b="0" lang="en-GB" sz="3200" strike="noStrike" u="none">
+              <a:solidFill>
+                <a:srgbClr val="ffffff"/>
+              </a:solidFill>
+              <a:effectLst/>
+              <a:uFillTx/>
+              <a:latin typeface="Arial"/>
+            </a:endParaRPr>
+          </a:p>
+        </p:txBody>
+      </p:sp>
+    </p:spTree>
+  </p:cSld>
+  <mc:AlternateContent>
+    <mc:Choice Requires="p14">
+      <p:transition spd="slow" advTm="60000" p14:dur="2000"/>
+    </mc:Choice>
+    <mc:Fallback>
+      <p:transition spd="slow" advTm="60000"/>
     </mc:Fallback>
   </mc:AlternateContent>
 </p:sld>
@@ -7148,8 +7451,8 @@
         </p:nvSpPr>
         <p:spPr>
           <a:xfrm>
-            <a:off x="144000" y="71640"/>
-            <a:ext cx="9539640" cy="648360"/>
+            <a:off x="144000" y="71280"/>
+            <a:ext cx="9539280" cy="648720"/>
           </a:xfrm>
           <a:prstGeom prst="rect">
             <a:avLst/>
@@ -7208,7 +7511,7 @@
         <p:spPr>
           <a:xfrm>
             <a:off x="504000" y="1326600"/>
-            <a:ext cx="9071640" cy="3287880"/>
+            <a:ext cx="9071280" cy="3287520"/>
           </a:xfrm>
           <a:prstGeom prst="rect">
             <a:avLst/>
@@ -7377,8 +7680,8 @@
         </p:nvSpPr>
         <p:spPr>
           <a:xfrm>
-            <a:off x="144000" y="71640"/>
-            <a:ext cx="9539640" cy="648360"/>
+            <a:off x="144000" y="71280"/>
+            <a:ext cx="9539280" cy="648720"/>
           </a:xfrm>
           <a:prstGeom prst="rect">
             <a:avLst/>
@@ -7411,7 +7714,7 @@
                 <a:uFillTx/>
                 <a:latin typeface="Arial"/>
               </a:rPr>
-              <a:t>1.</a:t>
+              <a:t>DevOps</a:t>
             </a:r>
             <a:endParaRPr b="0" lang="en-GB" sz="4400" strike="noStrike" u="none">
               <a:solidFill>
@@ -7437,7 +7740,7 @@
         <p:spPr>
           <a:xfrm>
             <a:off x="504000" y="1326600"/>
-            <a:ext cx="9071640" cy="3287880"/>
+            <a:ext cx="9071280" cy="3287520"/>
           </a:xfrm>
           <a:prstGeom prst="rect">
             <a:avLst/>
@@ -7463,22 +7766,19 @@
                 <a:spcPts val="992"/>
               </a:spcAft>
               <a:buNone/>
-              <a:tabLst>
-                <a:tab algn="l" pos="0"/>
-              </a:tabLst>
-            </a:pPr>
-            <a:r>
-              <a:rPr b="0" lang="en-GB" sz="3200" strike="noStrike" u="none">
-                <a:solidFill>
-                  <a:srgbClr val="ffffff"/>
-                </a:solidFill>
-                <a:effectLst/>
-                <a:uFillTx/>
-                <a:latin typeface="Arial"/>
-              </a:rPr>
-              <a:t>As a software developer the use of git allows for version control, easier code review and collaboration.</a:t>
-            </a:r>
-            <a:endParaRPr b="0" lang="en-GB" sz="3200" strike="noStrike" u="none">
+            </a:pPr>
+            <a:r>
+              <a:rPr b="0" lang="en-GB" sz="2600" strike="noStrike" u="none">
+                <a:solidFill>
+                  <a:srgbClr val="ffffff"/>
+                </a:solidFill>
+                <a:effectLst/>
+                <a:uFillTx/>
+                <a:latin typeface="Arial"/>
+              </a:rPr>
+              <a:t>DevOps is an organisational approach to collaboration between, but not limited to, development and IT operations teams allowing for quicker and more secure system development and release (Dyck, Penners and Lichter, 2015).</a:t>
+            </a:r>
+            <a:endParaRPr b="0" lang="en-GB" sz="2600" strike="noStrike" u="none">
               <a:solidFill>
                 <a:srgbClr val="ffffff"/>
               </a:solidFill>
@@ -7493,17 +7793,17 @@
   </p:cSld>
   <mc:AlternateContent>
     <mc:Choice Requires="p14">
-      <p:transition spd="slow" advTm="30000" p14:dur="2000"/>
+      <p:transition spd="slow" advTm="60000" p14:dur="2000"/>
     </mc:Choice>
     <mc:Fallback>
-      <p:transition spd="slow" advTm="30000"/>
+      <p:transition spd="slow" advTm="60000"/>
     </mc:Fallback>
   </mc:AlternateContent>
 </p:sld>
 </file>
 
 <file path=ppt/slides/slide4.xml><?xml version="1.0" encoding="utf-8"?>
-<p:sld xmlns:a="http://schemas.openxmlformats.org/drawingml/2006/main" xmlns:p="http://schemas.openxmlformats.org/presentationml/2006/main" xmlns:r="http://schemas.openxmlformats.org/officeDocument/2006/relationships" xmlns:p14="http://schemas.microsoft.com/office/powerpoint/2010/main" xmlns:p15="http://schemas.microsoft.com/office/powerpoint/2012/main" xmlns:mc="http://schemas.openxmlformats.org/markup-compatibility/2006">
+<p:sld xmlns:a="http://schemas.openxmlformats.org/drawingml/2006/main" xmlns:p="http://schemas.openxmlformats.org/presentationml/2006/main" xmlns:r="http://schemas.openxmlformats.org/officeDocument/2006/relationships" xmlns:p14="http://schemas.microsoft.com/office/powerpoint/2010/main" xmlns:p15="http://schemas.microsoft.com/office/powerpoint/2012/main" xmlns:mc="http://schemas.openxmlformats.org/markup-compatibility/2006" show="0">
   <p:cSld>
     <p:spTree>
       <p:nvGrpSpPr>
@@ -7531,8 +7831,8 @@
         </p:nvSpPr>
         <p:spPr>
           <a:xfrm>
-            <a:off x="144000" y="71640"/>
-            <a:ext cx="9539640" cy="648360"/>
+            <a:off x="144000" y="71280"/>
+            <a:ext cx="9539280" cy="648720"/>
           </a:xfrm>
           <a:prstGeom prst="rect">
             <a:avLst/>
@@ -7565,7 +7865,7 @@
                 <a:uFillTx/>
                 <a:latin typeface="Arial"/>
               </a:rPr>
-              <a:t>2.</a:t>
+              <a:t>1.</a:t>
             </a:r>
             <a:endParaRPr b="0" lang="en-GB" sz="4400" strike="noStrike" u="none">
               <a:solidFill>
@@ -7591,7 +7891,7 @@
         <p:spPr>
           <a:xfrm>
             <a:off x="504000" y="1326600"/>
-            <a:ext cx="9071640" cy="3287880"/>
+            <a:ext cx="9071280" cy="3287520"/>
           </a:xfrm>
           <a:prstGeom prst="rect">
             <a:avLst/>
@@ -7630,7 +7930,7 @@
                 <a:uFillTx/>
                 <a:latin typeface="Arial"/>
               </a:rPr>
-              <a:t>As a developer automation of the process is key to producing more reliable and higher quality end products.</a:t>
+              <a:t>As a software developer the use of git allows for version control, easier code review and collaboration.</a:t>
             </a:r>
             <a:endParaRPr b="0" lang="en-GB" sz="3200" strike="noStrike" u="none">
               <a:solidFill>
@@ -7657,7 +7957,7 @@
 </file>
 
 <file path=ppt/slides/slide5.xml><?xml version="1.0" encoding="utf-8"?>
-<p:sld xmlns:a="http://schemas.openxmlformats.org/drawingml/2006/main" xmlns:p="http://schemas.openxmlformats.org/presentationml/2006/main" xmlns:r="http://schemas.openxmlformats.org/officeDocument/2006/relationships" xmlns:p14="http://schemas.microsoft.com/office/powerpoint/2010/main" xmlns:p15="http://schemas.microsoft.com/office/powerpoint/2012/main" xmlns:mc="http://schemas.openxmlformats.org/markup-compatibility/2006">
+<p:sld xmlns:a="http://schemas.openxmlformats.org/drawingml/2006/main" xmlns:p="http://schemas.openxmlformats.org/presentationml/2006/main" xmlns:r="http://schemas.openxmlformats.org/officeDocument/2006/relationships" xmlns:p14="http://schemas.microsoft.com/office/powerpoint/2010/main" xmlns:p15="http://schemas.microsoft.com/office/powerpoint/2012/main" xmlns:mc="http://schemas.openxmlformats.org/markup-compatibility/2006" show="0">
   <p:cSld>
     <p:spTree>
       <p:nvGrpSpPr>
@@ -7685,8 +7985,8 @@
         </p:nvSpPr>
         <p:spPr>
           <a:xfrm>
-            <a:off x="144000" y="71640"/>
-            <a:ext cx="9539640" cy="648360"/>
+            <a:off x="144000" y="71280"/>
+            <a:ext cx="9539280" cy="648720"/>
           </a:xfrm>
           <a:prstGeom prst="rect">
             <a:avLst/>
@@ -7719,7 +8019,7 @@
                 <a:uFillTx/>
                 <a:latin typeface="Arial"/>
               </a:rPr>
-              <a:t>3.</a:t>
+              <a:t>2.</a:t>
             </a:r>
             <a:endParaRPr b="0" lang="en-GB" sz="4400" strike="noStrike" u="none">
               <a:solidFill>
@@ -7745,7 +8045,7 @@
         <p:spPr>
           <a:xfrm>
             <a:off x="504000" y="1326600"/>
-            <a:ext cx="9071640" cy="3287880"/>
+            <a:ext cx="9071280" cy="3287520"/>
           </a:xfrm>
           <a:prstGeom prst="rect">
             <a:avLst/>
@@ -7784,7 +8084,51 @@
                 <a:uFillTx/>
                 <a:latin typeface="Arial"/>
               </a:rPr>
-              <a:t>As a code tester the Automation of basic testing allows me to ensure that the code hits a basic level of functionality.</a:t>
+              <a:t>As a developer </a:t>
+            </a:r>
+            <a:r>
+              <a:rPr b="0" lang="en-GB" sz="3200" strike="noStrike" u="none">
+                <a:solidFill>
+                  <a:srgbClr val="ffffff"/>
+                </a:solidFill>
+                <a:effectLst/>
+                <a:uFillTx/>
+                <a:latin typeface="Arial"/>
+              </a:rPr>
+              <a:t>automation of the process </a:t>
+            </a:r>
+            <a:r>
+              <a:rPr b="0" lang="en-GB" sz="3200" strike="noStrike" u="none">
+                <a:solidFill>
+                  <a:srgbClr val="ffffff"/>
+                </a:solidFill>
+                <a:effectLst/>
+                <a:uFillTx/>
+                <a:latin typeface="Arial"/>
+              </a:rPr>
+              <a:t>is key to producing more </a:t>
+            </a:r>
+            <a:r>
+              <a:rPr b="0" lang="en-GB" sz="3200" strike="noStrike" u="none">
+                <a:solidFill>
+                  <a:srgbClr val="ffffff"/>
+                </a:solidFill>
+                <a:effectLst/>
+                <a:uFillTx/>
+                <a:latin typeface="Arial"/>
+              </a:rPr>
+              <a:t>reliable and higher quality </a:t>
+            </a:r>
+            <a:r>
+              <a:rPr b="0" lang="en-GB" sz="3200" strike="noStrike" u="none">
+                <a:solidFill>
+                  <a:srgbClr val="ffffff"/>
+                </a:solidFill>
+                <a:effectLst/>
+                <a:uFillTx/>
+                <a:latin typeface="Arial"/>
+              </a:rPr>
+              <a:t>end products.</a:t>
             </a:r>
             <a:endParaRPr b="0" lang="en-GB" sz="3200" strike="noStrike" u="none">
               <a:solidFill>
@@ -7811,7 +8155,7 @@
 </file>
 
 <file path=ppt/slides/slide6.xml><?xml version="1.0" encoding="utf-8"?>
-<p:sld xmlns:a="http://schemas.openxmlformats.org/drawingml/2006/main" xmlns:p="http://schemas.openxmlformats.org/presentationml/2006/main" xmlns:r="http://schemas.openxmlformats.org/officeDocument/2006/relationships" xmlns:p14="http://schemas.microsoft.com/office/powerpoint/2010/main" xmlns:p15="http://schemas.microsoft.com/office/powerpoint/2012/main" xmlns:mc="http://schemas.openxmlformats.org/markup-compatibility/2006">
+<p:sld xmlns:a="http://schemas.openxmlformats.org/drawingml/2006/main" xmlns:p="http://schemas.openxmlformats.org/presentationml/2006/main" xmlns:r="http://schemas.openxmlformats.org/officeDocument/2006/relationships" xmlns:p14="http://schemas.microsoft.com/office/powerpoint/2010/main" xmlns:p15="http://schemas.microsoft.com/office/powerpoint/2012/main" xmlns:mc="http://schemas.openxmlformats.org/markup-compatibility/2006" show="0">
   <p:cSld>
     <p:spTree>
       <p:nvGrpSpPr>
@@ -7839,8 +8183,8 @@
         </p:nvSpPr>
         <p:spPr>
           <a:xfrm>
-            <a:off x="144000" y="71640"/>
-            <a:ext cx="9539640" cy="648360"/>
+            <a:off x="144000" y="71280"/>
+            <a:ext cx="9539280" cy="648720"/>
           </a:xfrm>
           <a:prstGeom prst="rect">
             <a:avLst/>
@@ -7873,7 +8217,7 @@
                 <a:uFillTx/>
                 <a:latin typeface="Arial"/>
               </a:rPr>
-              <a:t>4.</a:t>
+              <a:t>3.</a:t>
             </a:r>
             <a:endParaRPr b="0" lang="en-GB" sz="4400" strike="noStrike" u="none">
               <a:solidFill>
@@ -7899,7 +8243,7 @@
         <p:spPr>
           <a:xfrm>
             <a:off x="504000" y="1326600"/>
-            <a:ext cx="9071640" cy="3287880"/>
+            <a:ext cx="9071280" cy="3287520"/>
           </a:xfrm>
           <a:prstGeom prst="rect">
             <a:avLst/>
@@ -7938,7 +8282,7 @@
                 <a:uFillTx/>
                 <a:latin typeface="Arial"/>
               </a:rPr>
-              <a:t>As a DevOps Engineer deploying the infrastructure as code means that the deployment process is repeatable and reproducible.</a:t>
+              <a:t>As a code tester the Automation of basic testing allows me to ensure that the code hits a basic level of functionality.</a:t>
             </a:r>
             <a:endParaRPr b="0" lang="en-GB" sz="3200" strike="noStrike" u="none">
               <a:solidFill>
@@ -7965,7 +8309,7 @@
 </file>
 
 <file path=ppt/slides/slide7.xml><?xml version="1.0" encoding="utf-8"?>
-<p:sld xmlns:a="http://schemas.openxmlformats.org/drawingml/2006/main" xmlns:p="http://schemas.openxmlformats.org/presentationml/2006/main" xmlns:r="http://schemas.openxmlformats.org/officeDocument/2006/relationships" xmlns:p14="http://schemas.microsoft.com/office/powerpoint/2010/main" xmlns:p15="http://schemas.microsoft.com/office/powerpoint/2012/main" xmlns:mc="http://schemas.openxmlformats.org/markup-compatibility/2006">
+<p:sld xmlns:a="http://schemas.openxmlformats.org/drawingml/2006/main" xmlns:p="http://schemas.openxmlformats.org/presentationml/2006/main" xmlns:r="http://schemas.openxmlformats.org/officeDocument/2006/relationships" xmlns:p14="http://schemas.microsoft.com/office/powerpoint/2010/main" xmlns:p15="http://schemas.microsoft.com/office/powerpoint/2012/main" xmlns:mc="http://schemas.openxmlformats.org/markup-compatibility/2006" show="0">
   <p:cSld>
     <p:spTree>
       <p:nvGrpSpPr>
@@ -7993,8 +8337,8 @@
         </p:nvSpPr>
         <p:spPr>
           <a:xfrm>
-            <a:off x="144000" y="71640"/>
-            <a:ext cx="9539640" cy="648360"/>
+            <a:off x="144000" y="71280"/>
+            <a:ext cx="9539280" cy="648720"/>
           </a:xfrm>
           <a:prstGeom prst="rect">
             <a:avLst/>
@@ -8027,7 +8371,7 @@
                 <a:uFillTx/>
                 <a:latin typeface="Arial"/>
               </a:rPr>
-              <a:t>5.</a:t>
+              <a:t>4.</a:t>
             </a:r>
             <a:endParaRPr b="0" lang="en-GB" sz="4400" strike="noStrike" u="none">
               <a:solidFill>
@@ -8053,7 +8397,7 @@
         <p:spPr>
           <a:xfrm>
             <a:off x="504000" y="1326600"/>
-            <a:ext cx="9071640" cy="3287880"/>
+            <a:ext cx="9071280" cy="3287520"/>
           </a:xfrm>
           <a:prstGeom prst="rect">
             <a:avLst/>
@@ -8092,7 +8436,73 @@
                 <a:uFillTx/>
                 <a:latin typeface="Arial"/>
               </a:rPr>
-              <a:t>As a security developer the standardised process allows for security to be baked into the process more easily.</a:t>
+              <a:t>As a DevOps Engineer </a:t>
+            </a:r>
+            <a:r>
+              <a:rPr b="0" lang="en-GB" sz="3200" strike="noStrike" u="none">
+                <a:solidFill>
+                  <a:srgbClr val="ffffff"/>
+                </a:solidFill>
+                <a:effectLst/>
+                <a:uFillTx/>
+                <a:latin typeface="Arial"/>
+              </a:rPr>
+              <a:t>deploying the </a:t>
+            </a:r>
+            <a:r>
+              <a:rPr b="0" lang="en-GB" sz="3200" strike="noStrike" u="none">
+                <a:solidFill>
+                  <a:srgbClr val="ffffff"/>
+                </a:solidFill>
+                <a:effectLst/>
+                <a:uFillTx/>
+                <a:latin typeface="Arial"/>
+              </a:rPr>
+              <a:t>infrastructure as code </a:t>
+            </a:r>
+            <a:r>
+              <a:rPr b="0" lang="en-GB" sz="3200" strike="noStrike" u="none">
+                <a:solidFill>
+                  <a:srgbClr val="ffffff"/>
+                </a:solidFill>
+                <a:effectLst/>
+                <a:uFillTx/>
+                <a:latin typeface="Arial"/>
+              </a:rPr>
+              <a:t>means that the </a:t>
+            </a:r>
+            <a:r>
+              <a:rPr b="0" lang="en-GB" sz="3200" strike="noStrike" u="none">
+                <a:solidFill>
+                  <a:srgbClr val="ffffff"/>
+                </a:solidFill>
+                <a:effectLst/>
+                <a:uFillTx/>
+                <a:latin typeface="Arial"/>
+              </a:rPr>
+              <a:t>deployment process is </a:t>
+            </a:r>
+            <a:r>
+              <a:rPr b="0" lang="en-GB" sz="3200" strike="noStrike" u="none">
+                <a:solidFill>
+                  <a:srgbClr val="ffffff"/>
+                </a:solidFill>
+                <a:effectLst/>
+                <a:uFillTx/>
+                <a:latin typeface="Arial"/>
+              </a:rPr>
+              <a:t>repeatable and </a:t>
+            </a:r>
+            <a:r>
+              <a:rPr b="0" lang="en-GB" sz="3200" strike="noStrike" u="none">
+                <a:solidFill>
+                  <a:srgbClr val="ffffff"/>
+                </a:solidFill>
+                <a:effectLst/>
+                <a:uFillTx/>
+                <a:latin typeface="Arial"/>
+              </a:rPr>
+              <a:t>reproducible.</a:t>
             </a:r>
             <a:endParaRPr b="0" lang="en-GB" sz="3200" strike="noStrike" u="none">
               <a:solidFill>
@@ -8119,7 +8529,7 @@
 </file>
 
 <file path=ppt/slides/slide8.xml><?xml version="1.0" encoding="utf-8"?>
-<p:sld xmlns:a="http://schemas.openxmlformats.org/drawingml/2006/main" xmlns:p="http://schemas.openxmlformats.org/presentationml/2006/main" xmlns:r="http://schemas.openxmlformats.org/officeDocument/2006/relationships" xmlns:p14="http://schemas.microsoft.com/office/powerpoint/2010/main" xmlns:p15="http://schemas.microsoft.com/office/powerpoint/2012/main" xmlns:mc="http://schemas.openxmlformats.org/markup-compatibility/2006">
+<p:sld xmlns:a="http://schemas.openxmlformats.org/drawingml/2006/main" xmlns:p="http://schemas.openxmlformats.org/presentationml/2006/main" xmlns:r="http://schemas.openxmlformats.org/officeDocument/2006/relationships" xmlns:p14="http://schemas.microsoft.com/office/powerpoint/2010/main" xmlns:p15="http://schemas.microsoft.com/office/powerpoint/2012/main" xmlns:mc="http://schemas.openxmlformats.org/markup-compatibility/2006" show="0">
   <p:cSld>
     <p:spTree>
       <p:nvGrpSpPr>
@@ -8147,8 +8557,8 @@
         </p:nvSpPr>
         <p:spPr>
           <a:xfrm>
-            <a:off x="144000" y="71640"/>
-            <a:ext cx="9539640" cy="648360"/>
+            <a:off x="144000" y="71280"/>
+            <a:ext cx="9539280" cy="648720"/>
           </a:xfrm>
           <a:prstGeom prst="rect">
             <a:avLst/>
@@ -8181,7 +8591,7 @@
                 <a:uFillTx/>
                 <a:latin typeface="Arial"/>
               </a:rPr>
-              <a:t>6.</a:t>
+              <a:t>5.</a:t>
             </a:r>
             <a:endParaRPr b="0" lang="en-GB" sz="4400" strike="noStrike" u="none">
               <a:solidFill>
@@ -8207,7 +8617,7 @@
         <p:spPr>
           <a:xfrm>
             <a:off x="504000" y="1326600"/>
-            <a:ext cx="9071640" cy="3287880"/>
+            <a:ext cx="9071280" cy="3287520"/>
           </a:xfrm>
           <a:prstGeom prst="rect">
             <a:avLst/>
@@ -8246,7 +8656,7 @@
                 <a:uFillTx/>
                 <a:latin typeface="Arial"/>
               </a:rPr>
-              <a:t>As a data architect using the architecture monitoring tools allow for future improvements to the system.</a:t>
+              <a:t>As a security developer the standardised process allows for security to be baked into the process more easily.</a:t>
             </a:r>
             <a:endParaRPr b="0" lang="en-GB" sz="3200" strike="noStrike" u="none">
               <a:solidFill>
@@ -8273,7 +8683,7 @@
 </file>
 
 <file path=ppt/slides/slide9.xml><?xml version="1.0" encoding="utf-8"?>
-<p:sld xmlns:a="http://schemas.openxmlformats.org/drawingml/2006/main" xmlns:p="http://schemas.openxmlformats.org/presentationml/2006/main" xmlns:r="http://schemas.openxmlformats.org/officeDocument/2006/relationships" xmlns:p14="http://schemas.microsoft.com/office/powerpoint/2010/main" xmlns:p15="http://schemas.microsoft.com/office/powerpoint/2012/main" xmlns:mc="http://schemas.openxmlformats.org/markup-compatibility/2006">
+<p:sld xmlns:a="http://schemas.openxmlformats.org/drawingml/2006/main" xmlns:p="http://schemas.openxmlformats.org/presentationml/2006/main" xmlns:r="http://schemas.openxmlformats.org/officeDocument/2006/relationships" xmlns:p14="http://schemas.microsoft.com/office/powerpoint/2010/main" xmlns:p15="http://schemas.microsoft.com/office/powerpoint/2012/main" xmlns:mc="http://schemas.openxmlformats.org/markup-compatibility/2006" show="0">
   <p:cSld>
     <p:spTree>
       <p:nvGrpSpPr>
@@ -8301,8 +8711,8 @@
         </p:nvSpPr>
         <p:spPr>
           <a:xfrm>
-            <a:off x="144000" y="71640"/>
-            <a:ext cx="9539640" cy="648360"/>
+            <a:off x="144000" y="71280"/>
+            <a:ext cx="9539280" cy="648720"/>
           </a:xfrm>
           <a:prstGeom prst="rect">
             <a:avLst/>
@@ -8335,7 +8745,7 @@
                 <a:uFillTx/>
                 <a:latin typeface="Arial"/>
               </a:rPr>
-              <a:t>7.</a:t>
+              <a:t>6.</a:t>
             </a:r>
             <a:endParaRPr b="0" lang="en-GB" sz="4400" strike="noStrike" u="none">
               <a:solidFill>
@@ -8361,7 +8771,7 @@
         <p:spPr>
           <a:xfrm>
             <a:off x="504000" y="1326600"/>
-            <a:ext cx="9071640" cy="3287880"/>
+            <a:ext cx="9071280" cy="3287520"/>
           </a:xfrm>
           <a:prstGeom prst="rect">
             <a:avLst/>
@@ -8400,7 +8810,51 @@
                 <a:uFillTx/>
                 <a:latin typeface="Arial"/>
               </a:rPr>
-              <a:t>As an operations engineer the automation of the deployment ensures that the latest builds of the app are pushed live quickly and efficiently to the end user.</a:t>
+              <a:t>As a data architect using </a:t>
+            </a:r>
+            <a:r>
+              <a:rPr b="0" lang="en-GB" sz="3200" strike="noStrike" u="none">
+                <a:solidFill>
+                  <a:srgbClr val="ffffff"/>
+                </a:solidFill>
+                <a:effectLst/>
+                <a:uFillTx/>
+                <a:latin typeface="Arial"/>
+              </a:rPr>
+              <a:t>the architecture </a:t>
+            </a:r>
+            <a:r>
+              <a:rPr b="0" lang="en-GB" sz="3200" strike="noStrike" u="none">
+                <a:solidFill>
+                  <a:srgbClr val="ffffff"/>
+                </a:solidFill>
+                <a:effectLst/>
+                <a:uFillTx/>
+                <a:latin typeface="Arial"/>
+              </a:rPr>
+              <a:t>monitoring tools allow for </a:t>
+            </a:r>
+            <a:r>
+              <a:rPr b="0" lang="en-GB" sz="3200" strike="noStrike" u="none">
+                <a:solidFill>
+                  <a:srgbClr val="ffffff"/>
+                </a:solidFill>
+                <a:effectLst/>
+                <a:uFillTx/>
+                <a:latin typeface="Arial"/>
+              </a:rPr>
+              <a:t>future improvements to </a:t>
+            </a:r>
+            <a:r>
+              <a:rPr b="0" lang="en-GB" sz="3200" strike="noStrike" u="none">
+                <a:solidFill>
+                  <a:srgbClr val="ffffff"/>
+                </a:solidFill>
+                <a:effectLst/>
+                <a:uFillTx/>
+                <a:latin typeface="Arial"/>
+              </a:rPr>
+              <a:t>the system.</a:t>
             </a:r>
             <a:endParaRPr b="0" lang="en-GB" sz="3200" strike="noStrike" u="none">
               <a:solidFill>
